--- a/fa19/assets/slides/fa19/09-Object_Oriented_Programming.pptx
+++ b/fa19/assets/slides/fa19/09-Object_Oriented_Programming.pptx
@@ -5,36 +5,38 @@
     <p:sldMasterId id="2147483650" r:id="rId1"/>
   </p:sldMasterIdLst>
   <p:notesMasterIdLst>
-    <p:notesMasterId r:id="rId26"/>
+    <p:notesMasterId r:id="rId28"/>
   </p:notesMasterIdLst>
   <p:handoutMasterIdLst>
-    <p:handoutMasterId r:id="rId27"/>
+    <p:handoutMasterId r:id="rId29"/>
   </p:handoutMasterIdLst>
   <p:sldIdLst>
     <p:sldId id="360" r:id="rId2"/>
-    <p:sldId id="258" r:id="rId3"/>
-    <p:sldId id="263" r:id="rId4"/>
-    <p:sldId id="401" r:id="rId5"/>
-    <p:sldId id="402" r:id="rId6"/>
-    <p:sldId id="355" r:id="rId7"/>
-    <p:sldId id="338" r:id="rId8"/>
-    <p:sldId id="357" r:id="rId9"/>
-    <p:sldId id="323" r:id="rId10"/>
-    <p:sldId id="358" r:id="rId11"/>
-    <p:sldId id="359" r:id="rId12"/>
-    <p:sldId id="336" r:id="rId13"/>
-    <p:sldId id="337" r:id="rId14"/>
-    <p:sldId id="339" r:id="rId15"/>
-    <p:sldId id="353" r:id="rId16"/>
-    <p:sldId id="342" r:id="rId17"/>
-    <p:sldId id="341" r:id="rId18"/>
-    <p:sldId id="343" r:id="rId19"/>
-    <p:sldId id="346" r:id="rId20"/>
-    <p:sldId id="347" r:id="rId21"/>
-    <p:sldId id="351" r:id="rId22"/>
-    <p:sldId id="349" r:id="rId23"/>
-    <p:sldId id="350" r:id="rId24"/>
-    <p:sldId id="352" r:id="rId25"/>
+    <p:sldId id="256" r:id="rId3"/>
+    <p:sldId id="257" r:id="rId4"/>
+    <p:sldId id="258" r:id="rId5"/>
+    <p:sldId id="263" r:id="rId6"/>
+    <p:sldId id="401" r:id="rId7"/>
+    <p:sldId id="402" r:id="rId8"/>
+    <p:sldId id="355" r:id="rId9"/>
+    <p:sldId id="338" r:id="rId10"/>
+    <p:sldId id="357" r:id="rId11"/>
+    <p:sldId id="323" r:id="rId12"/>
+    <p:sldId id="358" r:id="rId13"/>
+    <p:sldId id="359" r:id="rId14"/>
+    <p:sldId id="336" r:id="rId15"/>
+    <p:sldId id="337" r:id="rId16"/>
+    <p:sldId id="339" r:id="rId17"/>
+    <p:sldId id="353" r:id="rId18"/>
+    <p:sldId id="342" r:id="rId19"/>
+    <p:sldId id="341" r:id="rId20"/>
+    <p:sldId id="343" r:id="rId21"/>
+    <p:sldId id="346" r:id="rId22"/>
+    <p:sldId id="347" r:id="rId23"/>
+    <p:sldId id="351" r:id="rId24"/>
+    <p:sldId id="349" r:id="rId25"/>
+    <p:sldId id="350" r:id="rId26"/>
+    <p:sldId id="352" r:id="rId27"/>
   </p:sldIdLst>
   <p:sldSz cx="9144000" cy="6858000" type="letter"/>
   <p:notesSz cx="6997700" cy="9194800"/>
@@ -1322,7 +1324,7 @@
               <a:pPr>
                 <a:defRPr/>
               </a:pPr>
-              <a:t>2</a:t>
+              <a:t>4</a:t>
             </a:fld>
             <a:endParaRPr lang="en-US"/>
           </a:p>
@@ -5431,7 +5433,7 @@
           <a:p>
             <a:r>
               <a:rPr lang="en-US" dirty="0"/>
-              <a:t>Class Inheritance</a:t>
+              <a:t>Objects</a:t>
             </a:r>
           </a:p>
         </p:txBody>
@@ -5458,7 +5460,7 @@
           <a:p>
             <a:r>
               <a:rPr lang="en-US" dirty="0"/>
-              <a:t>Classes can inherit methods and attributes from parent classes but extend into their own class.</a:t>
+              <a:t>An object is the instance of a class.</a:t>
             </a:r>
           </a:p>
           <a:p>
@@ -5468,7 +5470,7 @@
       </p:sp>
       <p:pic>
         <p:nvPicPr>
-          <p:cNvPr id="2" name="Picture 1"/>
+          <p:cNvPr id="3" name="Picture 2"/>
           <p:cNvPicPr>
             <a:picLocks noChangeAspect="1"/>
           </p:cNvPicPr>
@@ -5482,8 +5484,8 @@
         </p:blipFill>
         <p:spPr>
           <a:xfrm>
-            <a:off x="1219200" y="2209800"/>
-            <a:ext cx="7010400" cy="3785616"/>
+            <a:off x="1447800" y="1905000"/>
+            <a:ext cx="6172200" cy="4330057"/>
           </a:xfrm>
           <a:prstGeom prst="rect">
             <a:avLst/>
@@ -5529,7 +5531,7 @@
           <p:cNvPr id="10" name="Date Placeholder 3">
             <a:extLst>
               <a:ext uri="{FF2B5EF4-FFF2-40B4-BE49-F238E27FC236}">
-                <a16:creationId xmlns:a16="http://schemas.microsoft.com/office/drawing/2014/main" id="{B10B7BAA-0A16-7A40-B8AA-BC623829BCCA}"/>
+                <a16:creationId xmlns:a16="http://schemas.microsoft.com/office/drawing/2014/main" id="{CA0AC022-1CA1-234A-9687-A6A00D49994F}"/>
               </a:ext>
             </a:extLst>
           </p:cNvPr>
@@ -5565,7 +5567,7 @@
           <p:cNvPr id="11" name="Footer Placeholder 4">
             <a:extLst>
               <a:ext uri="{FF2B5EF4-FFF2-40B4-BE49-F238E27FC236}">
-                <a16:creationId xmlns:a16="http://schemas.microsoft.com/office/drawing/2014/main" id="{762E602E-2810-C64F-8ED9-F0603656BDFB}"/>
+                <a16:creationId xmlns:a16="http://schemas.microsoft.com/office/drawing/2014/main" id="{07DE3D33-69AC-674F-B077-A7846A2BFFF1}"/>
               </a:ext>
             </a:extLst>
           </p:cNvPr>
@@ -5599,7 +5601,7 @@
     </p:spTree>
     <p:extLst>
       <p:ext uri="{BB962C8B-B14F-4D97-AF65-F5344CB8AC3E}">
-        <p14:creationId xmlns:p14="http://schemas.microsoft.com/office/powerpoint/2010/main" val="1638929222"/>
+        <p14:creationId xmlns:p14="http://schemas.microsoft.com/office/powerpoint/2010/main" val="1128333580"/>
       </p:ext>
     </p:extLst>
   </p:cSld>
@@ -5628,7 +5630,7 @@
       </p:grpSpPr>
       <p:sp>
         <p:nvSpPr>
-          <p:cNvPr id="2" name="Title 1"/>
+          <p:cNvPr id="8" name="Title 7"/>
           <p:cNvSpPr>
             <a:spLocks noGrp="1"/>
           </p:cNvSpPr>
@@ -5643,14 +5645,14 @@
           <a:p>
             <a:r>
               <a:rPr lang="en-US" dirty="0"/>
-              <a:t>Inheritance</a:t>
-            </a:r>
-          </a:p>
-        </p:txBody>
-      </p:sp>
-      <p:sp>
-        <p:nvSpPr>
-          <p:cNvPr id="3" name="Content Placeholder 2"/>
+              <a:t>Objects</a:t>
+            </a:r>
+          </a:p>
+        </p:txBody>
+      </p:sp>
+      <p:sp>
+        <p:nvSpPr>
+          <p:cNvPr id="9" name="Content Placeholder 8"/>
           <p:cNvSpPr>
             <a:spLocks noGrp="1"/>
           </p:cNvSpPr>
@@ -5658,51 +5660,142 @@
             <p:ph idx="1"/>
           </p:nvPr>
         </p:nvSpPr>
-        <p:spPr>
-          <a:xfrm>
-            <a:off x="685800" y="1295400"/>
-            <a:ext cx="7620000" cy="5029200"/>
-          </a:xfrm>
-        </p:spPr>
+        <p:spPr/>
         <p:txBody>
           <a:bodyPr/>
           <a:lstStyle/>
           <a:p>
             <a:r>
               <a:rPr lang="en-US" dirty="0"/>
-              <a:t>Define a class as a specialization of an existing class</a:t>
-            </a:r>
+              <a:t>Objects are concrete instances of classes in memory.</a:t>
+            </a:r>
+          </a:p>
+          <a:p>
+            <a:endParaRPr lang="en-US" dirty="0"/>
           </a:p>
           <a:p>
             <a:r>
               <a:rPr lang="en-US" dirty="0"/>
-              <a:t>Inherent its attributes, methods (behaviors)</a:t>
-            </a:r>
-          </a:p>
-          <a:p>
+              <a:t>They can have state</a:t>
+            </a:r>
+          </a:p>
+          <a:p>
+            <a:pPr lvl="1"/>
             <a:r>
               <a:rPr lang="en-US" dirty="0"/>
-              <a:t>Add additional ones</a:t>
-            </a:r>
-          </a:p>
-          <a:p>
+              <a:t>mutable </a:t>
+            </a:r>
+            <a:r>
+              <a:rPr lang="en-US" dirty="0" err="1"/>
+              <a:t>vs</a:t>
+            </a:r>
             <a:r>
               <a:rPr lang="en-US" dirty="0"/>
-              <a:t>Redefine (specialize) existing ones</a:t>
+              <a:t> immutable</a:t>
             </a:r>
           </a:p>
           <a:p>
             <a:pPr lvl="1"/>
+            <a:endParaRPr lang="en-US" dirty="0">
+              <a:solidFill>
+                <a:srgbClr val="0000FF"/>
+              </a:solidFill>
+            </a:endParaRPr>
+          </a:p>
+          <a:p>
+            <a:r>
+              <a:rPr lang="en-US" dirty="0">
+                <a:solidFill>
+                  <a:schemeClr val="tx2"/>
+                </a:solidFill>
+              </a:rPr>
+              <a:t>Functions do one thing (well)</a:t>
+            </a:r>
+          </a:p>
+          <a:p>
+            <a:pPr lvl="1"/>
+            <a:r>
+              <a:rPr lang="en-US" dirty="0">
+                <a:solidFill>
+                  <a:schemeClr val="tx2"/>
+                </a:solidFill>
+              </a:rPr>
+              <a:t>Objects do a collection of related things</a:t>
+            </a:r>
+          </a:p>
+          <a:p>
+            <a:pPr marL="457200" lvl="1" indent="0">
+              <a:buNone/>
+            </a:pPr>
+            <a:endParaRPr lang="en-US" dirty="0">
+              <a:solidFill>
+                <a:schemeClr val="tx2"/>
+              </a:solidFill>
+            </a:endParaRPr>
+          </a:p>
+          <a:p>
             <a:r>
               <a:rPr lang="en-US" dirty="0"/>
-              <a:t>Ones in superclass still accessible in its namespace</a:t>
-            </a:r>
-          </a:p>
-        </p:txBody>
-      </p:sp>
-      <p:sp>
-        <p:nvSpPr>
-          <p:cNvPr id="13" name="Slide Number Placeholder 5"/>
+              <a:t>In Python, everything is an object</a:t>
+            </a:r>
+          </a:p>
+          <a:p>
+            <a:pPr lvl="1"/>
+            <a:r>
+              <a:rPr lang="en-US" dirty="0"/>
+              <a:t>All </a:t>
+            </a:r>
+            <a:r>
+              <a:rPr lang="en-US" dirty="0">
+                <a:solidFill>
+                  <a:srgbClr val="0000FF"/>
+                </a:solidFill>
+              </a:rPr>
+              <a:t>objects</a:t>
+            </a:r>
+            <a:r>
+              <a:rPr lang="en-US" dirty="0"/>
+              <a:t> have </a:t>
+            </a:r>
+            <a:r>
+              <a:rPr lang="en-US" dirty="0">
+                <a:solidFill>
+                  <a:srgbClr val="0000FF"/>
+                </a:solidFill>
+              </a:rPr>
+              <a:t>attributes</a:t>
+            </a:r>
+          </a:p>
+          <a:p>
+            <a:pPr lvl="1"/>
+            <a:r>
+              <a:rPr lang="en-US" dirty="0"/>
+              <a:t>Manipulation happens through </a:t>
+            </a:r>
+            <a:r>
+              <a:rPr lang="en-US" dirty="0">
+                <a:solidFill>
+                  <a:srgbClr val="0000FF"/>
+                </a:solidFill>
+              </a:rPr>
+              <a:t>methods</a:t>
+            </a:r>
+          </a:p>
+          <a:p>
+            <a:pPr marL="457200" lvl="1" indent="0">
+              <a:buNone/>
+            </a:pPr>
+            <a:endParaRPr lang="en-US" dirty="0">
+              <a:solidFill>
+                <a:schemeClr val="tx2"/>
+              </a:solidFill>
+            </a:endParaRPr>
+          </a:p>
+        </p:txBody>
+      </p:sp>
+      <p:sp>
+        <p:nvSpPr>
+          <p:cNvPr id="12" name="Slide Number Placeholder 5"/>
           <p:cNvSpPr>
             <a:spLocks noGrp="1"/>
           </p:cNvSpPr>
@@ -5729,6 +5822,781 @@
                 <a:defRPr/>
               </a:pPr>
               <a:t>11</a:t>
+            </a:fld>
+            <a:endParaRPr lang="en-US" b="0" dirty="0"/>
+          </a:p>
+        </p:txBody>
+      </p:sp>
+      <p:sp>
+        <p:nvSpPr>
+          <p:cNvPr id="10" name="Date Placeholder 3">
+            <a:extLst>
+              <a:ext uri="{FF2B5EF4-FFF2-40B4-BE49-F238E27FC236}">
+                <a16:creationId xmlns:a16="http://schemas.microsoft.com/office/drawing/2014/main" id="{C1DF1AA9-C9E3-B747-A7D1-F6B8FCD83B12}"/>
+              </a:ext>
+            </a:extLst>
+          </p:cNvPr>
+          <p:cNvSpPr>
+            <a:spLocks noGrp="1"/>
+          </p:cNvSpPr>
+          <p:nvPr>
+            <p:ph type="dt" sz="half" idx="10"/>
+          </p:nvPr>
+        </p:nvSpPr>
+        <p:spPr>
+          <a:xfrm>
+            <a:off x="0" y="6553200"/>
+            <a:ext cx="1524000" cy="304800"/>
+          </a:xfrm>
+        </p:spPr>
+        <p:txBody>
+          <a:bodyPr/>
+          <a:lstStyle/>
+          <a:p>
+            <a:pPr>
+              <a:defRPr/>
+            </a:pPr>
+            <a:r>
+              <a:rPr lang="en-US" dirty="0"/>
+              <a:t>11/4/19</a:t>
+            </a:r>
+          </a:p>
+        </p:txBody>
+      </p:sp>
+      <p:sp>
+        <p:nvSpPr>
+          <p:cNvPr id="11" name="Footer Placeholder 4">
+            <a:extLst>
+              <a:ext uri="{FF2B5EF4-FFF2-40B4-BE49-F238E27FC236}">
+                <a16:creationId xmlns:a16="http://schemas.microsoft.com/office/drawing/2014/main" id="{2CB1CAC2-C420-F743-9DFD-03CEDCBF22BE}"/>
+              </a:ext>
+            </a:extLst>
+          </p:cNvPr>
+          <p:cNvSpPr>
+            <a:spLocks noGrp="1"/>
+          </p:cNvSpPr>
+          <p:nvPr>
+            <p:ph type="ftr" sz="quarter" idx="11"/>
+          </p:nvPr>
+        </p:nvSpPr>
+        <p:spPr>
+          <a:xfrm>
+            <a:off x="3048000" y="6553200"/>
+            <a:ext cx="2895600" cy="304800"/>
+          </a:xfrm>
+        </p:spPr>
+        <p:txBody>
+          <a:bodyPr/>
+          <a:lstStyle/>
+          <a:p>
+            <a:pPr>
+              <a:defRPr/>
+            </a:pPr>
+            <a:r>
+              <a:rPr lang="en-US" dirty="0"/>
+              <a:t>UCB CS88 Fa19 L09</a:t>
+            </a:r>
+          </a:p>
+        </p:txBody>
+      </p:sp>
+    </p:spTree>
+    <p:extLst>
+      <p:ext uri="{BB962C8B-B14F-4D97-AF65-F5344CB8AC3E}">
+        <p14:creationId xmlns:p14="http://schemas.microsoft.com/office/powerpoint/2010/main" val="4005111729"/>
+      </p:ext>
+    </p:extLst>
+  </p:cSld>
+  <p:clrMapOvr>
+    <a:masterClrMapping/>
+  </p:clrMapOvr>
+  <p:timing>
+    <p:tnLst>
+      <p:par>
+        <p:cTn id="1" dur="indefinite" restart="never" nodeType="tmRoot">
+          <p:childTnLst>
+            <p:seq concurrent="1" nextAc="seek">
+              <p:cTn id="2" dur="indefinite" nodeType="mainSeq">
+                <p:childTnLst>
+                  <p:par>
+                    <p:cTn id="3" fill="hold">
+                      <p:stCondLst>
+                        <p:cond delay="indefinite"/>
+                      </p:stCondLst>
+                      <p:childTnLst>
+                        <p:par>
+                          <p:cTn id="4" fill="hold">
+                            <p:stCondLst>
+                              <p:cond delay="0"/>
+                            </p:stCondLst>
+                            <p:childTnLst>
+                              <p:par>
+                                <p:cTn id="5" presetID="1" presetClass="entr" presetSubtype="0" fill="hold" grpId="0" nodeType="clickEffect">
+                                  <p:stCondLst>
+                                    <p:cond delay="0"/>
+                                  </p:stCondLst>
+                                  <p:childTnLst>
+                                    <p:set>
+                                      <p:cBhvr>
+                                        <p:cTn id="6" dur="1" fill="hold">
+                                          <p:stCondLst>
+                                            <p:cond delay="0"/>
+                                          </p:stCondLst>
+                                        </p:cTn>
+                                        <p:tgtEl>
+                                          <p:spTgt spid="9">
+                                            <p:txEl>
+                                              <p:pRg st="0" end="0"/>
+                                            </p:txEl>
+                                          </p:spTgt>
+                                        </p:tgtEl>
+                                        <p:attrNameLst>
+                                          <p:attrName>style.visibility</p:attrName>
+                                        </p:attrNameLst>
+                                      </p:cBhvr>
+                                      <p:to>
+                                        <p:strVal val="visible"/>
+                                      </p:to>
+                                    </p:set>
+                                  </p:childTnLst>
+                                </p:cTn>
+                              </p:par>
+                            </p:childTnLst>
+                          </p:cTn>
+                        </p:par>
+                      </p:childTnLst>
+                    </p:cTn>
+                  </p:par>
+                  <p:par>
+                    <p:cTn id="7" fill="hold">
+                      <p:stCondLst>
+                        <p:cond delay="indefinite"/>
+                      </p:stCondLst>
+                      <p:childTnLst>
+                        <p:par>
+                          <p:cTn id="8" fill="hold">
+                            <p:stCondLst>
+                              <p:cond delay="0"/>
+                            </p:stCondLst>
+                            <p:childTnLst>
+                              <p:par>
+                                <p:cTn id="9" presetID="1" presetClass="entr" presetSubtype="0" fill="hold" grpId="0" nodeType="clickEffect">
+                                  <p:stCondLst>
+                                    <p:cond delay="0"/>
+                                  </p:stCondLst>
+                                  <p:childTnLst>
+                                    <p:set>
+                                      <p:cBhvr>
+                                        <p:cTn id="10" dur="1" fill="hold">
+                                          <p:stCondLst>
+                                            <p:cond delay="0"/>
+                                          </p:stCondLst>
+                                        </p:cTn>
+                                        <p:tgtEl>
+                                          <p:spTgt spid="9">
+                                            <p:txEl>
+                                              <p:pRg st="2" end="2"/>
+                                            </p:txEl>
+                                          </p:spTgt>
+                                        </p:tgtEl>
+                                        <p:attrNameLst>
+                                          <p:attrName>style.visibility</p:attrName>
+                                        </p:attrNameLst>
+                                      </p:cBhvr>
+                                      <p:to>
+                                        <p:strVal val="visible"/>
+                                      </p:to>
+                                    </p:set>
+                                  </p:childTnLst>
+                                </p:cTn>
+                              </p:par>
+                              <p:par>
+                                <p:cTn id="11" presetID="1" presetClass="entr" presetSubtype="0" fill="hold" grpId="0" nodeType="withEffect">
+                                  <p:stCondLst>
+                                    <p:cond delay="0"/>
+                                  </p:stCondLst>
+                                  <p:childTnLst>
+                                    <p:set>
+                                      <p:cBhvr>
+                                        <p:cTn id="12" dur="1" fill="hold">
+                                          <p:stCondLst>
+                                            <p:cond delay="0"/>
+                                          </p:stCondLst>
+                                        </p:cTn>
+                                        <p:tgtEl>
+                                          <p:spTgt spid="9">
+                                            <p:txEl>
+                                              <p:pRg st="3" end="3"/>
+                                            </p:txEl>
+                                          </p:spTgt>
+                                        </p:tgtEl>
+                                        <p:attrNameLst>
+                                          <p:attrName>style.visibility</p:attrName>
+                                        </p:attrNameLst>
+                                      </p:cBhvr>
+                                      <p:to>
+                                        <p:strVal val="visible"/>
+                                      </p:to>
+                                    </p:set>
+                                  </p:childTnLst>
+                                </p:cTn>
+                              </p:par>
+                            </p:childTnLst>
+                          </p:cTn>
+                        </p:par>
+                      </p:childTnLst>
+                    </p:cTn>
+                  </p:par>
+                  <p:par>
+                    <p:cTn id="13" fill="hold">
+                      <p:stCondLst>
+                        <p:cond delay="indefinite"/>
+                      </p:stCondLst>
+                      <p:childTnLst>
+                        <p:par>
+                          <p:cTn id="14" fill="hold">
+                            <p:stCondLst>
+                              <p:cond delay="0"/>
+                            </p:stCondLst>
+                            <p:childTnLst>
+                              <p:par>
+                                <p:cTn id="15" presetID="1" presetClass="entr" presetSubtype="0" fill="hold" grpId="0" nodeType="clickEffect">
+                                  <p:stCondLst>
+                                    <p:cond delay="0"/>
+                                  </p:stCondLst>
+                                  <p:childTnLst>
+                                    <p:set>
+                                      <p:cBhvr>
+                                        <p:cTn id="16" dur="1" fill="hold">
+                                          <p:stCondLst>
+                                            <p:cond delay="0"/>
+                                          </p:stCondLst>
+                                        </p:cTn>
+                                        <p:tgtEl>
+                                          <p:spTgt spid="9">
+                                            <p:txEl>
+                                              <p:pRg st="5" end="5"/>
+                                            </p:txEl>
+                                          </p:spTgt>
+                                        </p:tgtEl>
+                                        <p:attrNameLst>
+                                          <p:attrName>style.visibility</p:attrName>
+                                        </p:attrNameLst>
+                                      </p:cBhvr>
+                                      <p:to>
+                                        <p:strVal val="visible"/>
+                                      </p:to>
+                                    </p:set>
+                                  </p:childTnLst>
+                                </p:cTn>
+                              </p:par>
+                              <p:par>
+                                <p:cTn id="17" presetID="1" presetClass="entr" presetSubtype="0" fill="hold" grpId="0" nodeType="withEffect">
+                                  <p:stCondLst>
+                                    <p:cond delay="0"/>
+                                  </p:stCondLst>
+                                  <p:childTnLst>
+                                    <p:set>
+                                      <p:cBhvr>
+                                        <p:cTn id="18" dur="1" fill="hold">
+                                          <p:stCondLst>
+                                            <p:cond delay="0"/>
+                                          </p:stCondLst>
+                                        </p:cTn>
+                                        <p:tgtEl>
+                                          <p:spTgt spid="9">
+                                            <p:txEl>
+                                              <p:pRg st="6" end="6"/>
+                                            </p:txEl>
+                                          </p:spTgt>
+                                        </p:tgtEl>
+                                        <p:attrNameLst>
+                                          <p:attrName>style.visibility</p:attrName>
+                                        </p:attrNameLst>
+                                      </p:cBhvr>
+                                      <p:to>
+                                        <p:strVal val="visible"/>
+                                      </p:to>
+                                    </p:set>
+                                  </p:childTnLst>
+                                </p:cTn>
+                              </p:par>
+                            </p:childTnLst>
+                          </p:cTn>
+                        </p:par>
+                      </p:childTnLst>
+                    </p:cTn>
+                  </p:par>
+                  <p:par>
+                    <p:cTn id="19" fill="hold">
+                      <p:stCondLst>
+                        <p:cond delay="indefinite"/>
+                      </p:stCondLst>
+                      <p:childTnLst>
+                        <p:par>
+                          <p:cTn id="20" fill="hold">
+                            <p:stCondLst>
+                              <p:cond delay="0"/>
+                            </p:stCondLst>
+                            <p:childTnLst>
+                              <p:par>
+                                <p:cTn id="21" presetID="1" presetClass="entr" presetSubtype="0" fill="hold" grpId="0" nodeType="clickEffect">
+                                  <p:stCondLst>
+                                    <p:cond delay="0"/>
+                                  </p:stCondLst>
+                                  <p:childTnLst>
+                                    <p:set>
+                                      <p:cBhvr>
+                                        <p:cTn id="22" dur="1" fill="hold">
+                                          <p:stCondLst>
+                                            <p:cond delay="0"/>
+                                          </p:stCondLst>
+                                        </p:cTn>
+                                        <p:tgtEl>
+                                          <p:spTgt spid="9">
+                                            <p:txEl>
+                                              <p:pRg st="8" end="8"/>
+                                            </p:txEl>
+                                          </p:spTgt>
+                                        </p:tgtEl>
+                                        <p:attrNameLst>
+                                          <p:attrName>style.visibility</p:attrName>
+                                        </p:attrNameLst>
+                                      </p:cBhvr>
+                                      <p:to>
+                                        <p:strVal val="visible"/>
+                                      </p:to>
+                                    </p:set>
+                                  </p:childTnLst>
+                                </p:cTn>
+                              </p:par>
+                              <p:par>
+                                <p:cTn id="23" presetID="1" presetClass="entr" presetSubtype="0" fill="hold" grpId="0" nodeType="withEffect">
+                                  <p:stCondLst>
+                                    <p:cond delay="0"/>
+                                  </p:stCondLst>
+                                  <p:childTnLst>
+                                    <p:set>
+                                      <p:cBhvr>
+                                        <p:cTn id="24" dur="1" fill="hold">
+                                          <p:stCondLst>
+                                            <p:cond delay="0"/>
+                                          </p:stCondLst>
+                                        </p:cTn>
+                                        <p:tgtEl>
+                                          <p:spTgt spid="9">
+                                            <p:txEl>
+                                              <p:pRg st="9" end="9"/>
+                                            </p:txEl>
+                                          </p:spTgt>
+                                        </p:tgtEl>
+                                        <p:attrNameLst>
+                                          <p:attrName>style.visibility</p:attrName>
+                                        </p:attrNameLst>
+                                      </p:cBhvr>
+                                      <p:to>
+                                        <p:strVal val="visible"/>
+                                      </p:to>
+                                    </p:set>
+                                  </p:childTnLst>
+                                </p:cTn>
+                              </p:par>
+                              <p:par>
+                                <p:cTn id="25" presetID="1" presetClass="entr" presetSubtype="0" fill="hold" grpId="0" nodeType="withEffect">
+                                  <p:stCondLst>
+                                    <p:cond delay="0"/>
+                                  </p:stCondLst>
+                                  <p:childTnLst>
+                                    <p:set>
+                                      <p:cBhvr>
+                                        <p:cTn id="26" dur="1" fill="hold">
+                                          <p:stCondLst>
+                                            <p:cond delay="0"/>
+                                          </p:stCondLst>
+                                        </p:cTn>
+                                        <p:tgtEl>
+                                          <p:spTgt spid="9">
+                                            <p:txEl>
+                                              <p:pRg st="10" end="10"/>
+                                            </p:txEl>
+                                          </p:spTgt>
+                                        </p:tgtEl>
+                                        <p:attrNameLst>
+                                          <p:attrName>style.visibility</p:attrName>
+                                        </p:attrNameLst>
+                                      </p:cBhvr>
+                                      <p:to>
+                                        <p:strVal val="visible"/>
+                                      </p:to>
+                                    </p:set>
+                                  </p:childTnLst>
+                                </p:cTn>
+                              </p:par>
+                            </p:childTnLst>
+                          </p:cTn>
+                        </p:par>
+                      </p:childTnLst>
+                    </p:cTn>
+                  </p:par>
+                </p:childTnLst>
+              </p:cTn>
+              <p:prevCondLst>
+                <p:cond evt="onPrev" delay="0">
+                  <p:tgtEl>
+                    <p:sldTgt/>
+                  </p:tgtEl>
+                </p:cond>
+              </p:prevCondLst>
+              <p:nextCondLst>
+                <p:cond evt="onNext" delay="0">
+                  <p:tgtEl>
+                    <p:sldTgt/>
+                  </p:tgtEl>
+                </p:cond>
+              </p:nextCondLst>
+            </p:seq>
+          </p:childTnLst>
+        </p:cTn>
+      </p:par>
+    </p:tnLst>
+    <p:bldLst>
+      <p:bldP spid="9" grpId="0" build="p"/>
+    </p:bldLst>
+  </p:timing>
+</p:sld>
+</file>
+
+<file path=ppt/slides/slide12.xml><?xml version="1.0" encoding="utf-8"?>
+<p:sld xmlns:a="http://schemas.openxmlformats.org/drawingml/2006/main" xmlns:r="http://schemas.openxmlformats.org/officeDocument/2006/relationships" xmlns:p="http://schemas.openxmlformats.org/presentationml/2006/main">
+  <p:cSld>
+    <p:spTree>
+      <p:nvGrpSpPr>
+        <p:cNvPr id="1" name=""/>
+        <p:cNvGrpSpPr/>
+        <p:nvPr/>
+      </p:nvGrpSpPr>
+      <p:grpSpPr>
+        <a:xfrm>
+          <a:off x="0" y="0"/>
+          <a:ext cx="0" cy="0"/>
+          <a:chOff x="0" y="0"/>
+          <a:chExt cx="0" cy="0"/>
+        </a:xfrm>
+      </p:grpSpPr>
+      <p:sp>
+        <p:nvSpPr>
+          <p:cNvPr id="8" name="Title 7"/>
+          <p:cNvSpPr>
+            <a:spLocks noGrp="1"/>
+          </p:cNvSpPr>
+          <p:nvPr>
+            <p:ph type="title"/>
+          </p:nvPr>
+        </p:nvSpPr>
+        <p:spPr/>
+        <p:txBody>
+          <a:bodyPr/>
+          <a:lstStyle/>
+          <a:p>
+            <a:r>
+              <a:rPr lang="en-US" dirty="0"/>
+              <a:t>Class Inheritance</a:t>
+            </a:r>
+          </a:p>
+        </p:txBody>
+      </p:sp>
+      <p:sp>
+        <p:nvSpPr>
+          <p:cNvPr id="9" name="Content Placeholder 8"/>
+          <p:cNvSpPr>
+            <a:spLocks noGrp="1"/>
+          </p:cNvSpPr>
+          <p:nvPr>
+            <p:ph idx="1"/>
+          </p:nvPr>
+        </p:nvSpPr>
+        <p:spPr>
+          <a:xfrm>
+            <a:off x="685800" y="1066800"/>
+            <a:ext cx="8229600" cy="5257800"/>
+          </a:xfrm>
+        </p:spPr>
+        <p:txBody>
+          <a:bodyPr/>
+          <a:lstStyle/>
+          <a:p>
+            <a:r>
+              <a:rPr lang="en-US" dirty="0"/>
+              <a:t>Classes can inherit methods and attributes from parent classes but extend into their own class.</a:t>
+            </a:r>
+          </a:p>
+          <a:p>
+            <a:endParaRPr lang="en-US" dirty="0"/>
+          </a:p>
+        </p:txBody>
+      </p:sp>
+      <p:pic>
+        <p:nvPicPr>
+          <p:cNvPr id="2" name="Picture 1"/>
+          <p:cNvPicPr>
+            <a:picLocks noChangeAspect="1"/>
+          </p:cNvPicPr>
+          <p:nvPr/>
+        </p:nvPicPr>
+        <p:blipFill>
+          <a:blip r:embed="rId2"/>
+          <a:stretch>
+            <a:fillRect/>
+          </a:stretch>
+        </p:blipFill>
+        <p:spPr>
+          <a:xfrm>
+            <a:off x="1219200" y="2209800"/>
+            <a:ext cx="7010400" cy="3785616"/>
+          </a:xfrm>
+          <a:prstGeom prst="rect">
+            <a:avLst/>
+          </a:prstGeom>
+        </p:spPr>
+      </p:pic>
+      <p:sp>
+        <p:nvSpPr>
+          <p:cNvPr id="12" name="Slide Number Placeholder 5"/>
+          <p:cNvSpPr>
+            <a:spLocks noGrp="1"/>
+          </p:cNvSpPr>
+          <p:nvPr>
+            <p:ph type="sldNum" sz="quarter" idx="12"/>
+          </p:nvPr>
+        </p:nvSpPr>
+        <p:spPr>
+          <a:xfrm>
+            <a:off x="8610600" y="6553200"/>
+            <a:ext cx="533400" cy="304800"/>
+          </a:xfrm>
+        </p:spPr>
+        <p:txBody>
+          <a:bodyPr/>
+          <a:lstStyle/>
+          <a:p>
+            <a:pPr>
+              <a:defRPr/>
+            </a:pPr>
+            <a:fld id="{ACA94121-BA6C-AD43-82C2-DF1F24FE5D9C}" type="slidenum">
+              <a:rPr lang="en-US" smtClean="0"/>
+              <a:pPr>
+                <a:defRPr/>
+              </a:pPr>
+              <a:t>12</a:t>
+            </a:fld>
+            <a:endParaRPr lang="en-US" b="0" dirty="0"/>
+          </a:p>
+        </p:txBody>
+      </p:sp>
+      <p:sp>
+        <p:nvSpPr>
+          <p:cNvPr id="10" name="Date Placeholder 3">
+            <a:extLst>
+              <a:ext uri="{FF2B5EF4-FFF2-40B4-BE49-F238E27FC236}">
+                <a16:creationId xmlns:a16="http://schemas.microsoft.com/office/drawing/2014/main" id="{B10B7BAA-0A16-7A40-B8AA-BC623829BCCA}"/>
+              </a:ext>
+            </a:extLst>
+          </p:cNvPr>
+          <p:cNvSpPr>
+            <a:spLocks noGrp="1"/>
+          </p:cNvSpPr>
+          <p:nvPr>
+            <p:ph type="dt" sz="half" idx="10"/>
+          </p:nvPr>
+        </p:nvSpPr>
+        <p:spPr>
+          <a:xfrm>
+            <a:off x="0" y="6553200"/>
+            <a:ext cx="1524000" cy="304800"/>
+          </a:xfrm>
+        </p:spPr>
+        <p:txBody>
+          <a:bodyPr/>
+          <a:lstStyle/>
+          <a:p>
+            <a:pPr>
+              <a:defRPr/>
+            </a:pPr>
+            <a:r>
+              <a:rPr lang="en-US" dirty="0"/>
+              <a:t>11/4/19</a:t>
+            </a:r>
+          </a:p>
+        </p:txBody>
+      </p:sp>
+      <p:sp>
+        <p:nvSpPr>
+          <p:cNvPr id="11" name="Footer Placeholder 4">
+            <a:extLst>
+              <a:ext uri="{FF2B5EF4-FFF2-40B4-BE49-F238E27FC236}">
+                <a16:creationId xmlns:a16="http://schemas.microsoft.com/office/drawing/2014/main" id="{762E602E-2810-C64F-8ED9-F0603656BDFB}"/>
+              </a:ext>
+            </a:extLst>
+          </p:cNvPr>
+          <p:cNvSpPr>
+            <a:spLocks noGrp="1"/>
+          </p:cNvSpPr>
+          <p:nvPr>
+            <p:ph type="ftr" sz="quarter" idx="11"/>
+          </p:nvPr>
+        </p:nvSpPr>
+        <p:spPr>
+          <a:xfrm>
+            <a:off x="3048000" y="6553200"/>
+            <a:ext cx="2895600" cy="304800"/>
+          </a:xfrm>
+        </p:spPr>
+        <p:txBody>
+          <a:bodyPr/>
+          <a:lstStyle/>
+          <a:p>
+            <a:pPr>
+              <a:defRPr/>
+            </a:pPr>
+            <a:r>
+              <a:rPr lang="en-US" dirty="0"/>
+              <a:t>UCB CS88 Fa19 L09</a:t>
+            </a:r>
+          </a:p>
+        </p:txBody>
+      </p:sp>
+    </p:spTree>
+    <p:extLst>
+      <p:ext uri="{BB962C8B-B14F-4D97-AF65-F5344CB8AC3E}">
+        <p14:creationId xmlns:p14="http://schemas.microsoft.com/office/powerpoint/2010/main" val="1638929222"/>
+      </p:ext>
+    </p:extLst>
+  </p:cSld>
+  <p:clrMapOvr>
+    <a:masterClrMapping/>
+  </p:clrMapOvr>
+</p:sld>
+</file>
+
+<file path=ppt/slides/slide13.xml><?xml version="1.0" encoding="utf-8"?>
+<p:sld xmlns:a="http://schemas.openxmlformats.org/drawingml/2006/main" xmlns:r="http://schemas.openxmlformats.org/officeDocument/2006/relationships" xmlns:p="http://schemas.openxmlformats.org/presentationml/2006/main">
+  <p:cSld>
+    <p:spTree>
+      <p:nvGrpSpPr>
+        <p:cNvPr id="1" name=""/>
+        <p:cNvGrpSpPr/>
+        <p:nvPr/>
+      </p:nvGrpSpPr>
+      <p:grpSpPr>
+        <a:xfrm>
+          <a:off x="0" y="0"/>
+          <a:ext cx="0" cy="0"/>
+          <a:chOff x="0" y="0"/>
+          <a:chExt cx="0" cy="0"/>
+        </a:xfrm>
+      </p:grpSpPr>
+      <p:sp>
+        <p:nvSpPr>
+          <p:cNvPr id="2" name="Title 1"/>
+          <p:cNvSpPr>
+            <a:spLocks noGrp="1"/>
+          </p:cNvSpPr>
+          <p:nvPr>
+            <p:ph type="title"/>
+          </p:nvPr>
+        </p:nvSpPr>
+        <p:spPr/>
+        <p:txBody>
+          <a:bodyPr/>
+          <a:lstStyle/>
+          <a:p>
+            <a:r>
+              <a:rPr lang="en-US" dirty="0"/>
+              <a:t>Inheritance</a:t>
+            </a:r>
+          </a:p>
+        </p:txBody>
+      </p:sp>
+      <p:sp>
+        <p:nvSpPr>
+          <p:cNvPr id="3" name="Content Placeholder 2"/>
+          <p:cNvSpPr>
+            <a:spLocks noGrp="1"/>
+          </p:cNvSpPr>
+          <p:nvPr>
+            <p:ph idx="1"/>
+          </p:nvPr>
+        </p:nvSpPr>
+        <p:spPr>
+          <a:xfrm>
+            <a:off x="685800" y="1295400"/>
+            <a:ext cx="7620000" cy="5029200"/>
+          </a:xfrm>
+        </p:spPr>
+        <p:txBody>
+          <a:bodyPr/>
+          <a:lstStyle/>
+          <a:p>
+            <a:r>
+              <a:rPr lang="en-US" dirty="0"/>
+              <a:t>Define a class as a specialization of an existing class</a:t>
+            </a:r>
+          </a:p>
+          <a:p>
+            <a:r>
+              <a:rPr lang="en-US" dirty="0"/>
+              <a:t>Inherent its attributes, methods (behaviors)</a:t>
+            </a:r>
+          </a:p>
+          <a:p>
+            <a:r>
+              <a:rPr lang="en-US" dirty="0"/>
+              <a:t>Add additional ones</a:t>
+            </a:r>
+          </a:p>
+          <a:p>
+            <a:r>
+              <a:rPr lang="en-US" dirty="0"/>
+              <a:t>Redefine (specialize) existing ones</a:t>
+            </a:r>
+          </a:p>
+          <a:p>
+            <a:pPr lvl="1"/>
+            <a:r>
+              <a:rPr lang="en-US" dirty="0"/>
+              <a:t>Ones in superclass still accessible in its namespace</a:t>
+            </a:r>
+          </a:p>
+        </p:txBody>
+      </p:sp>
+      <p:sp>
+        <p:nvSpPr>
+          <p:cNvPr id="13" name="Slide Number Placeholder 5"/>
+          <p:cNvSpPr>
+            <a:spLocks noGrp="1"/>
+          </p:cNvSpPr>
+          <p:nvPr>
+            <p:ph type="sldNum" sz="quarter" idx="12"/>
+          </p:nvPr>
+        </p:nvSpPr>
+        <p:spPr>
+          <a:xfrm>
+            <a:off x="8610600" y="6553200"/>
+            <a:ext cx="533400" cy="304800"/>
+          </a:xfrm>
+        </p:spPr>
+        <p:txBody>
+          <a:bodyPr/>
+          <a:lstStyle/>
+          <a:p>
+            <a:pPr>
+              <a:defRPr/>
+            </a:pPr>
+            <a:fld id="{ACA94121-BA6C-AD43-82C2-DF1F24FE5D9C}" type="slidenum">
+              <a:rPr lang="en-US" smtClean="0"/>
+              <a:pPr>
+                <a:defRPr/>
+              </a:pPr>
+              <a:t>13</a:t>
             </a:fld>
             <a:endParaRPr lang="en-US" b="0" dirty="0"/>
           </a:p>
@@ -5819,7 +6687,7 @@
 </p:sld>
 </file>
 
-<file path=ppt/slides/slide12.xml><?xml version="1.0" encoding="utf-8"?>
+<file path=ppt/slides/slide14.xml><?xml version="1.0" encoding="utf-8"?>
 <p:sld xmlns:a="http://schemas.openxmlformats.org/drawingml/2006/main" xmlns:r="http://schemas.openxmlformats.org/officeDocument/2006/relationships" xmlns:p="http://schemas.openxmlformats.org/presentationml/2006/main" show="0">
   <p:cSld>
     <p:spTree>
@@ -6610,7 +7478,7 @@
               <a:pPr>
                 <a:defRPr/>
               </a:pPr>
-              <a:t>12</a:t>
+              <a:t>14</a:t>
             </a:fld>
             <a:endParaRPr lang="en-US" b="0" dirty="0"/>
           </a:p>
@@ -6779,7 +7647,7 @@
 </p:sld>
 </file>
 
-<file path=ppt/slides/slide13.xml><?xml version="1.0" encoding="utf-8"?>
+<file path=ppt/slides/slide15.xml><?xml version="1.0" encoding="utf-8"?>
 <p:sld xmlns:a="http://schemas.openxmlformats.org/drawingml/2006/main" xmlns:r="http://schemas.openxmlformats.org/officeDocument/2006/relationships" xmlns:p="http://schemas.openxmlformats.org/presentationml/2006/main">
   <p:cSld>
     <p:spTree>
@@ -7090,7 +7958,7 @@
               <a:pPr>
                 <a:defRPr/>
               </a:pPr>
-              <a:t>13</a:t>
+              <a:t>15</a:t>
             </a:fld>
             <a:endParaRPr lang="en-US" b="0" dirty="0"/>
           </a:p>
@@ -7181,7 +8049,7 @@
 </p:sld>
 </file>
 
-<file path=ppt/slides/slide14.xml><?xml version="1.0" encoding="utf-8"?>
+<file path=ppt/slides/slide16.xml><?xml version="1.0" encoding="utf-8"?>
 <p:sld xmlns:a="http://schemas.openxmlformats.org/drawingml/2006/main" xmlns:r="http://schemas.openxmlformats.org/officeDocument/2006/relationships" xmlns:p="http://schemas.openxmlformats.org/presentationml/2006/main">
   <p:cSld>
     <p:spTree>
@@ -8047,7 +8915,7 @@
               <a:pPr>
                 <a:defRPr/>
               </a:pPr>
-              <a:t>14</a:t>
+              <a:t>16</a:t>
             </a:fld>
             <a:endParaRPr lang="en-US" b="0" dirty="0"/>
           </a:p>
@@ -8393,7 +9261,7 @@
 </p:sld>
 </file>
 
-<file path=ppt/slides/slide15.xml><?xml version="1.0" encoding="utf-8"?>
+<file path=ppt/slides/slide17.xml><?xml version="1.0" encoding="utf-8"?>
 <p:sld xmlns:a="http://schemas.openxmlformats.org/drawingml/2006/main" xmlns:r="http://schemas.openxmlformats.org/officeDocument/2006/relationships" xmlns:p="http://schemas.openxmlformats.org/presentationml/2006/main">
   <p:cSld>
     <p:spTree>
@@ -8704,7 +9572,7 @@
               <a:pPr>
                 <a:defRPr/>
               </a:pPr>
-              <a:t>15</a:t>
+              <a:t>17</a:t>
             </a:fld>
             <a:endParaRPr lang="en-US" b="0" dirty="0"/>
           </a:p>
@@ -8915,7 +9783,7 @@
 </p:sld>
 </file>
 
-<file path=ppt/slides/slide16.xml><?xml version="1.0" encoding="utf-8"?>
+<file path=ppt/slides/slide18.xml><?xml version="1.0" encoding="utf-8"?>
 <p:sld xmlns:a="http://schemas.openxmlformats.org/drawingml/2006/main" xmlns:r="http://schemas.openxmlformats.org/officeDocument/2006/relationships" xmlns:p="http://schemas.openxmlformats.org/presentationml/2006/main">
   <p:cSld>
     <p:spTree>
@@ -9439,7 +10307,7 @@
               <a:pPr>
                 <a:defRPr/>
               </a:pPr>
-              <a:t>16</a:t>
+              <a:t>18</a:t>
             </a:fld>
             <a:endParaRPr lang="en-US" b="0" dirty="0"/>
           </a:p>
@@ -9605,836 +10473,6 @@
 </p:sld>
 </file>
 
-<file path=ppt/slides/slide17.xml><?xml version="1.0" encoding="utf-8"?>
-<p:sld xmlns:a="http://schemas.openxmlformats.org/drawingml/2006/main" xmlns:r="http://schemas.openxmlformats.org/officeDocument/2006/relationships" xmlns:p="http://schemas.openxmlformats.org/presentationml/2006/main">
-  <p:cSld>
-    <p:spTree>
-      <p:nvGrpSpPr>
-        <p:cNvPr id="1" name=""/>
-        <p:cNvGrpSpPr/>
-        <p:nvPr/>
-      </p:nvGrpSpPr>
-      <p:grpSpPr>
-        <a:xfrm>
-          <a:off x="0" y="0"/>
-          <a:ext cx="0" cy="0"/>
-          <a:chOff x="0" y="0"/>
-          <a:chExt cx="0" cy="0"/>
-        </a:xfrm>
-      </p:grpSpPr>
-      <p:sp>
-        <p:nvSpPr>
-          <p:cNvPr id="2" name="Title 1"/>
-          <p:cNvSpPr>
-            <a:spLocks noGrp="1"/>
-          </p:cNvSpPr>
-          <p:nvPr>
-            <p:ph type="title"/>
-          </p:nvPr>
-        </p:nvSpPr>
-        <p:spPr/>
-        <p:txBody>
-          <a:bodyPr/>
-          <a:lstStyle/>
-          <a:p>
-            <a:r>
-              <a:rPr lang="en-US" dirty="0"/>
-              <a:t>More on Attributes</a:t>
-            </a:r>
-          </a:p>
-        </p:txBody>
-      </p:sp>
-      <p:sp>
-        <p:nvSpPr>
-          <p:cNvPr id="3" name="Content Placeholder 2"/>
-          <p:cNvSpPr>
-            <a:spLocks noGrp="1"/>
-          </p:cNvSpPr>
-          <p:nvPr>
-            <p:ph idx="1"/>
-          </p:nvPr>
-        </p:nvSpPr>
-        <p:spPr>
-          <a:xfrm>
-            <a:off x="609600" y="1066800"/>
-            <a:ext cx="8153400" cy="5257800"/>
-          </a:xfrm>
-        </p:spPr>
-        <p:txBody>
-          <a:bodyPr/>
-          <a:lstStyle/>
-          <a:p>
-            <a:r>
-              <a:rPr lang="en-US" dirty="0"/>
-              <a:t>Attributes of an object accessible with ‘dot’ notation</a:t>
-            </a:r>
-          </a:p>
-          <a:p>
-            <a:pPr marL="0" indent="0">
-              <a:buNone/>
-            </a:pPr>
-            <a:r>
-              <a:rPr lang="en-US" dirty="0">
-                <a:latin typeface="Courier New"/>
-                <a:cs typeface="Courier New"/>
-              </a:rPr>
-              <a:t>     </a:t>
-            </a:r>
-            <a:r>
-              <a:rPr lang="en-US" dirty="0" err="1">
-                <a:latin typeface="Courier New"/>
-                <a:cs typeface="Courier New"/>
-              </a:rPr>
-              <a:t>obj.attr</a:t>
-            </a:r>
-            <a:endParaRPr lang="en-US" dirty="0">
-              <a:latin typeface="Courier New"/>
-              <a:cs typeface="Courier New"/>
-            </a:endParaRPr>
-          </a:p>
-          <a:p>
-            <a:pPr marL="0" indent="0">
-              <a:buNone/>
-            </a:pPr>
-            <a:endParaRPr lang="en-US" dirty="0"/>
-          </a:p>
-          <a:p>
-            <a:r>
-              <a:rPr lang="en-US" dirty="0"/>
-              <a:t>You can distinguish between ”public” and “private” data.</a:t>
-            </a:r>
-          </a:p>
-          <a:p>
-            <a:pPr lvl="1"/>
-            <a:r>
-              <a:rPr lang="en-US" dirty="0"/>
-              <a:t>Used to clarify to programmers how you class should be used.</a:t>
-            </a:r>
-          </a:p>
-          <a:p>
-            <a:pPr lvl="1"/>
-            <a:r>
-              <a:rPr lang="en-US" dirty="0"/>
-              <a:t>In Python an </a:t>
-            </a:r>
-            <a:r>
-              <a:rPr lang="en-US" b="0" dirty="0">
-                <a:latin typeface="Source Code Pro" panose="020B0509030403020204" pitchFamily="49" charset="77"/>
-              </a:rPr>
-              <a:t>_</a:t>
-            </a:r>
-            <a:r>
-              <a:rPr lang="en-US" dirty="0"/>
-              <a:t> prefix means “this thing is private”</a:t>
-            </a:r>
-          </a:p>
-          <a:p>
-            <a:pPr lvl="1"/>
-            <a:r>
-              <a:rPr lang="en-US" b="0" dirty="0">
-                <a:latin typeface="Source Code Pro" panose="020B0509030403020204" pitchFamily="49" charset="77"/>
-              </a:rPr>
-              <a:t>_foo</a:t>
-            </a:r>
-            <a:r>
-              <a:rPr lang="en-US" dirty="0">
-                <a:latin typeface="Source Code Pro" panose="020B0509030403020204" pitchFamily="49" charset="77"/>
-              </a:rPr>
-              <a:t> </a:t>
-            </a:r>
-            <a:r>
-              <a:rPr lang="en-US" dirty="0"/>
-              <a:t>and </a:t>
-            </a:r>
-            <a:r>
-              <a:rPr lang="en-US" b="0" dirty="0">
-                <a:latin typeface="Source Code Pro" panose="020B0509030403020204" pitchFamily="49" charset="77"/>
-              </a:rPr>
-              <a:t>__foo</a:t>
-            </a:r>
-            <a:r>
-              <a:rPr lang="en-US" dirty="0">
-                <a:latin typeface="Source Code Pro" panose="020B0509030403020204" pitchFamily="49" charset="77"/>
-              </a:rPr>
-              <a:t> </a:t>
-            </a:r>
-            <a:r>
-              <a:rPr lang="en-US" dirty="0"/>
-              <a:t>do different things inside a class.</a:t>
-            </a:r>
-          </a:p>
-          <a:p>
-            <a:pPr lvl="1"/>
-            <a:r>
-              <a:rPr lang="en-US" dirty="0">
-                <a:hlinkClick r:id="rId2"/>
-              </a:rPr>
-              <a:t>More for the curious.</a:t>
-            </a:r>
-            <a:endParaRPr lang="en-US" dirty="0"/>
-          </a:p>
-          <a:p>
-            <a:r>
-              <a:rPr lang="en-US" dirty="0"/>
-              <a:t>Class variables </a:t>
-            </a:r>
-            <a:r>
-              <a:rPr lang="en-US" dirty="0" err="1"/>
-              <a:t>vs</a:t>
-            </a:r>
-            <a:r>
-              <a:rPr lang="en-US" dirty="0"/>
-              <a:t> Instance variables:</a:t>
-            </a:r>
-          </a:p>
-          <a:p>
-            <a:pPr lvl="1"/>
-            <a:r>
-              <a:rPr lang="en-US" dirty="0"/>
-              <a:t>Class variable set for all instances at once</a:t>
-            </a:r>
-          </a:p>
-          <a:p>
-            <a:pPr lvl="1"/>
-            <a:r>
-              <a:rPr lang="en-US" dirty="0"/>
-              <a:t>Instance variables per instance value</a:t>
-            </a:r>
-          </a:p>
-          <a:p>
-            <a:endParaRPr lang="en-US" dirty="0"/>
-          </a:p>
-        </p:txBody>
-      </p:sp>
-      <p:sp>
-        <p:nvSpPr>
-          <p:cNvPr id="9" name="Slide Number Placeholder 5"/>
-          <p:cNvSpPr>
-            <a:spLocks noGrp="1"/>
-          </p:cNvSpPr>
-          <p:nvPr>
-            <p:ph type="sldNum" sz="quarter" idx="12"/>
-          </p:nvPr>
-        </p:nvSpPr>
-        <p:spPr>
-          <a:xfrm>
-            <a:off x="8610600" y="6553200"/>
-            <a:ext cx="533400" cy="304800"/>
-          </a:xfrm>
-        </p:spPr>
-        <p:txBody>
-          <a:bodyPr/>
-          <a:lstStyle/>
-          <a:p>
-            <a:pPr>
-              <a:defRPr/>
-            </a:pPr>
-            <a:fld id="{ACA94121-BA6C-AD43-82C2-DF1F24FE5D9C}" type="slidenum">
-              <a:rPr lang="en-US" smtClean="0"/>
-              <a:pPr>
-                <a:defRPr/>
-              </a:pPr>
-              <a:t>17</a:t>
-            </a:fld>
-            <a:endParaRPr lang="en-US" b="0" dirty="0"/>
-          </a:p>
-        </p:txBody>
-      </p:sp>
-      <p:sp>
-        <p:nvSpPr>
-          <p:cNvPr id="7" name="Date Placeholder 3">
-            <a:extLst>
-              <a:ext uri="{FF2B5EF4-FFF2-40B4-BE49-F238E27FC236}">
-                <a16:creationId xmlns:a16="http://schemas.microsoft.com/office/drawing/2014/main" id="{E42DDCA6-507D-F146-8B50-65972C467E46}"/>
-              </a:ext>
-            </a:extLst>
-          </p:cNvPr>
-          <p:cNvSpPr>
-            <a:spLocks noGrp="1"/>
-          </p:cNvSpPr>
-          <p:nvPr>
-            <p:ph type="dt" sz="half" idx="10"/>
-          </p:nvPr>
-        </p:nvSpPr>
-        <p:spPr>
-          <a:xfrm>
-            <a:off x="0" y="6553200"/>
-            <a:ext cx="1524000" cy="304800"/>
-          </a:xfrm>
-        </p:spPr>
-        <p:txBody>
-          <a:bodyPr/>
-          <a:lstStyle/>
-          <a:p>
-            <a:pPr>
-              <a:defRPr/>
-            </a:pPr>
-            <a:r>
-              <a:rPr lang="en-US" dirty="0"/>
-              <a:t>11/4/19</a:t>
-            </a:r>
-          </a:p>
-        </p:txBody>
-      </p:sp>
-      <p:sp>
-        <p:nvSpPr>
-          <p:cNvPr id="8" name="Footer Placeholder 4">
-            <a:extLst>
-              <a:ext uri="{FF2B5EF4-FFF2-40B4-BE49-F238E27FC236}">
-                <a16:creationId xmlns:a16="http://schemas.microsoft.com/office/drawing/2014/main" id="{D787F7BA-192A-7148-B53A-EBE06FAAAD17}"/>
-              </a:ext>
-            </a:extLst>
-          </p:cNvPr>
-          <p:cNvSpPr>
-            <a:spLocks noGrp="1"/>
-          </p:cNvSpPr>
-          <p:nvPr>
-            <p:ph type="ftr" sz="quarter" idx="11"/>
-          </p:nvPr>
-        </p:nvSpPr>
-        <p:spPr>
-          <a:xfrm>
-            <a:off x="3048000" y="6553200"/>
-            <a:ext cx="2895600" cy="304800"/>
-          </a:xfrm>
-        </p:spPr>
-        <p:txBody>
-          <a:bodyPr/>
-          <a:lstStyle/>
-          <a:p>
-            <a:pPr>
-              <a:defRPr/>
-            </a:pPr>
-            <a:r>
-              <a:rPr lang="en-US" dirty="0"/>
-              <a:t>UCB CS88 Fa19 L09</a:t>
-            </a:r>
-          </a:p>
-        </p:txBody>
-      </p:sp>
-    </p:spTree>
-    <p:extLst>
-      <p:ext uri="{BB962C8B-B14F-4D97-AF65-F5344CB8AC3E}">
-        <p14:creationId xmlns:p14="http://schemas.microsoft.com/office/powerpoint/2010/main" val="3438201823"/>
-      </p:ext>
-    </p:extLst>
-  </p:cSld>
-  <p:clrMapOvr>
-    <a:masterClrMapping/>
-  </p:clrMapOvr>
-</p:sld>
-</file>
-
-<file path=ppt/slides/slide18.xml><?xml version="1.0" encoding="utf-8"?>
-<p:sld xmlns:a="http://schemas.openxmlformats.org/drawingml/2006/main" xmlns:r="http://schemas.openxmlformats.org/officeDocument/2006/relationships" xmlns:p="http://schemas.openxmlformats.org/presentationml/2006/main">
-  <p:cSld>
-    <p:spTree>
-      <p:nvGrpSpPr>
-        <p:cNvPr id="1" name=""/>
-        <p:cNvGrpSpPr/>
-        <p:nvPr/>
-      </p:nvGrpSpPr>
-      <p:grpSpPr>
-        <a:xfrm>
-          <a:off x="0" y="0"/>
-          <a:ext cx="0" cy="0"/>
-          <a:chOff x="0" y="0"/>
-          <a:chExt cx="0" cy="0"/>
-        </a:xfrm>
-      </p:grpSpPr>
-      <p:sp>
-        <p:nvSpPr>
-          <p:cNvPr id="2" name="Title 1"/>
-          <p:cNvSpPr>
-            <a:spLocks noGrp="1"/>
-          </p:cNvSpPr>
-          <p:nvPr>
-            <p:ph type="title"/>
-          </p:nvPr>
-        </p:nvSpPr>
-        <p:spPr/>
-        <p:txBody>
-          <a:bodyPr/>
-          <a:lstStyle/>
-          <a:p>
-            <a:r>
-              <a:rPr lang="en-US" dirty="0"/>
-              <a:t>Example</a:t>
-            </a:r>
-          </a:p>
-        </p:txBody>
-      </p:sp>
-      <p:sp>
-        <p:nvSpPr>
-          <p:cNvPr id="7" name="Rectangle 6"/>
-          <p:cNvSpPr/>
-          <p:nvPr/>
-        </p:nvSpPr>
-        <p:spPr>
-          <a:xfrm>
-            <a:off x="685800" y="1524000"/>
-            <a:ext cx="7010400" cy="4401206"/>
-          </a:xfrm>
-          <a:prstGeom prst="rect">
-            <a:avLst/>
-          </a:prstGeom>
-        </p:spPr>
-        <p:txBody>
-          <a:bodyPr wrap="square">
-            <a:spAutoFit/>
-          </a:bodyPr>
-          <a:lstStyle/>
-          <a:p>
-            <a:r>
-              <a:rPr lang="en-US" b="1" dirty="0">
-                <a:latin typeface="Courier New"/>
-                <a:cs typeface="Courier New"/>
-              </a:rPr>
-              <a:t>class </a:t>
-            </a:r>
-            <a:r>
-              <a:rPr lang="en-US" b="1" dirty="0" err="1">
-                <a:latin typeface="Courier New"/>
-                <a:cs typeface="Courier New"/>
-              </a:rPr>
-              <a:t>BaseAccount</a:t>
-            </a:r>
-            <a:r>
-              <a:rPr lang="en-US" b="1" dirty="0">
-                <a:latin typeface="Courier New"/>
-                <a:cs typeface="Courier New"/>
-              </a:rPr>
-              <a:t>:</a:t>
-            </a:r>
-          </a:p>
-          <a:p>
-            <a:r>
-              <a:rPr lang="en-US" b="1" dirty="0">
-                <a:latin typeface="Courier New"/>
-                <a:cs typeface="Courier New"/>
-              </a:rPr>
-              <a:t>    </a:t>
-            </a:r>
-          </a:p>
-          <a:p>
-            <a:r>
-              <a:rPr lang="en-US" b="1" dirty="0">
-                <a:latin typeface="Courier New"/>
-                <a:cs typeface="Courier New"/>
-              </a:rPr>
-              <a:t>    </a:t>
-            </a:r>
-            <a:r>
-              <a:rPr lang="en-US" b="1" dirty="0" err="1">
-                <a:latin typeface="Courier New"/>
-                <a:cs typeface="Courier New"/>
-              </a:rPr>
-              <a:t>def</a:t>
-            </a:r>
-            <a:r>
-              <a:rPr lang="en-US" b="1" dirty="0">
-                <a:latin typeface="Courier New"/>
-                <a:cs typeface="Courier New"/>
-              </a:rPr>
-              <a:t> __</a:t>
-            </a:r>
-            <a:r>
-              <a:rPr lang="en-US" b="1" dirty="0" err="1">
-                <a:latin typeface="Courier New"/>
-                <a:cs typeface="Courier New"/>
-              </a:rPr>
-              <a:t>init</a:t>
-            </a:r>
-            <a:r>
-              <a:rPr lang="en-US" b="1" dirty="0">
-                <a:latin typeface="Courier New"/>
-                <a:cs typeface="Courier New"/>
-              </a:rPr>
-              <a:t>__(self, name, </a:t>
-            </a:r>
-            <a:r>
-              <a:rPr lang="en-US" b="1" dirty="0" err="1">
-                <a:latin typeface="Courier New"/>
-                <a:cs typeface="Courier New"/>
-              </a:rPr>
-              <a:t>initial_deposit</a:t>
-            </a:r>
-            <a:r>
-              <a:rPr lang="en-US" b="1" dirty="0">
-                <a:latin typeface="Courier New"/>
-                <a:cs typeface="Courier New"/>
-              </a:rPr>
-              <a:t>): </a:t>
-            </a:r>
-          </a:p>
-          <a:p>
-            <a:r>
-              <a:rPr lang="en-US" b="1" dirty="0">
-                <a:latin typeface="Courier New"/>
-                <a:cs typeface="Courier New"/>
-              </a:rPr>
-              <a:t>        </a:t>
-            </a:r>
-            <a:r>
-              <a:rPr lang="en-US" b="1" dirty="0" err="1">
-                <a:latin typeface="Courier New"/>
-                <a:cs typeface="Courier New"/>
-              </a:rPr>
-              <a:t>self.name</a:t>
-            </a:r>
-            <a:r>
-              <a:rPr lang="en-US" b="1" dirty="0">
-                <a:latin typeface="Courier New"/>
-                <a:cs typeface="Courier New"/>
-              </a:rPr>
-              <a:t> = name </a:t>
-            </a:r>
-          </a:p>
-          <a:p>
-            <a:r>
-              <a:rPr lang="en-US" b="1" dirty="0">
-                <a:latin typeface="Courier New"/>
-                <a:cs typeface="Courier New"/>
-              </a:rPr>
-              <a:t>        </a:t>
-            </a:r>
-            <a:r>
-              <a:rPr lang="en-US" b="1" dirty="0" err="1">
-                <a:latin typeface="Courier New"/>
-                <a:cs typeface="Courier New"/>
-              </a:rPr>
-              <a:t>self.balance</a:t>
-            </a:r>
-            <a:r>
-              <a:rPr lang="en-US" b="1" dirty="0">
-                <a:latin typeface="Courier New"/>
-                <a:cs typeface="Courier New"/>
-              </a:rPr>
-              <a:t> = </a:t>
-            </a:r>
-            <a:r>
-              <a:rPr lang="en-US" b="1" dirty="0" err="1">
-                <a:latin typeface="Courier New"/>
-                <a:cs typeface="Courier New"/>
-              </a:rPr>
-              <a:t>initial_deposit</a:t>
-            </a:r>
-            <a:r>
-              <a:rPr lang="en-US" b="1" dirty="0">
-                <a:latin typeface="Courier New"/>
-                <a:cs typeface="Courier New"/>
-              </a:rPr>
-              <a:t> </a:t>
-            </a:r>
-          </a:p>
-          <a:p>
-            <a:endParaRPr lang="en-US" b="1" dirty="0">
-              <a:latin typeface="Courier New"/>
-              <a:cs typeface="Courier New"/>
-            </a:endParaRPr>
-          </a:p>
-          <a:p>
-            <a:r>
-              <a:rPr lang="en-US" b="1" dirty="0">
-                <a:latin typeface="Courier New"/>
-                <a:cs typeface="Courier New"/>
-              </a:rPr>
-              <a:t>    </a:t>
-            </a:r>
-            <a:r>
-              <a:rPr lang="en-US" b="1" dirty="0" err="1">
-                <a:latin typeface="Courier New"/>
-                <a:cs typeface="Courier New"/>
-              </a:rPr>
-              <a:t>def</a:t>
-            </a:r>
-            <a:r>
-              <a:rPr lang="en-US" b="1" dirty="0">
-                <a:latin typeface="Courier New"/>
-                <a:cs typeface="Courier New"/>
-              </a:rPr>
-              <a:t> name(self):</a:t>
-            </a:r>
-          </a:p>
-          <a:p>
-            <a:r>
-              <a:rPr lang="en-US" b="1" dirty="0">
-                <a:latin typeface="Courier New"/>
-                <a:cs typeface="Courier New"/>
-              </a:rPr>
-              <a:t>        return </a:t>
-            </a:r>
-            <a:r>
-              <a:rPr lang="en-US" b="1" dirty="0" err="1">
-                <a:latin typeface="Courier New"/>
-                <a:cs typeface="Courier New"/>
-              </a:rPr>
-              <a:t>self</a:t>
-            </a:r>
-            <a:r>
-              <a:rPr lang="en-US" sz="2000" b="1" dirty="0" err="1">
-                <a:solidFill>
-                  <a:srgbClr val="0000FF"/>
-                </a:solidFill>
-                <a:latin typeface="Courier New"/>
-                <a:cs typeface="Courier New"/>
-              </a:rPr>
-              <a:t>.</a:t>
-            </a:r>
-            <a:r>
-              <a:rPr lang="en-US" b="1" dirty="0" err="1">
-                <a:latin typeface="Courier New"/>
-                <a:cs typeface="Courier New"/>
-              </a:rPr>
-              <a:t>name</a:t>
-            </a:r>
-            <a:endParaRPr lang="en-US" b="1" dirty="0">
-              <a:latin typeface="Courier New"/>
-              <a:cs typeface="Courier New"/>
-            </a:endParaRPr>
-          </a:p>
-          <a:p>
-            <a:endParaRPr lang="en-US" b="1" dirty="0">
-              <a:latin typeface="Courier New"/>
-              <a:cs typeface="Courier New"/>
-            </a:endParaRPr>
-          </a:p>
-          <a:p>
-            <a:r>
-              <a:rPr lang="en-US" b="1" dirty="0">
-                <a:latin typeface="Courier New"/>
-                <a:cs typeface="Courier New"/>
-              </a:rPr>
-              <a:t>    </a:t>
-            </a:r>
-            <a:r>
-              <a:rPr lang="en-US" b="1" dirty="0" err="1">
-                <a:latin typeface="Courier New"/>
-                <a:cs typeface="Courier New"/>
-              </a:rPr>
-              <a:t>def</a:t>
-            </a:r>
-            <a:r>
-              <a:rPr lang="en-US" b="1" dirty="0">
-                <a:latin typeface="Courier New"/>
-                <a:cs typeface="Courier New"/>
-              </a:rPr>
-              <a:t> balance(self):</a:t>
-            </a:r>
-          </a:p>
-          <a:p>
-            <a:r>
-              <a:rPr lang="en-US" b="1" dirty="0">
-                <a:latin typeface="Courier New"/>
-                <a:cs typeface="Courier New"/>
-              </a:rPr>
-              <a:t>        return </a:t>
-            </a:r>
-            <a:r>
-              <a:rPr lang="en-US" b="1" dirty="0" err="1">
-                <a:latin typeface="Courier New"/>
-                <a:cs typeface="Courier New"/>
-              </a:rPr>
-              <a:t>self.balance</a:t>
-            </a:r>
-            <a:endParaRPr lang="en-US" b="1" dirty="0">
-              <a:latin typeface="Courier New"/>
-              <a:cs typeface="Courier New"/>
-            </a:endParaRPr>
-          </a:p>
-          <a:p>
-            <a:endParaRPr lang="en-US" b="1" dirty="0">
-              <a:latin typeface="Courier New"/>
-              <a:cs typeface="Courier New"/>
-            </a:endParaRPr>
-          </a:p>
-          <a:p>
-            <a:r>
-              <a:rPr lang="en-US" b="1" dirty="0">
-                <a:latin typeface="Courier New"/>
-                <a:cs typeface="Courier New"/>
-              </a:rPr>
-              <a:t>    </a:t>
-            </a:r>
-            <a:r>
-              <a:rPr lang="en-US" b="1" dirty="0" err="1">
-                <a:latin typeface="Courier New"/>
-                <a:cs typeface="Courier New"/>
-              </a:rPr>
-              <a:t>def</a:t>
-            </a:r>
-            <a:r>
-              <a:rPr lang="en-US" b="1" dirty="0">
-                <a:latin typeface="Courier New"/>
-                <a:cs typeface="Courier New"/>
-              </a:rPr>
-              <a:t> withdraw(self, amount):</a:t>
-            </a:r>
-          </a:p>
-          <a:p>
-            <a:r>
-              <a:rPr lang="en-US" b="1" dirty="0">
-                <a:latin typeface="Courier New"/>
-                <a:cs typeface="Courier New"/>
-              </a:rPr>
-              <a:t>        </a:t>
-            </a:r>
-            <a:r>
-              <a:rPr lang="en-US" b="1" dirty="0" err="1">
-                <a:latin typeface="Courier New"/>
-                <a:cs typeface="Courier New"/>
-              </a:rPr>
-              <a:t>self.balance</a:t>
-            </a:r>
-            <a:r>
-              <a:rPr lang="en-US" b="1" dirty="0">
-                <a:latin typeface="Courier New"/>
-                <a:cs typeface="Courier New"/>
-              </a:rPr>
-              <a:t> -= amount</a:t>
-            </a:r>
-          </a:p>
-          <a:p>
-            <a:r>
-              <a:rPr lang="en-US" b="1" dirty="0">
-                <a:latin typeface="Courier New"/>
-                <a:cs typeface="Courier New"/>
-              </a:rPr>
-              <a:t>        return </a:t>
-            </a:r>
-            <a:r>
-              <a:rPr lang="en-US" b="1" dirty="0" err="1">
-                <a:latin typeface="Courier New"/>
-                <a:cs typeface="Courier New"/>
-              </a:rPr>
-              <a:t>self.balance</a:t>
-            </a:r>
-            <a:endParaRPr lang="en-US" b="1" dirty="0">
-              <a:latin typeface="Courier New"/>
-              <a:cs typeface="Courier New"/>
-            </a:endParaRPr>
-          </a:p>
-        </p:txBody>
-      </p:sp>
-      <p:sp>
-        <p:nvSpPr>
-          <p:cNvPr id="13" name="Slide Number Placeholder 5"/>
-          <p:cNvSpPr>
-            <a:spLocks noGrp="1"/>
-          </p:cNvSpPr>
-          <p:nvPr>
-            <p:ph type="sldNum" sz="quarter" idx="12"/>
-          </p:nvPr>
-        </p:nvSpPr>
-        <p:spPr>
-          <a:xfrm>
-            <a:off x="8610600" y="6553200"/>
-            <a:ext cx="533400" cy="304800"/>
-          </a:xfrm>
-        </p:spPr>
-        <p:txBody>
-          <a:bodyPr/>
-          <a:lstStyle/>
-          <a:p>
-            <a:pPr>
-              <a:defRPr/>
-            </a:pPr>
-            <a:fld id="{ACA94121-BA6C-AD43-82C2-DF1F24FE5D9C}" type="slidenum">
-              <a:rPr lang="en-US" smtClean="0"/>
-              <a:pPr>
-                <a:defRPr/>
-              </a:pPr>
-              <a:t>18</a:t>
-            </a:fld>
-            <a:endParaRPr lang="en-US" b="0" dirty="0"/>
-          </a:p>
-        </p:txBody>
-      </p:sp>
-      <p:sp>
-        <p:nvSpPr>
-          <p:cNvPr id="10" name="Date Placeholder 3">
-            <a:extLst>
-              <a:ext uri="{FF2B5EF4-FFF2-40B4-BE49-F238E27FC236}">
-                <a16:creationId xmlns:a16="http://schemas.microsoft.com/office/drawing/2014/main" id="{9CE16A15-978C-8B46-8F86-B575E4CD15BF}"/>
-              </a:ext>
-            </a:extLst>
-          </p:cNvPr>
-          <p:cNvSpPr>
-            <a:spLocks noGrp="1"/>
-          </p:cNvSpPr>
-          <p:nvPr>
-            <p:ph type="dt" sz="half" idx="10"/>
-          </p:nvPr>
-        </p:nvSpPr>
-        <p:spPr>
-          <a:xfrm>
-            <a:off x="0" y="6553200"/>
-            <a:ext cx="1524000" cy="304800"/>
-          </a:xfrm>
-        </p:spPr>
-        <p:txBody>
-          <a:bodyPr/>
-          <a:lstStyle/>
-          <a:p>
-            <a:pPr>
-              <a:defRPr/>
-            </a:pPr>
-            <a:r>
-              <a:rPr lang="en-US" dirty="0"/>
-              <a:t>11/4/19</a:t>
-            </a:r>
-          </a:p>
-        </p:txBody>
-      </p:sp>
-      <p:sp>
-        <p:nvSpPr>
-          <p:cNvPr id="11" name="Footer Placeholder 4">
-            <a:extLst>
-              <a:ext uri="{FF2B5EF4-FFF2-40B4-BE49-F238E27FC236}">
-                <a16:creationId xmlns:a16="http://schemas.microsoft.com/office/drawing/2014/main" id="{B818D83E-1C4B-744F-BA15-C7483FA11A94}"/>
-              </a:ext>
-            </a:extLst>
-          </p:cNvPr>
-          <p:cNvSpPr>
-            <a:spLocks noGrp="1"/>
-          </p:cNvSpPr>
-          <p:nvPr>
-            <p:ph type="ftr" sz="quarter" idx="11"/>
-          </p:nvPr>
-        </p:nvSpPr>
-        <p:spPr>
-          <a:xfrm>
-            <a:off x="3048000" y="6553200"/>
-            <a:ext cx="2895600" cy="304800"/>
-          </a:xfrm>
-        </p:spPr>
-        <p:txBody>
-          <a:bodyPr/>
-          <a:lstStyle/>
-          <a:p>
-            <a:pPr>
-              <a:defRPr/>
-            </a:pPr>
-            <a:r>
-              <a:rPr lang="en-US" dirty="0"/>
-              <a:t>UCB CS88 Fa19 L09</a:t>
-            </a:r>
-          </a:p>
-        </p:txBody>
-      </p:sp>
-    </p:spTree>
-    <p:extLst>
-      <p:ext uri="{BB962C8B-B14F-4D97-AF65-F5344CB8AC3E}">
-        <p14:creationId xmlns:p14="http://schemas.microsoft.com/office/powerpoint/2010/main" val="37486686"/>
-      </p:ext>
-    </p:extLst>
-  </p:cSld>
-  <p:clrMapOvr>
-    <a:masterClrMapping/>
-  </p:clrMapOvr>
-</p:sld>
-</file>
-
 <file path=ppt/slides/slide19.xml><?xml version="1.0" encoding="utf-8"?>
 <p:sld xmlns:a="http://schemas.openxmlformats.org/drawingml/2006/main" xmlns:r="http://schemas.openxmlformats.org/officeDocument/2006/relationships" xmlns:p="http://schemas.openxmlformats.org/presentationml/2006/main">
   <p:cSld>
@@ -10469,366 +10507,176 @@
           <a:p>
             <a:r>
               <a:rPr lang="en-US" dirty="0"/>
-              <a:t>Example: “private” attributes</a:t>
-            </a:r>
-          </a:p>
-        </p:txBody>
-      </p:sp>
-      <p:sp>
-        <p:nvSpPr>
-          <p:cNvPr id="7" name="Rectangle 6"/>
-          <p:cNvSpPr/>
-          <p:nvPr/>
+              <a:t>More on Attributes</a:t>
+            </a:r>
+          </a:p>
+        </p:txBody>
+      </p:sp>
+      <p:sp>
+        <p:nvSpPr>
+          <p:cNvPr id="3" name="Content Placeholder 2"/>
+          <p:cNvSpPr>
+            <a:spLocks noGrp="1"/>
+          </p:cNvSpPr>
+          <p:nvPr>
+            <p:ph idx="1"/>
+          </p:nvPr>
         </p:nvSpPr>
         <p:spPr>
           <a:xfrm>
-            <a:off x="685800" y="1524000"/>
-            <a:ext cx="7010400" cy="4401206"/>
+            <a:off x="609600" y="1066800"/>
+            <a:ext cx="8153400" cy="5257800"/>
           </a:xfrm>
-          <a:prstGeom prst="rect">
-            <a:avLst/>
-          </a:prstGeom>
         </p:spPr>
         <p:txBody>
-          <a:bodyPr wrap="square">
-            <a:spAutoFit/>
-          </a:bodyPr>
+          <a:bodyPr/>
           <a:lstStyle/>
           <a:p>
             <a:r>
-              <a:rPr lang="en-US" b="1" dirty="0">
-                <a:latin typeface="Courier New"/>
-                <a:cs typeface="Courier New"/>
-              </a:rPr>
-              <a:t>class </a:t>
-            </a:r>
-            <a:r>
-              <a:rPr lang="en-US" b="1" dirty="0" err="1">
-                <a:latin typeface="Courier New"/>
-                <a:cs typeface="Courier New"/>
-              </a:rPr>
-              <a:t>BaseAccount</a:t>
-            </a:r>
-            <a:r>
-              <a:rPr lang="en-US" b="1" dirty="0">
-                <a:latin typeface="Courier New"/>
-                <a:cs typeface="Courier New"/>
-              </a:rPr>
-              <a:t>:</a:t>
-            </a:r>
-          </a:p>
-          <a:p>
-            <a:r>
-              <a:rPr lang="en-US" b="1" dirty="0">
-                <a:latin typeface="Courier New"/>
-                <a:cs typeface="Courier New"/>
-              </a:rPr>
-              <a:t>    </a:t>
-            </a:r>
-          </a:p>
-          <a:p>
-            <a:r>
-              <a:rPr lang="en-US" b="1" dirty="0">
-                <a:latin typeface="Courier New"/>
-                <a:cs typeface="Courier New"/>
-              </a:rPr>
-              <a:t>    </a:t>
-            </a:r>
-            <a:r>
-              <a:rPr lang="en-US" b="1" dirty="0" err="1">
-                <a:latin typeface="Courier New"/>
-                <a:cs typeface="Courier New"/>
-              </a:rPr>
-              <a:t>def</a:t>
-            </a:r>
-            <a:r>
-              <a:rPr lang="en-US" b="1" dirty="0">
-                <a:latin typeface="Courier New"/>
-                <a:cs typeface="Courier New"/>
-              </a:rPr>
-              <a:t> __</a:t>
-            </a:r>
-            <a:r>
-              <a:rPr lang="en-US" b="1" dirty="0" err="1">
-                <a:latin typeface="Courier New"/>
-                <a:cs typeface="Courier New"/>
-              </a:rPr>
-              <a:t>init</a:t>
-            </a:r>
-            <a:r>
-              <a:rPr lang="en-US" b="1" dirty="0">
-                <a:latin typeface="Courier New"/>
-                <a:cs typeface="Courier New"/>
-              </a:rPr>
-              <a:t>__(self, name, </a:t>
-            </a:r>
-            <a:r>
-              <a:rPr lang="en-US" b="1" dirty="0" err="1">
-                <a:latin typeface="Courier New"/>
-                <a:cs typeface="Courier New"/>
-              </a:rPr>
-              <a:t>initial_deposit</a:t>
-            </a:r>
-            <a:r>
-              <a:rPr lang="en-US" b="1" dirty="0">
-                <a:latin typeface="Courier New"/>
-                <a:cs typeface="Courier New"/>
-              </a:rPr>
-              <a:t>): </a:t>
-            </a:r>
-          </a:p>
-          <a:p>
-            <a:r>
-              <a:rPr lang="en-US" b="1" dirty="0">
-                <a:latin typeface="Courier New"/>
-                <a:cs typeface="Courier New"/>
-              </a:rPr>
-              <a:t>        </a:t>
-            </a:r>
-            <a:r>
-              <a:rPr lang="en-US" b="1" dirty="0" err="1">
-                <a:latin typeface="Courier New"/>
-                <a:cs typeface="Courier New"/>
-              </a:rPr>
-              <a:t>self._name</a:t>
-            </a:r>
-            <a:r>
-              <a:rPr lang="en-US" b="1" dirty="0">
-                <a:latin typeface="Courier New"/>
-                <a:cs typeface="Courier New"/>
-              </a:rPr>
-              <a:t> = name </a:t>
-            </a:r>
-          </a:p>
-          <a:p>
-            <a:r>
-              <a:rPr lang="en-US" b="1" dirty="0">
-                <a:latin typeface="Courier New"/>
-                <a:cs typeface="Courier New"/>
-              </a:rPr>
-              <a:t>        </a:t>
-            </a:r>
-            <a:r>
-              <a:rPr lang="en-US" b="1" dirty="0" err="1">
-                <a:latin typeface="Courier New"/>
-                <a:cs typeface="Courier New"/>
-              </a:rPr>
-              <a:t>self._balance</a:t>
-            </a:r>
-            <a:r>
-              <a:rPr lang="en-US" b="1" dirty="0">
-                <a:latin typeface="Courier New"/>
-                <a:cs typeface="Courier New"/>
-              </a:rPr>
-              <a:t> = </a:t>
-            </a:r>
-            <a:r>
-              <a:rPr lang="en-US" b="1" dirty="0" err="1">
-                <a:latin typeface="Courier New"/>
-                <a:cs typeface="Courier New"/>
-              </a:rPr>
-              <a:t>initial_deposit</a:t>
-            </a:r>
-            <a:r>
-              <a:rPr lang="en-US" b="1" dirty="0">
-                <a:latin typeface="Courier New"/>
-                <a:cs typeface="Courier New"/>
-              </a:rPr>
-              <a:t> </a:t>
-            </a:r>
-          </a:p>
-          <a:p>
-            <a:endParaRPr lang="en-US" b="1" dirty="0">
+              <a:rPr lang="en-US" dirty="0"/>
+              <a:t>Attributes of an object accessible with ‘dot’ notation</a:t>
+            </a:r>
+          </a:p>
+          <a:p>
+            <a:pPr marL="0" indent="0">
+              <a:buNone/>
+            </a:pPr>
+            <a:r>
+              <a:rPr lang="en-US" dirty="0">
+                <a:latin typeface="Courier New"/>
+                <a:cs typeface="Courier New"/>
+              </a:rPr>
+              <a:t>     </a:t>
+            </a:r>
+            <a:r>
+              <a:rPr lang="en-US" dirty="0" err="1">
+                <a:latin typeface="Courier New"/>
+                <a:cs typeface="Courier New"/>
+              </a:rPr>
+              <a:t>obj.attr</a:t>
+            </a:r>
+            <a:endParaRPr lang="en-US" dirty="0">
               <a:latin typeface="Courier New"/>
               <a:cs typeface="Courier New"/>
             </a:endParaRPr>
           </a:p>
           <a:p>
-            <a:r>
-              <a:rPr lang="en-US" b="1" dirty="0">
-                <a:latin typeface="Courier New"/>
-                <a:cs typeface="Courier New"/>
-              </a:rPr>
-              <a:t>    </a:t>
-            </a:r>
-            <a:r>
-              <a:rPr lang="en-US" b="1" dirty="0" err="1">
-                <a:latin typeface="Courier New"/>
-                <a:cs typeface="Courier New"/>
-              </a:rPr>
-              <a:t>def</a:t>
-            </a:r>
-            <a:r>
-              <a:rPr lang="en-US" b="1" dirty="0">
-                <a:latin typeface="Courier New"/>
-                <a:cs typeface="Courier New"/>
-              </a:rPr>
-              <a:t> name(self):</a:t>
-            </a:r>
-          </a:p>
-          <a:p>
-            <a:r>
-              <a:rPr lang="en-US" b="1" dirty="0">
-                <a:latin typeface="Courier New"/>
-                <a:cs typeface="Courier New"/>
-              </a:rPr>
-              <a:t>        return </a:t>
-            </a:r>
-            <a:r>
-              <a:rPr lang="en-US" b="1" dirty="0" err="1">
-                <a:latin typeface="Courier New"/>
-                <a:cs typeface="Courier New"/>
-              </a:rPr>
-              <a:t>self</a:t>
-            </a:r>
-            <a:r>
-              <a:rPr lang="en-US" sz="2000" b="1" dirty="0" err="1">
-                <a:solidFill>
-                  <a:srgbClr val="0000FF"/>
-                </a:solidFill>
-                <a:latin typeface="Courier New"/>
-                <a:cs typeface="Courier New"/>
-              </a:rPr>
-              <a:t>._</a:t>
-            </a:r>
-            <a:r>
-              <a:rPr lang="en-US" b="1" dirty="0" err="1">
-                <a:latin typeface="Courier New"/>
-                <a:cs typeface="Courier New"/>
-              </a:rPr>
-              <a:t>name</a:t>
-            </a:r>
-            <a:endParaRPr lang="en-US" b="1" dirty="0">
-              <a:latin typeface="Courier New"/>
-              <a:cs typeface="Courier New"/>
-            </a:endParaRPr>
-          </a:p>
-          <a:p>
-            <a:endParaRPr lang="en-US" b="1" dirty="0">
-              <a:latin typeface="Courier New"/>
-              <a:cs typeface="Courier New"/>
-            </a:endParaRPr>
-          </a:p>
-          <a:p>
-            <a:r>
-              <a:rPr lang="en-US" b="1" dirty="0">
-                <a:latin typeface="Courier New"/>
-                <a:cs typeface="Courier New"/>
-              </a:rPr>
-              <a:t>    </a:t>
-            </a:r>
-            <a:r>
-              <a:rPr lang="en-US" b="1" dirty="0" err="1">
-                <a:latin typeface="Courier New"/>
-                <a:cs typeface="Courier New"/>
-              </a:rPr>
-              <a:t>def</a:t>
-            </a:r>
-            <a:r>
-              <a:rPr lang="en-US" b="1" dirty="0">
-                <a:latin typeface="Courier New"/>
-                <a:cs typeface="Courier New"/>
-              </a:rPr>
-              <a:t> balance(self):</a:t>
-            </a:r>
-          </a:p>
-          <a:p>
-            <a:r>
-              <a:rPr lang="en-US" b="1" dirty="0">
-                <a:latin typeface="Courier New"/>
-                <a:cs typeface="Courier New"/>
-              </a:rPr>
-              <a:t>        return </a:t>
-            </a:r>
-            <a:r>
-              <a:rPr lang="en-US" b="1" dirty="0" err="1">
-                <a:latin typeface="Courier New"/>
-                <a:cs typeface="Courier New"/>
-              </a:rPr>
-              <a:t>self._balance</a:t>
-            </a:r>
-            <a:endParaRPr lang="en-US" b="1" dirty="0">
-              <a:latin typeface="Courier New"/>
-              <a:cs typeface="Courier New"/>
-            </a:endParaRPr>
-          </a:p>
-          <a:p>
-            <a:endParaRPr lang="en-US" b="1" dirty="0">
-              <a:latin typeface="Courier New"/>
-              <a:cs typeface="Courier New"/>
-            </a:endParaRPr>
-          </a:p>
-          <a:p>
-            <a:r>
-              <a:rPr lang="en-US" b="1" dirty="0">
-                <a:latin typeface="Courier New"/>
-                <a:cs typeface="Courier New"/>
-              </a:rPr>
-              <a:t>    </a:t>
-            </a:r>
-            <a:r>
-              <a:rPr lang="en-US" b="1" dirty="0" err="1">
-                <a:latin typeface="Courier New"/>
-                <a:cs typeface="Courier New"/>
-              </a:rPr>
-              <a:t>def</a:t>
-            </a:r>
-            <a:r>
-              <a:rPr lang="en-US" b="1" dirty="0">
-                <a:latin typeface="Courier New"/>
-                <a:cs typeface="Courier New"/>
-              </a:rPr>
-              <a:t> withdraw(self, amount):</a:t>
-            </a:r>
-          </a:p>
-          <a:p>
-            <a:r>
-              <a:rPr lang="en-US" b="1" dirty="0">
-                <a:latin typeface="Courier New"/>
-                <a:cs typeface="Courier New"/>
-              </a:rPr>
-              <a:t>        </a:t>
-            </a:r>
-            <a:r>
-              <a:rPr lang="en-US" b="1" dirty="0" err="1">
-                <a:latin typeface="Courier New"/>
-                <a:cs typeface="Courier New"/>
-              </a:rPr>
-              <a:t>self._balance</a:t>
-            </a:r>
-            <a:r>
-              <a:rPr lang="en-US" b="1" dirty="0">
-                <a:latin typeface="Courier New"/>
-                <a:cs typeface="Courier New"/>
-              </a:rPr>
-              <a:t> -= amount</a:t>
-            </a:r>
-          </a:p>
-          <a:p>
-            <a:r>
-              <a:rPr lang="en-US" b="1" dirty="0">
-                <a:latin typeface="Courier New"/>
-                <a:cs typeface="Courier New"/>
-              </a:rPr>
-              <a:t>        return </a:t>
-            </a:r>
-            <a:r>
-              <a:rPr lang="en-US" b="1" dirty="0" err="1">
-                <a:latin typeface="Courier New"/>
-                <a:cs typeface="Courier New"/>
-              </a:rPr>
-              <a:t>self._balance</a:t>
-            </a:r>
-            <a:endParaRPr lang="en-US" b="1" dirty="0">
-              <a:latin typeface="Courier New"/>
-              <a:cs typeface="Courier New"/>
-            </a:endParaRPr>
-          </a:p>
-        </p:txBody>
-      </p:sp>
-      <p:sp>
-        <p:nvSpPr>
-          <p:cNvPr id="13" name="Slide Number Placeholder 5"/>
+            <a:pPr marL="0" indent="0">
+              <a:buNone/>
+            </a:pPr>
+            <a:endParaRPr lang="en-US" dirty="0"/>
+          </a:p>
+          <a:p>
+            <a:r>
+              <a:rPr lang="en-US" dirty="0"/>
+              <a:t>You can distinguish between ”public” and “private” data.</a:t>
+            </a:r>
+          </a:p>
+          <a:p>
+            <a:pPr lvl="1"/>
+            <a:r>
+              <a:rPr lang="en-US" dirty="0"/>
+              <a:t>Used to clarify to programmers how you class should be used.</a:t>
+            </a:r>
+          </a:p>
+          <a:p>
+            <a:pPr lvl="1"/>
+            <a:r>
+              <a:rPr lang="en-US" dirty="0"/>
+              <a:t>In Python an </a:t>
+            </a:r>
+            <a:r>
+              <a:rPr lang="en-US" b="0" dirty="0">
+                <a:latin typeface="Source Code Pro" panose="020B0509030403020204" pitchFamily="49" charset="77"/>
+              </a:rPr>
+              <a:t>_</a:t>
+            </a:r>
+            <a:r>
+              <a:rPr lang="en-US" dirty="0"/>
+              <a:t> prefix means “this thing is private”</a:t>
+            </a:r>
+          </a:p>
+          <a:p>
+            <a:pPr lvl="1"/>
+            <a:r>
+              <a:rPr lang="en-US" b="0" dirty="0">
+                <a:latin typeface="Source Code Pro" panose="020B0509030403020204" pitchFamily="49" charset="77"/>
+              </a:rPr>
+              <a:t>_foo</a:t>
+            </a:r>
+            <a:r>
+              <a:rPr lang="en-US" dirty="0">
+                <a:latin typeface="Source Code Pro" panose="020B0509030403020204" pitchFamily="49" charset="77"/>
+              </a:rPr>
+              <a:t> </a:t>
+            </a:r>
+            <a:r>
+              <a:rPr lang="en-US" dirty="0"/>
+              <a:t>and </a:t>
+            </a:r>
+            <a:r>
+              <a:rPr lang="en-US" b="0" dirty="0">
+                <a:latin typeface="Source Code Pro" panose="020B0509030403020204" pitchFamily="49" charset="77"/>
+              </a:rPr>
+              <a:t>__foo</a:t>
+            </a:r>
+            <a:r>
+              <a:rPr lang="en-US" dirty="0">
+                <a:latin typeface="Source Code Pro" panose="020B0509030403020204" pitchFamily="49" charset="77"/>
+              </a:rPr>
+              <a:t> </a:t>
+            </a:r>
+            <a:r>
+              <a:rPr lang="en-US" dirty="0"/>
+              <a:t>do different things inside a class.</a:t>
+            </a:r>
+          </a:p>
+          <a:p>
+            <a:pPr lvl="1"/>
+            <a:r>
+              <a:rPr lang="en-US" dirty="0">
+                <a:hlinkClick r:id="rId2"/>
+              </a:rPr>
+              <a:t>More for the curious.</a:t>
+            </a:r>
+            <a:endParaRPr lang="en-US" dirty="0"/>
+          </a:p>
+          <a:p>
+            <a:r>
+              <a:rPr lang="en-US" dirty="0"/>
+              <a:t>Class variables </a:t>
+            </a:r>
+            <a:r>
+              <a:rPr lang="en-US" dirty="0" err="1"/>
+              <a:t>vs</a:t>
+            </a:r>
+            <a:r>
+              <a:rPr lang="en-US" dirty="0"/>
+              <a:t> Instance variables:</a:t>
+            </a:r>
+          </a:p>
+          <a:p>
+            <a:pPr lvl="1"/>
+            <a:r>
+              <a:rPr lang="en-US" dirty="0"/>
+              <a:t>Class variable set for all instances at once</a:t>
+            </a:r>
+          </a:p>
+          <a:p>
+            <a:pPr lvl="1"/>
+            <a:r>
+              <a:rPr lang="en-US" dirty="0"/>
+              <a:t>Instance variables per instance value</a:t>
+            </a:r>
+          </a:p>
+          <a:p>
+            <a:endParaRPr lang="en-US" dirty="0"/>
+          </a:p>
+        </p:txBody>
+      </p:sp>
+      <p:sp>
+        <p:nvSpPr>
+          <p:cNvPr id="9" name="Slide Number Placeholder 5"/>
           <p:cNvSpPr>
             <a:spLocks noGrp="1"/>
           </p:cNvSpPr>
@@ -10862,10 +10710,10 @@
       </p:sp>
       <p:sp>
         <p:nvSpPr>
-          <p:cNvPr id="10" name="Date Placeholder 3">
+          <p:cNvPr id="7" name="Date Placeholder 3">
             <a:extLst>
               <a:ext uri="{FF2B5EF4-FFF2-40B4-BE49-F238E27FC236}">
-                <a16:creationId xmlns:a16="http://schemas.microsoft.com/office/drawing/2014/main" id="{F6AA96EC-BDDA-CC42-AE8E-FB35C800937F}"/>
+                <a16:creationId xmlns:a16="http://schemas.microsoft.com/office/drawing/2014/main" id="{E42DDCA6-507D-F146-8B50-65972C467E46}"/>
               </a:ext>
             </a:extLst>
           </p:cNvPr>
@@ -10898,10 +10746,10 @@
       </p:sp>
       <p:sp>
         <p:nvSpPr>
-          <p:cNvPr id="11" name="Footer Placeholder 4">
+          <p:cNvPr id="8" name="Footer Placeholder 4">
             <a:extLst>
               <a:ext uri="{FF2B5EF4-FFF2-40B4-BE49-F238E27FC236}">
-                <a16:creationId xmlns:a16="http://schemas.microsoft.com/office/drawing/2014/main" id="{24E05237-E9F3-B94A-A785-F4352592BDA9}"/>
+                <a16:creationId xmlns:a16="http://schemas.microsoft.com/office/drawing/2014/main" id="{D787F7BA-192A-7148-B53A-EBE06FAAAD17}"/>
               </a:ext>
             </a:extLst>
           </p:cNvPr>
@@ -10935,7 +10783,7 @@
     </p:spTree>
     <p:extLst>
       <p:ext uri="{BB962C8B-B14F-4D97-AF65-F5344CB8AC3E}">
-        <p14:creationId xmlns:p14="http://schemas.microsoft.com/office/powerpoint/2010/main" val="138661986"/>
+        <p14:creationId xmlns:p14="http://schemas.microsoft.com/office/powerpoint/2010/main" val="3438201823"/>
       </p:ext>
     </p:extLst>
   </p:cSld>
@@ -10962,429 +10810,472 @@
           <a:chExt cx="0" cy="0"/>
         </a:xfrm>
       </p:grpSpPr>
+      <p:sp>
+        <p:nvSpPr>
+          <p:cNvPr id="132" name="Internet Turns 50 This Week!"/>
+          <p:cNvSpPr txBox="1">
+            <a:spLocks noGrp="1"/>
+          </p:cNvSpPr>
+          <p:nvPr>
+            <p:ph type="title"/>
+          </p:nvPr>
+        </p:nvSpPr>
+        <p:spPr>
+          <a:prstGeom prst="rect">
+            <a:avLst/>
+          </a:prstGeom>
+        </p:spPr>
+        <p:txBody>
+          <a:bodyPr/>
+          <a:lstStyle/>
+          <a:p>
+            <a:r>
+              <a:t>Internet Turns 50 This Week!</a:t>
+            </a:r>
+          </a:p>
+        </p:txBody>
+      </p:sp>
+      <p:sp>
+        <p:nvSpPr>
+          <p:cNvPr id="133" name="First Message Sent By UCLA 50 years ago.…"/>
+          <p:cNvSpPr txBox="1">
+            <a:spLocks noGrp="1"/>
+          </p:cNvSpPr>
+          <p:nvPr>
+            <p:ph type="body" sz="half" idx="1"/>
+          </p:nvPr>
+        </p:nvSpPr>
+        <p:spPr>
+          <a:xfrm>
+            <a:off x="304800" y="1371600"/>
+            <a:ext cx="4252004" cy="4754564"/>
+          </a:xfrm>
+          <a:prstGeom prst="rect">
+            <a:avLst/>
+          </a:prstGeom>
+        </p:spPr>
+        <p:txBody>
+          <a:bodyPr/>
+          <a:lstStyle/>
+          <a:p>
+            <a:pPr marL="304982" indent="-304982" defTabSz="841218">
+              <a:defRPr sz="4048"/>
+            </a:pPr>
+            <a:r>
+              <a:rPr sz="2800" dirty="0"/>
+              <a:t>First Message Sent By UCLA 50 years ago.</a:t>
+            </a:r>
+          </a:p>
+          <a:p>
+            <a:pPr marL="304982" indent="-304982" defTabSz="841218">
+              <a:defRPr sz="4048"/>
+            </a:pPr>
+            <a:r>
+              <a:rPr sz="2800" dirty="0"/>
+              <a:t>It was… “LO”</a:t>
+            </a:r>
+          </a:p>
+          <a:p>
+            <a:pPr marL="600723" lvl="1" indent="-304982" defTabSz="841218">
+              <a:buChar char="•"/>
+              <a:defRPr sz="4048"/>
+            </a:pPr>
+            <a:r>
+              <a:rPr sz="2800" dirty="0"/>
+              <a:t>Because the computer crashed after 2 characters!</a:t>
+            </a:r>
+          </a:p>
+          <a:p>
+            <a:pPr marL="304982" indent="-304982" defTabSz="841218">
+              <a:defRPr sz="4048"/>
+            </a:pPr>
+            <a:r>
+              <a:rPr sz="2800" u="sng" dirty="0">
+                <a:solidFill>
+                  <a:srgbClr val="009999"/>
+                </a:solidFill>
+                <a:uFill>
+                  <a:solidFill>
+                    <a:srgbClr val="009999"/>
+                  </a:solidFill>
+                </a:uFill>
+                <a:hlinkClick r:id="rId2"/>
+              </a:rPr>
+              <a:t>https://blog.cloudflare.com/fifty-years-ago/</a:t>
+            </a:r>
+          </a:p>
+        </p:txBody>
+      </p:sp>
+      <p:sp>
+        <p:nvSpPr>
+          <p:cNvPr id="134" name="Slide Number"/>
+          <p:cNvSpPr txBox="1">
+            <a:spLocks noGrp="1"/>
+          </p:cNvSpPr>
+          <p:nvPr>
+            <p:ph type="sldNum" sz="quarter" idx="2"/>
+          </p:nvPr>
+        </p:nvSpPr>
+        <p:spPr>
+          <a:xfrm>
+            <a:off x="12607779" y="9103360"/>
+            <a:ext cx="397022" cy="409449"/>
+          </a:xfrm>
+          <a:prstGeom prst="rect">
+            <a:avLst/>
+          </a:prstGeom>
+          <a:ln w="12700">
+            <a:miter lim="400000"/>
+          </a:ln>
+          <a:extLst>
+            <a:ext uri="{C572A759-6A51-4108-AA02-DFA0A04FC94B}">
+              <ma14:wrappingTextBoxFlag xmlns:ma14="http://schemas.microsoft.com/office/mac/drawingml/2011/main" xmlns:a14="http://schemas.microsoft.com/office/drawing/2010/main" xmlns:m="http://schemas.openxmlformats.org/officeDocument/2006/math" xmlns="" val="1"/>
+            </a:ext>
+          </a:extLst>
+        </p:spPr>
+        <p:txBody>
+          <a:bodyPr wrap="none" lIns="65023" tIns="65023" rIns="65023" bIns="65023">
+            <a:spAutoFit/>
+          </a:bodyPr>
+          <a:lstStyle>
+            <a:defPPr marL="0" marR="0" indent="0" algn="l" defTabSz="914400" rtl="0" fontAlgn="auto" latinLnBrk="1" hangingPunct="0">
+              <a:lnSpc>
+                <a:spcPct val="100000"/>
+              </a:lnSpc>
+              <a:spcBef>
+                <a:spcPts val="0"/>
+              </a:spcBef>
+              <a:spcAft>
+                <a:spcPts val="0"/>
+              </a:spcAft>
+              <a:buClrTx/>
+              <a:buSzTx/>
+              <a:buFontTx/>
+              <a:buNone/>
+              <a:tabLst/>
+              <a:defRPr kumimoji="0" sz="1800" b="0" i="0" u="none" strike="noStrike" cap="none" spc="0" normalizeH="0" baseline="0">
+                <a:ln>
+                  <a:noFill/>
+                </a:ln>
+                <a:solidFill>
+                  <a:srgbClr val="000000"/>
+                </a:solidFill>
+                <a:effectLst/>
+                <a:uFillTx/>
+              </a:defRPr>
+            </a:defPPr>
+            <a:lvl1pPr marL="0" marR="0" indent="0" algn="r" defTabSz="1300480" rtl="0" fontAlgn="auto" latinLnBrk="0" hangingPunct="0">
+              <a:lnSpc>
+                <a:spcPct val="100000"/>
+              </a:lnSpc>
+              <a:spcBef>
+                <a:spcPts val="0"/>
+              </a:spcBef>
+              <a:spcAft>
+                <a:spcPts val="0"/>
+              </a:spcAft>
+              <a:buClrTx/>
+              <a:buSzTx/>
+              <a:buFontTx/>
+              <a:buNone/>
+              <a:tabLst/>
+              <a:defRPr kumimoji="0" sz="1800" b="0" i="0" u="none" strike="noStrike" cap="none" spc="0" normalizeH="0" baseline="0">
+                <a:ln>
+                  <a:noFill/>
+                </a:ln>
+                <a:solidFill>
+                  <a:srgbClr val="000000"/>
+                </a:solidFill>
+                <a:effectLst/>
+                <a:uFillTx/>
+                <a:latin typeface="Helvetica"/>
+                <a:ea typeface="Helvetica"/>
+                <a:cs typeface="Helvetica"/>
+                <a:sym typeface="Helvetica"/>
+              </a:defRPr>
+            </a:lvl1pPr>
+            <a:lvl2pPr marL="0" marR="0" indent="228600" algn="ctr" defTabSz="584200" rtl="0" fontAlgn="auto" latinLnBrk="0" hangingPunct="0">
+              <a:lnSpc>
+                <a:spcPct val="100000"/>
+              </a:lnSpc>
+              <a:spcBef>
+                <a:spcPts val="0"/>
+              </a:spcBef>
+              <a:spcAft>
+                <a:spcPts val="0"/>
+              </a:spcAft>
+              <a:buClrTx/>
+              <a:buSzTx/>
+              <a:buFontTx/>
+              <a:buNone/>
+              <a:tabLst/>
+              <a:defRPr kumimoji="0" sz="2400" b="1" i="0" u="none" strike="noStrike" cap="none" spc="0" normalizeH="0" baseline="0">
+                <a:ln>
+                  <a:noFill/>
+                </a:ln>
+                <a:solidFill>
+                  <a:srgbClr val="FFFFFF"/>
+                </a:solidFill>
+                <a:effectLst/>
+                <a:uFillTx/>
+                <a:latin typeface="Helvetica Neue"/>
+                <a:ea typeface="Helvetica Neue"/>
+                <a:cs typeface="Helvetica Neue"/>
+                <a:sym typeface="Helvetica Neue"/>
+              </a:defRPr>
+            </a:lvl2pPr>
+            <a:lvl3pPr marL="0" marR="0" indent="457200" algn="ctr" defTabSz="584200" rtl="0" fontAlgn="auto" latinLnBrk="0" hangingPunct="0">
+              <a:lnSpc>
+                <a:spcPct val="100000"/>
+              </a:lnSpc>
+              <a:spcBef>
+                <a:spcPts val="0"/>
+              </a:spcBef>
+              <a:spcAft>
+                <a:spcPts val="0"/>
+              </a:spcAft>
+              <a:buClrTx/>
+              <a:buSzTx/>
+              <a:buFontTx/>
+              <a:buNone/>
+              <a:tabLst/>
+              <a:defRPr kumimoji="0" sz="2400" b="1" i="0" u="none" strike="noStrike" cap="none" spc="0" normalizeH="0" baseline="0">
+                <a:ln>
+                  <a:noFill/>
+                </a:ln>
+                <a:solidFill>
+                  <a:srgbClr val="FFFFFF"/>
+                </a:solidFill>
+                <a:effectLst/>
+                <a:uFillTx/>
+                <a:latin typeface="Helvetica Neue"/>
+                <a:ea typeface="Helvetica Neue"/>
+                <a:cs typeface="Helvetica Neue"/>
+                <a:sym typeface="Helvetica Neue"/>
+              </a:defRPr>
+            </a:lvl3pPr>
+            <a:lvl4pPr marL="0" marR="0" indent="685800" algn="ctr" defTabSz="584200" rtl="0" fontAlgn="auto" latinLnBrk="0" hangingPunct="0">
+              <a:lnSpc>
+                <a:spcPct val="100000"/>
+              </a:lnSpc>
+              <a:spcBef>
+                <a:spcPts val="0"/>
+              </a:spcBef>
+              <a:spcAft>
+                <a:spcPts val="0"/>
+              </a:spcAft>
+              <a:buClrTx/>
+              <a:buSzTx/>
+              <a:buFontTx/>
+              <a:buNone/>
+              <a:tabLst/>
+              <a:defRPr kumimoji="0" sz="2400" b="1" i="0" u="none" strike="noStrike" cap="none" spc="0" normalizeH="0" baseline="0">
+                <a:ln>
+                  <a:noFill/>
+                </a:ln>
+                <a:solidFill>
+                  <a:srgbClr val="FFFFFF"/>
+                </a:solidFill>
+                <a:effectLst/>
+                <a:uFillTx/>
+                <a:latin typeface="Helvetica Neue"/>
+                <a:ea typeface="Helvetica Neue"/>
+                <a:cs typeface="Helvetica Neue"/>
+                <a:sym typeface="Helvetica Neue"/>
+              </a:defRPr>
+            </a:lvl4pPr>
+            <a:lvl5pPr marL="0" marR="0" indent="914400" algn="ctr" defTabSz="584200" rtl="0" fontAlgn="auto" latinLnBrk="0" hangingPunct="0">
+              <a:lnSpc>
+                <a:spcPct val="100000"/>
+              </a:lnSpc>
+              <a:spcBef>
+                <a:spcPts val="0"/>
+              </a:spcBef>
+              <a:spcAft>
+                <a:spcPts val="0"/>
+              </a:spcAft>
+              <a:buClrTx/>
+              <a:buSzTx/>
+              <a:buFontTx/>
+              <a:buNone/>
+              <a:tabLst/>
+              <a:defRPr kumimoji="0" sz="2400" b="1" i="0" u="none" strike="noStrike" cap="none" spc="0" normalizeH="0" baseline="0">
+                <a:ln>
+                  <a:noFill/>
+                </a:ln>
+                <a:solidFill>
+                  <a:srgbClr val="FFFFFF"/>
+                </a:solidFill>
+                <a:effectLst/>
+                <a:uFillTx/>
+                <a:latin typeface="Helvetica Neue"/>
+                <a:ea typeface="Helvetica Neue"/>
+                <a:cs typeface="Helvetica Neue"/>
+                <a:sym typeface="Helvetica Neue"/>
+              </a:defRPr>
+            </a:lvl5pPr>
+            <a:lvl6pPr marL="0" marR="0" indent="1143000" algn="ctr" defTabSz="584200" rtl="0" fontAlgn="auto" latinLnBrk="0" hangingPunct="0">
+              <a:lnSpc>
+                <a:spcPct val="100000"/>
+              </a:lnSpc>
+              <a:spcBef>
+                <a:spcPts val="0"/>
+              </a:spcBef>
+              <a:spcAft>
+                <a:spcPts val="0"/>
+              </a:spcAft>
+              <a:buClrTx/>
+              <a:buSzTx/>
+              <a:buFontTx/>
+              <a:buNone/>
+              <a:tabLst/>
+              <a:defRPr kumimoji="0" sz="2400" b="1" i="0" u="none" strike="noStrike" cap="none" spc="0" normalizeH="0" baseline="0">
+                <a:ln>
+                  <a:noFill/>
+                </a:ln>
+                <a:solidFill>
+                  <a:srgbClr val="FFFFFF"/>
+                </a:solidFill>
+                <a:effectLst/>
+                <a:uFillTx/>
+                <a:latin typeface="Helvetica Neue"/>
+                <a:ea typeface="Helvetica Neue"/>
+                <a:cs typeface="Helvetica Neue"/>
+                <a:sym typeface="Helvetica Neue"/>
+              </a:defRPr>
+            </a:lvl6pPr>
+            <a:lvl7pPr marL="0" marR="0" indent="1371600" algn="ctr" defTabSz="584200" rtl="0" fontAlgn="auto" latinLnBrk="0" hangingPunct="0">
+              <a:lnSpc>
+                <a:spcPct val="100000"/>
+              </a:lnSpc>
+              <a:spcBef>
+                <a:spcPts val="0"/>
+              </a:spcBef>
+              <a:spcAft>
+                <a:spcPts val="0"/>
+              </a:spcAft>
+              <a:buClrTx/>
+              <a:buSzTx/>
+              <a:buFontTx/>
+              <a:buNone/>
+              <a:tabLst/>
+              <a:defRPr kumimoji="0" sz="2400" b="1" i="0" u="none" strike="noStrike" cap="none" spc="0" normalizeH="0" baseline="0">
+                <a:ln>
+                  <a:noFill/>
+                </a:ln>
+                <a:solidFill>
+                  <a:srgbClr val="FFFFFF"/>
+                </a:solidFill>
+                <a:effectLst/>
+                <a:uFillTx/>
+                <a:latin typeface="Helvetica Neue"/>
+                <a:ea typeface="Helvetica Neue"/>
+                <a:cs typeface="Helvetica Neue"/>
+                <a:sym typeface="Helvetica Neue"/>
+              </a:defRPr>
+            </a:lvl7pPr>
+            <a:lvl8pPr marL="0" marR="0" indent="1600200" algn="ctr" defTabSz="584200" rtl="0" fontAlgn="auto" latinLnBrk="0" hangingPunct="0">
+              <a:lnSpc>
+                <a:spcPct val="100000"/>
+              </a:lnSpc>
+              <a:spcBef>
+                <a:spcPts val="0"/>
+              </a:spcBef>
+              <a:spcAft>
+                <a:spcPts val="0"/>
+              </a:spcAft>
+              <a:buClrTx/>
+              <a:buSzTx/>
+              <a:buFontTx/>
+              <a:buNone/>
+              <a:tabLst/>
+              <a:defRPr kumimoji="0" sz="2400" b="1" i="0" u="none" strike="noStrike" cap="none" spc="0" normalizeH="0" baseline="0">
+                <a:ln>
+                  <a:noFill/>
+                </a:ln>
+                <a:solidFill>
+                  <a:srgbClr val="FFFFFF"/>
+                </a:solidFill>
+                <a:effectLst/>
+                <a:uFillTx/>
+                <a:latin typeface="Helvetica Neue"/>
+                <a:ea typeface="Helvetica Neue"/>
+                <a:cs typeface="Helvetica Neue"/>
+                <a:sym typeface="Helvetica Neue"/>
+              </a:defRPr>
+            </a:lvl8pPr>
+            <a:lvl9pPr marL="0" marR="0" indent="1828800" algn="ctr" defTabSz="584200" rtl="0" fontAlgn="auto" latinLnBrk="0" hangingPunct="0">
+              <a:lnSpc>
+                <a:spcPct val="100000"/>
+              </a:lnSpc>
+              <a:spcBef>
+                <a:spcPts val="0"/>
+              </a:spcBef>
+              <a:spcAft>
+                <a:spcPts val="0"/>
+              </a:spcAft>
+              <a:buClrTx/>
+              <a:buSzTx/>
+              <a:buFontTx/>
+              <a:buNone/>
+              <a:tabLst/>
+              <a:defRPr kumimoji="0" sz="2400" b="1" i="0" u="none" strike="noStrike" cap="none" spc="0" normalizeH="0" baseline="0">
+                <a:ln>
+                  <a:noFill/>
+                </a:ln>
+                <a:solidFill>
+                  <a:srgbClr val="FFFFFF"/>
+                </a:solidFill>
+                <a:effectLst/>
+                <a:uFillTx/>
+                <a:latin typeface="Helvetica Neue"/>
+                <a:ea typeface="Helvetica Neue"/>
+                <a:cs typeface="Helvetica Neue"/>
+                <a:sym typeface="Helvetica Neue"/>
+              </a:defRPr>
+            </a:lvl9pPr>
+          </a:lstStyle>
+          <a:p>
+            <a:fld id="{86CB4B4D-7CA3-9044-876B-883B54F8677D}" type="slidenum">
+              <a:rPr lang="en-US" smtClean="0"/>
+              <a:pPr/>
+              <a:t>2</a:t>
+            </a:fld>
+            <a:endParaRPr/>
+          </a:p>
+        </p:txBody>
+      </p:sp>
       <p:pic>
         <p:nvPicPr>
-          <p:cNvPr id="7" name="Picture 6" descr="RF-Graphic-from-DrawShop-a-head-full-of-excellent-ideas-109477-10.jpg"/>
+          <p:cNvPr id="135" name="Image" descr="Image"/>
           <p:cNvPicPr>
             <a:picLocks noChangeAspect="1"/>
           </p:cNvPicPr>
           <p:nvPr/>
         </p:nvPicPr>
         <p:blipFill>
-          <a:blip r:embed="rId3">
-            <a:extLst>
-              <a:ext uri="{28A0092B-C50C-407E-A947-70E740481C1C}">
-                <a14:useLocalDpi xmlns:a14="http://schemas.microsoft.com/office/drawing/2010/main" val="0"/>
-              </a:ext>
-            </a:extLst>
-          </a:blip>
+          <a:blip r:embed="rId3"/>
           <a:stretch>
             <a:fillRect/>
           </a:stretch>
         </p:blipFill>
         <p:spPr>
           <a:xfrm>
-            <a:off x="152400" y="5029200"/>
-            <a:ext cx="990600" cy="1617980"/>
+            <a:off x="4604339" y="1499163"/>
+            <a:ext cx="4435184" cy="3190712"/>
           </a:xfrm>
           <a:prstGeom prst="rect">
             <a:avLst/>
           </a:prstGeom>
+          <a:ln w="12700">
+            <a:miter lim="400000"/>
+          </a:ln>
         </p:spPr>
       </p:pic>
-      <p:sp>
-        <p:nvSpPr>
-          <p:cNvPr id="2" name="Title 1"/>
-          <p:cNvSpPr>
-            <a:spLocks noGrp="1"/>
-          </p:cNvSpPr>
-          <p:nvPr>
-            <p:ph type="title"/>
-          </p:nvPr>
-        </p:nvSpPr>
-        <p:spPr/>
-        <p:txBody>
-          <a:bodyPr/>
-          <a:lstStyle/>
-          <a:p>
-            <a:r>
-              <a:rPr lang="en-US" dirty="0"/>
-              <a:t>Computational Concepts Toolbox</a:t>
-            </a:r>
-          </a:p>
-        </p:txBody>
-      </p:sp>
-      <p:sp>
-        <p:nvSpPr>
-          <p:cNvPr id="3" name="Content Placeholder 2"/>
-          <p:cNvSpPr>
-            <a:spLocks noGrp="1"/>
-          </p:cNvSpPr>
-          <p:nvPr>
-            <p:ph sz="half" idx="1"/>
-          </p:nvPr>
-        </p:nvSpPr>
-        <p:spPr/>
-        <p:txBody>
-          <a:bodyPr/>
-          <a:lstStyle/>
-          <a:p>
-            <a:r>
-              <a:rPr lang="en-US" sz="2000" dirty="0"/>
-              <a:t>Data type: values, literals, operations, </a:t>
-            </a:r>
-          </a:p>
-          <a:p>
-            <a:pPr>
-              <a:tabLst>
-                <a:tab pos="4167188" algn="l"/>
-              </a:tabLst>
-            </a:pPr>
-            <a:r>
-              <a:rPr lang="en-US" sz="2000" dirty="0"/>
-              <a:t>Expressions, Call expression</a:t>
-            </a:r>
-          </a:p>
-          <a:p>
-            <a:pPr>
-              <a:tabLst>
-                <a:tab pos="4167188" algn="l"/>
-              </a:tabLst>
-            </a:pPr>
-            <a:r>
-              <a:rPr lang="en-US" sz="2000" dirty="0"/>
-              <a:t>Variables</a:t>
-            </a:r>
-          </a:p>
-          <a:p>
-            <a:pPr>
-              <a:tabLst>
-                <a:tab pos="4167188" algn="l"/>
-              </a:tabLst>
-            </a:pPr>
-            <a:r>
-              <a:rPr lang="en-US" sz="2000" dirty="0"/>
-              <a:t>Assignment Statement</a:t>
-            </a:r>
-          </a:p>
-          <a:p>
-            <a:pPr>
-              <a:tabLst>
-                <a:tab pos="4167188" algn="l"/>
-              </a:tabLst>
-            </a:pPr>
-            <a:r>
-              <a:rPr lang="en-US" sz="2000" dirty="0"/>
-              <a:t>Sequences: tuple, list</a:t>
-            </a:r>
-          </a:p>
-          <a:p>
-            <a:pPr>
-              <a:tabLst>
-                <a:tab pos="4167188" algn="l"/>
-              </a:tabLst>
-            </a:pPr>
-            <a:r>
-              <a:rPr lang="en-US" sz="2000" dirty="0">
-                <a:solidFill>
-                  <a:srgbClr val="000000"/>
-                </a:solidFill>
-              </a:rPr>
-              <a:t>Dictionaries</a:t>
-            </a:r>
-            <a:endParaRPr lang="en-US" sz="1600" dirty="0">
-              <a:solidFill>
-                <a:srgbClr val="000000"/>
-              </a:solidFill>
-            </a:endParaRPr>
-          </a:p>
-          <a:p>
-            <a:pPr>
-              <a:tabLst>
-                <a:tab pos="4167188" algn="l"/>
-              </a:tabLst>
-            </a:pPr>
-            <a:r>
-              <a:rPr lang="en-US" sz="2000" dirty="0"/>
-              <a:t>Data structures</a:t>
-            </a:r>
-          </a:p>
-          <a:p>
-            <a:pPr>
-              <a:tabLst>
-                <a:tab pos="4167188" algn="l"/>
-              </a:tabLst>
-            </a:pPr>
-            <a:r>
-              <a:rPr lang="en-US" sz="2000" dirty="0"/>
-              <a:t>Tuple assignment</a:t>
-            </a:r>
-          </a:p>
-          <a:p>
-            <a:r>
-              <a:rPr lang="en-US" sz="2000" dirty="0"/>
-              <a:t>Function Definition Statement</a:t>
-            </a:r>
-          </a:p>
-          <a:p>
-            <a:pPr>
-              <a:tabLst>
-                <a:tab pos="4167188" algn="l"/>
-              </a:tabLst>
-            </a:pPr>
-            <a:r>
-              <a:rPr lang="en-US" sz="2000" dirty="0"/>
-              <a:t>Conditional Statement</a:t>
-            </a:r>
-          </a:p>
-          <a:p>
-            <a:r>
-              <a:rPr lang="en-US" sz="2000" dirty="0"/>
-              <a:t>Iteration: list comp, for, while</a:t>
-            </a:r>
-          </a:p>
-          <a:p>
-            <a:r>
-              <a:rPr lang="en-US" sz="2000" dirty="0"/>
-              <a:t>Lambda function </a:t>
-            </a:r>
-            <a:r>
-              <a:rPr lang="en-US" sz="2000" dirty="0" err="1"/>
-              <a:t>expr</a:t>
-            </a:r>
-            <a:r>
-              <a:rPr lang="en-US" sz="2000" dirty="0"/>
-              <a:t>.</a:t>
-            </a:r>
-            <a:endParaRPr lang="en-US" dirty="0"/>
-          </a:p>
-          <a:p>
-            <a:pPr>
-              <a:tabLst>
-                <a:tab pos="4167188" algn="l"/>
-              </a:tabLst>
-            </a:pPr>
-            <a:endParaRPr lang="en-US" dirty="0"/>
-          </a:p>
-        </p:txBody>
-      </p:sp>
-      <p:sp>
-        <p:nvSpPr>
-          <p:cNvPr id="8" name="Content Placeholder 7"/>
-          <p:cNvSpPr>
-            <a:spLocks noGrp="1"/>
-          </p:cNvSpPr>
-          <p:nvPr>
-            <p:ph sz="half" idx="2"/>
-          </p:nvPr>
-        </p:nvSpPr>
-        <p:spPr/>
-        <p:txBody>
-          <a:bodyPr/>
-          <a:lstStyle/>
-          <a:p>
-            <a:r>
-              <a:rPr lang="en-US" sz="2000" dirty="0"/>
-              <a:t>Higher Order Functions</a:t>
-            </a:r>
-          </a:p>
-          <a:p>
-            <a:pPr lvl="1"/>
-            <a:r>
-              <a:rPr lang="en-US" sz="1600" dirty="0"/>
-              <a:t>Functions as Values</a:t>
-            </a:r>
-          </a:p>
-          <a:p>
-            <a:pPr lvl="1"/>
-            <a:r>
-              <a:rPr lang="en-US" sz="1600" dirty="0"/>
-              <a:t>Functions with functions as argument</a:t>
-            </a:r>
-          </a:p>
-          <a:p>
-            <a:pPr lvl="1"/>
-            <a:r>
-              <a:rPr lang="en-US" sz="1600" dirty="0"/>
-              <a:t>Assignment of function values</a:t>
-            </a:r>
-          </a:p>
-          <a:p>
-            <a:r>
-              <a:rPr lang="en-US" sz="2000" dirty="0"/>
-              <a:t>Higher order function patterns</a:t>
-            </a:r>
-          </a:p>
-          <a:p>
-            <a:pPr lvl="1"/>
-            <a:r>
-              <a:rPr lang="en-US" sz="2000" dirty="0"/>
-              <a:t>Map, Filter, Reduce</a:t>
-            </a:r>
-          </a:p>
-          <a:p>
-            <a:r>
-              <a:rPr lang="en-US" sz="2000" dirty="0"/>
-              <a:t>Function factories – create and return functions</a:t>
-            </a:r>
-          </a:p>
-          <a:p>
-            <a:r>
-              <a:rPr lang="en-US" sz="2000" dirty="0"/>
-              <a:t>Recursion</a:t>
-            </a:r>
-          </a:p>
-          <a:p>
-            <a:pPr lvl="1"/>
-            <a:r>
-              <a:rPr lang="en-US" sz="2000" dirty="0"/>
-              <a:t>Linear, Tail, Tree</a:t>
-            </a:r>
-          </a:p>
-          <a:p>
-            <a:r>
-              <a:rPr lang="en-US" sz="2000" dirty="0"/>
-              <a:t>Abstract Data Types</a:t>
-            </a:r>
-          </a:p>
-          <a:p>
-            <a:r>
-              <a:rPr lang="en-US" sz="2000" dirty="0"/>
-              <a:t>Generators</a:t>
-            </a:r>
-          </a:p>
-          <a:p>
-            <a:r>
-              <a:rPr lang="en-US" sz="2000" dirty="0"/>
-              <a:t>Mutation</a:t>
-            </a:r>
-            <a:endParaRPr lang="en-US" sz="2400" dirty="0">
-              <a:solidFill>
-                <a:srgbClr val="FF0000"/>
-              </a:solidFill>
-            </a:endParaRPr>
-          </a:p>
-          <a:p>
-            <a:r>
-              <a:rPr lang="en-US" sz="2400" dirty="0">
-                <a:solidFill>
-                  <a:srgbClr val="FF0000"/>
-                </a:solidFill>
-              </a:rPr>
-              <a:t>Object Orientation</a:t>
-            </a:r>
-          </a:p>
-          <a:p>
-            <a:pPr lvl="1"/>
-            <a:endParaRPr lang="en-US" sz="2000" dirty="0"/>
-          </a:p>
-        </p:txBody>
-      </p:sp>
-      <p:sp>
-        <p:nvSpPr>
-          <p:cNvPr id="6" name="Slide Number Placeholder 5"/>
-          <p:cNvSpPr>
-            <a:spLocks noGrp="1"/>
-          </p:cNvSpPr>
-          <p:nvPr>
-            <p:ph type="sldNum" sz="quarter" idx="12"/>
-          </p:nvPr>
-        </p:nvSpPr>
-        <p:spPr/>
-        <p:txBody>
-          <a:bodyPr/>
-          <a:lstStyle/>
-          <a:p>
-            <a:pPr>
-              <a:defRPr/>
-            </a:pPr>
-            <a:fld id="{ACA94121-BA6C-AD43-82C2-DF1F24FE5D9C}" type="slidenum">
-              <a:rPr lang="en-US" smtClean="0"/>
-              <a:pPr>
-                <a:defRPr/>
-              </a:pPr>
-              <a:t>2</a:t>
-            </a:fld>
-            <a:endParaRPr lang="en-US" b="0" dirty="0"/>
-          </a:p>
-        </p:txBody>
-      </p:sp>
-      <p:sp>
-        <p:nvSpPr>
-          <p:cNvPr id="11" name="Date Placeholder 3">
-            <a:extLst>
-              <a:ext uri="{FF2B5EF4-FFF2-40B4-BE49-F238E27FC236}">
-                <a16:creationId xmlns:a16="http://schemas.microsoft.com/office/drawing/2014/main" id="{704B72C6-9E4D-9F49-941A-A2CDF9629A0D}"/>
-              </a:ext>
-            </a:extLst>
-          </p:cNvPr>
-          <p:cNvSpPr>
-            <a:spLocks noGrp="1"/>
-          </p:cNvSpPr>
-          <p:nvPr>
-            <p:ph type="dt" sz="half" idx="10"/>
-          </p:nvPr>
-        </p:nvSpPr>
-        <p:spPr>
-          <a:xfrm>
-            <a:off x="0" y="6553200"/>
-            <a:ext cx="1524000" cy="304800"/>
-          </a:xfrm>
-        </p:spPr>
-        <p:txBody>
-          <a:bodyPr/>
-          <a:lstStyle/>
-          <a:p>
-            <a:pPr>
-              <a:defRPr/>
-            </a:pPr>
-            <a:r>
-              <a:rPr lang="en-US" dirty="0"/>
-              <a:t>11/4/19</a:t>
-            </a:r>
-          </a:p>
-        </p:txBody>
-      </p:sp>
-      <p:sp>
-        <p:nvSpPr>
-          <p:cNvPr id="12" name="Footer Placeholder 4">
-            <a:extLst>
-              <a:ext uri="{FF2B5EF4-FFF2-40B4-BE49-F238E27FC236}">
-                <a16:creationId xmlns:a16="http://schemas.microsoft.com/office/drawing/2014/main" id="{C78DC60F-4831-1C4D-99FF-8C2CC09E0410}"/>
-              </a:ext>
-            </a:extLst>
-          </p:cNvPr>
-          <p:cNvSpPr>
-            <a:spLocks noGrp="1"/>
-          </p:cNvSpPr>
-          <p:nvPr>
-            <p:ph type="ftr" sz="quarter" idx="11"/>
-          </p:nvPr>
-        </p:nvSpPr>
-        <p:spPr>
-          <a:xfrm>
-            <a:off x="3048000" y="6553200"/>
-            <a:ext cx="2895600" cy="304800"/>
-          </a:xfrm>
-        </p:spPr>
-        <p:txBody>
-          <a:bodyPr/>
-          <a:lstStyle/>
-          <a:p>
-            <a:pPr>
-              <a:defRPr/>
-            </a:pPr>
-            <a:r>
-              <a:rPr lang="en-US" dirty="0"/>
-              <a:t>UCB CS88 Fa19 L09</a:t>
-            </a:r>
-          </a:p>
-        </p:txBody>
-      </p:sp>
     </p:spTree>
     <p:extLst>
       <p:ext uri="{BB962C8B-B14F-4D97-AF65-F5344CB8AC3E}">
-        <p14:creationId xmlns:p14="http://schemas.microsoft.com/office/powerpoint/2010/main" val="3342126397"/>
+        <p14:creationId xmlns:p14="http://schemas.microsoft.com/office/powerpoint/2010/main" val="3618620412"/>
       </p:ext>
     </p:extLst>
   </p:cSld>
@@ -11428,7 +11319,7 @@
           <a:p>
             <a:r>
               <a:rPr lang="en-US" dirty="0"/>
-              <a:t>Example: class attribute</a:t>
+              <a:t>Example</a:t>
             </a:r>
           </a:p>
         </p:txBody>
@@ -11441,8 +11332,8 @@
         </p:nvSpPr>
         <p:spPr>
           <a:xfrm>
-            <a:off x="609600" y="1295400"/>
-            <a:ext cx="8077200" cy="4832093"/>
+            <a:off x="685800" y="1524000"/>
+            <a:ext cx="7010400" cy="4401206"/>
           </a:xfrm>
           <a:prstGeom prst="rect">
             <a:avLst/>
@@ -11484,25 +11375,116 @@
               </a:rPr>
               <a:t>    </a:t>
             </a:r>
+          </a:p>
+          <a:p>
+            <a:r>
+              <a:rPr lang="en-US" b="1" dirty="0">
+                <a:latin typeface="Courier New"/>
+                <a:cs typeface="Courier New"/>
+              </a:rPr>
+              <a:t>    </a:t>
+            </a:r>
             <a:r>
               <a:rPr lang="en-US" b="1" dirty="0" err="1">
-                <a:solidFill>
-                  <a:srgbClr val="0000FF"/>
-                </a:solidFill>
-                <a:latin typeface="Courier New"/>
-                <a:cs typeface="Courier New"/>
-              </a:rPr>
-              <a:t>account_number_seed</a:t>
-            </a:r>
-            <a:r>
-              <a:rPr lang="en-US" b="1" dirty="0">
-                <a:solidFill>
-                  <a:srgbClr val="0000FF"/>
-                </a:solidFill>
-                <a:latin typeface="Courier New"/>
-                <a:cs typeface="Courier New"/>
-              </a:rPr>
-              <a:t> = 1000</a:t>
+                <a:latin typeface="Courier New"/>
+                <a:cs typeface="Courier New"/>
+              </a:rPr>
+              <a:t>def</a:t>
+            </a:r>
+            <a:r>
+              <a:rPr lang="en-US" b="1" dirty="0">
+                <a:latin typeface="Courier New"/>
+                <a:cs typeface="Courier New"/>
+              </a:rPr>
+              <a:t> __</a:t>
+            </a:r>
+            <a:r>
+              <a:rPr lang="en-US" b="1" dirty="0" err="1">
+                <a:latin typeface="Courier New"/>
+                <a:cs typeface="Courier New"/>
+              </a:rPr>
+              <a:t>init</a:t>
+            </a:r>
+            <a:r>
+              <a:rPr lang="en-US" b="1" dirty="0">
+                <a:latin typeface="Courier New"/>
+                <a:cs typeface="Courier New"/>
+              </a:rPr>
+              <a:t>__(self, name, </a:t>
+            </a:r>
+            <a:r>
+              <a:rPr lang="en-US" b="1" dirty="0" err="1">
+                <a:latin typeface="Courier New"/>
+                <a:cs typeface="Courier New"/>
+              </a:rPr>
+              <a:t>initial_deposit</a:t>
+            </a:r>
+            <a:r>
+              <a:rPr lang="en-US" b="1" dirty="0">
+                <a:latin typeface="Courier New"/>
+                <a:cs typeface="Courier New"/>
+              </a:rPr>
+              <a:t>): </a:t>
+            </a:r>
+          </a:p>
+          <a:p>
+            <a:r>
+              <a:rPr lang="en-US" b="1" dirty="0">
+                <a:latin typeface="Courier New"/>
+                <a:cs typeface="Courier New"/>
+              </a:rPr>
+              <a:t>        </a:t>
+            </a:r>
+            <a:r>
+              <a:rPr lang="en-US" b="1" dirty="0" err="1">
+                <a:latin typeface="Courier New"/>
+                <a:cs typeface="Courier New"/>
+              </a:rPr>
+              <a:t>self.name</a:t>
+            </a:r>
+            <a:r>
+              <a:rPr lang="en-US" b="1" dirty="0">
+                <a:latin typeface="Courier New"/>
+                <a:cs typeface="Courier New"/>
+              </a:rPr>
+              <a:t> = name </a:t>
+            </a:r>
+          </a:p>
+          <a:p>
+            <a:r>
+              <a:rPr lang="en-US" b="1" dirty="0">
+                <a:latin typeface="Courier New"/>
+                <a:cs typeface="Courier New"/>
+              </a:rPr>
+              <a:t>        </a:t>
+            </a:r>
+            <a:r>
+              <a:rPr lang="en-US" b="1" dirty="0" err="1">
+                <a:latin typeface="Courier New"/>
+                <a:cs typeface="Courier New"/>
+              </a:rPr>
+              <a:t>self.balance</a:t>
+            </a:r>
+            <a:r>
+              <a:rPr lang="en-US" b="1" dirty="0">
+                <a:latin typeface="Courier New"/>
+                <a:cs typeface="Courier New"/>
+              </a:rPr>
+              <a:t> = </a:t>
+            </a:r>
+            <a:r>
+              <a:rPr lang="en-US" b="1" dirty="0" err="1">
+                <a:latin typeface="Courier New"/>
+                <a:cs typeface="Courier New"/>
+              </a:rPr>
+              <a:t>initial_deposit</a:t>
+            </a:r>
+            <a:r>
+              <a:rPr lang="en-US" b="1" dirty="0">
+                <a:latin typeface="Courier New"/>
+                <a:cs typeface="Courier New"/>
+              </a:rPr>
+              <a:t> </a:t>
             </a:r>
           </a:p>
           <a:p>
@@ -11531,190 +11513,6 @@
                 <a:latin typeface="Courier New"/>
                 <a:cs typeface="Courier New"/>
               </a:rPr>
-              <a:t> __</a:t>
-            </a:r>
-            <a:r>
-              <a:rPr lang="en-US" b="1" dirty="0" err="1">
-                <a:latin typeface="Courier New"/>
-                <a:cs typeface="Courier New"/>
-              </a:rPr>
-              <a:t>init</a:t>
-            </a:r>
-            <a:r>
-              <a:rPr lang="en-US" b="1" dirty="0">
-                <a:latin typeface="Courier New"/>
-                <a:cs typeface="Courier New"/>
-              </a:rPr>
-              <a:t>__(self, name, </a:t>
-            </a:r>
-            <a:r>
-              <a:rPr lang="en-US" b="1" dirty="0" err="1">
-                <a:latin typeface="Courier New"/>
-                <a:cs typeface="Courier New"/>
-              </a:rPr>
-              <a:t>initial_deposit</a:t>
-            </a:r>
-            <a:r>
-              <a:rPr lang="en-US" b="1" dirty="0">
-                <a:latin typeface="Courier New"/>
-                <a:cs typeface="Courier New"/>
-              </a:rPr>
-              <a:t>): </a:t>
-            </a:r>
-          </a:p>
-          <a:p>
-            <a:r>
-              <a:rPr lang="en-US" b="1" dirty="0">
-                <a:latin typeface="Courier New"/>
-                <a:cs typeface="Courier New"/>
-              </a:rPr>
-              <a:t>        </a:t>
-            </a:r>
-            <a:r>
-              <a:rPr lang="en-US" b="1" dirty="0" err="1">
-                <a:latin typeface="Courier New"/>
-                <a:cs typeface="Courier New"/>
-              </a:rPr>
-              <a:t>self._name</a:t>
-            </a:r>
-            <a:r>
-              <a:rPr lang="en-US" b="1" dirty="0">
-                <a:latin typeface="Courier New"/>
-                <a:cs typeface="Courier New"/>
-              </a:rPr>
-              <a:t> = name </a:t>
-            </a:r>
-          </a:p>
-          <a:p>
-            <a:r>
-              <a:rPr lang="en-US" b="1" dirty="0">
-                <a:latin typeface="Courier New"/>
-                <a:cs typeface="Courier New"/>
-              </a:rPr>
-              <a:t>        </a:t>
-            </a:r>
-            <a:r>
-              <a:rPr lang="en-US" b="1" dirty="0" err="1">
-                <a:latin typeface="Courier New"/>
-                <a:cs typeface="Courier New"/>
-              </a:rPr>
-              <a:t>self._balance</a:t>
-            </a:r>
-            <a:r>
-              <a:rPr lang="en-US" b="1" dirty="0">
-                <a:latin typeface="Courier New"/>
-                <a:cs typeface="Courier New"/>
-              </a:rPr>
-              <a:t> = </a:t>
-            </a:r>
-            <a:r>
-              <a:rPr lang="en-US" b="1" dirty="0" err="1">
-                <a:latin typeface="Courier New"/>
-                <a:cs typeface="Courier New"/>
-              </a:rPr>
-              <a:t>initial_deposit</a:t>
-            </a:r>
-            <a:r>
-              <a:rPr lang="en-US" b="1" dirty="0">
-                <a:latin typeface="Courier New"/>
-                <a:cs typeface="Courier New"/>
-              </a:rPr>
-              <a:t> </a:t>
-            </a:r>
-          </a:p>
-          <a:p>
-            <a:r>
-              <a:rPr lang="en-US" b="1" dirty="0">
-                <a:latin typeface="Courier New"/>
-                <a:cs typeface="Courier New"/>
-              </a:rPr>
-              <a:t>        self._</a:t>
-            </a:r>
-            <a:r>
-              <a:rPr lang="en-US" b="1" dirty="0" err="1">
-                <a:latin typeface="Courier New"/>
-                <a:cs typeface="Courier New"/>
-              </a:rPr>
-              <a:t>acct_no</a:t>
-            </a:r>
-            <a:r>
-              <a:rPr lang="en-US" b="1" dirty="0">
-                <a:latin typeface="Courier New"/>
-                <a:cs typeface="Courier New"/>
-              </a:rPr>
-              <a:t> = </a:t>
-            </a:r>
-            <a:r>
-              <a:rPr lang="en-US" b="1" dirty="0" err="1">
-                <a:solidFill>
-                  <a:srgbClr val="0000FF"/>
-                </a:solidFill>
-                <a:latin typeface="Courier New"/>
-                <a:cs typeface="Courier New"/>
-              </a:rPr>
-              <a:t>BaseAccount.account_number_seed</a:t>
-            </a:r>
-            <a:r>
-              <a:rPr lang="en-US" b="1" dirty="0">
-                <a:latin typeface="Courier New"/>
-                <a:cs typeface="Courier New"/>
-              </a:rPr>
-              <a:t>     </a:t>
-            </a:r>
-          </a:p>
-          <a:p>
-            <a:r>
-              <a:rPr lang="en-US" b="1" dirty="0">
-                <a:latin typeface="Courier New"/>
-                <a:cs typeface="Courier New"/>
-              </a:rPr>
-              <a:t>        </a:t>
-            </a:r>
-            <a:r>
-              <a:rPr lang="en-US" b="1" dirty="0" err="1">
-                <a:solidFill>
-                  <a:srgbClr val="0000FF"/>
-                </a:solidFill>
-                <a:latin typeface="Courier New"/>
-                <a:cs typeface="Courier New"/>
-              </a:rPr>
-              <a:t>BaseAccount.</a:t>
-            </a:r>
-            <a:r>
-              <a:rPr lang="en-US" b="1" dirty="0" err="1">
-                <a:latin typeface="Courier New"/>
-                <a:cs typeface="Courier New"/>
-              </a:rPr>
-              <a:t>account_number_seed</a:t>
-            </a:r>
-            <a:r>
-              <a:rPr lang="en-US" b="1" dirty="0">
-                <a:latin typeface="Courier New"/>
-                <a:cs typeface="Courier New"/>
-              </a:rPr>
-              <a:t> += 1</a:t>
-            </a:r>
-          </a:p>
-          <a:p>
-            <a:r>
-              <a:rPr lang="en-US" b="1" dirty="0">
-                <a:latin typeface="Courier New"/>
-                <a:cs typeface="Courier New"/>
-              </a:rPr>
-              <a:t>    </a:t>
-            </a:r>
-            <a:r>
-              <a:rPr lang="en-US" b="1" dirty="0" err="1">
-                <a:latin typeface="Courier New"/>
-                <a:cs typeface="Courier New"/>
-              </a:rPr>
-              <a:t>def</a:t>
-            </a:r>
-            <a:r>
-              <a:rPr lang="en-US" b="1" dirty="0">
-                <a:latin typeface="Courier New"/>
-                <a:cs typeface="Courier New"/>
-              </a:rPr>
               <a:t> name(self):</a:t>
             </a:r>
           </a:p>
@@ -11741,7 +11539,7 @@
                 <a:latin typeface="Courier New"/>
                 <a:cs typeface="Courier New"/>
               </a:rPr>
-              <a:t>._</a:t>
+              <a:t>.</a:t>
             </a:r>
             <a:r>
               <a:rPr lang="en-US" b="1" dirty="0" err="1">
@@ -11797,7 +11595,7 @@
                 <a:latin typeface="Courier New"/>
                 <a:cs typeface="Courier New"/>
               </a:rPr>
-              <a:t>self._balance</a:t>
+              <a:t>self.balance</a:t>
             </a:r>
             <a:endParaRPr lang="en-US" b="1" dirty="0">
               <a:latin typeface="Courier New"/>
@@ -11846,7 +11644,7 @@
                 <a:latin typeface="Courier New"/>
                 <a:cs typeface="Courier New"/>
               </a:rPr>
-              <a:t>self._balance</a:t>
+              <a:t>self.balance</a:t>
             </a:r>
             <a:r>
               <a:rPr lang="en-US" b="1" dirty="0">
@@ -11869,7 +11667,7 @@
                 <a:latin typeface="Courier New"/>
                 <a:cs typeface="Courier New"/>
               </a:rPr>
-              <a:t>self._balance</a:t>
+              <a:t>self.balance</a:t>
             </a:r>
             <a:endParaRPr lang="en-US" b="1" dirty="0">
               <a:latin typeface="Courier New"/>
@@ -11880,7 +11678,7 @@
       </p:sp>
       <p:sp>
         <p:nvSpPr>
-          <p:cNvPr id="10" name="Slide Number Placeholder 5"/>
+          <p:cNvPr id="13" name="Slide Number Placeholder 5"/>
           <p:cNvSpPr>
             <a:spLocks noGrp="1"/>
           </p:cNvSpPr>
@@ -11914,10 +11712,10 @@
       </p:sp>
       <p:sp>
         <p:nvSpPr>
-          <p:cNvPr id="8" name="Date Placeholder 3">
+          <p:cNvPr id="10" name="Date Placeholder 3">
             <a:extLst>
               <a:ext uri="{FF2B5EF4-FFF2-40B4-BE49-F238E27FC236}">
-                <a16:creationId xmlns:a16="http://schemas.microsoft.com/office/drawing/2014/main" id="{260E10F1-EBFF-6A4F-98EA-3F42613C7145}"/>
+                <a16:creationId xmlns:a16="http://schemas.microsoft.com/office/drawing/2014/main" id="{9CE16A15-978C-8B46-8F86-B575E4CD15BF}"/>
               </a:ext>
             </a:extLst>
           </p:cNvPr>
@@ -11950,10 +11748,10 @@
       </p:sp>
       <p:sp>
         <p:nvSpPr>
-          <p:cNvPr id="9" name="Footer Placeholder 4">
+          <p:cNvPr id="11" name="Footer Placeholder 4">
             <a:extLst>
               <a:ext uri="{FF2B5EF4-FFF2-40B4-BE49-F238E27FC236}">
-                <a16:creationId xmlns:a16="http://schemas.microsoft.com/office/drawing/2014/main" id="{B2B28EC4-FDD7-A449-A6E9-8B8E9F122425}"/>
+                <a16:creationId xmlns:a16="http://schemas.microsoft.com/office/drawing/2014/main" id="{B818D83E-1C4B-744F-BA15-C7483FA11A94}"/>
               </a:ext>
             </a:extLst>
           </p:cNvPr>
@@ -11987,7 +11785,7 @@
     </p:spTree>
     <p:extLst>
       <p:ext uri="{BB962C8B-B14F-4D97-AF65-F5344CB8AC3E}">
-        <p14:creationId xmlns:p14="http://schemas.microsoft.com/office/powerpoint/2010/main" val="3722888916"/>
+        <p14:creationId xmlns:p14="http://schemas.microsoft.com/office/powerpoint/2010/main" val="37486686"/>
       </p:ext>
     </p:extLst>
   </p:cSld>
@@ -12031,7 +11829,7 @@
           <a:p>
             <a:r>
               <a:rPr lang="en-US" dirty="0"/>
-              <a:t>More class attributes</a:t>
+              <a:t>Example: “private” attributes</a:t>
             </a:r>
           </a:p>
         </p:txBody>
@@ -12044,8 +11842,8 @@
         </p:nvSpPr>
         <p:spPr>
           <a:xfrm>
-            <a:off x="609600" y="1295400"/>
-            <a:ext cx="8077200" cy="5078314"/>
+            <a:off x="685800" y="1524000"/>
+            <a:ext cx="7010400" cy="4401206"/>
           </a:xfrm>
           <a:prstGeom prst="rect">
             <a:avLst/>
@@ -12087,71 +11885,108 @@
               </a:rPr>
               <a:t>    </a:t>
             </a:r>
+          </a:p>
+          <a:p>
+            <a:r>
+              <a:rPr lang="en-US" b="1" dirty="0">
+                <a:latin typeface="Courier New"/>
+                <a:cs typeface="Courier New"/>
+              </a:rPr>
+              <a:t>    </a:t>
+            </a:r>
             <a:r>
               <a:rPr lang="en-US" b="1" dirty="0" err="1">
                 <a:latin typeface="Courier New"/>
                 <a:cs typeface="Courier New"/>
               </a:rPr>
-              <a:t>account_number_seed</a:t>
-            </a:r>
-            <a:r>
-              <a:rPr lang="en-US" b="1" dirty="0">
-                <a:latin typeface="Courier New"/>
-                <a:cs typeface="Courier New"/>
-              </a:rPr>
-              <a:t> = 1000</a:t>
-            </a:r>
-          </a:p>
-          <a:p>
-            <a:r>
-              <a:rPr lang="en-US" b="1" dirty="0">
-                <a:latin typeface="Courier New"/>
-                <a:cs typeface="Courier New"/>
-              </a:rPr>
-              <a:t>    accounts = []</a:t>
-            </a:r>
-          </a:p>
-          <a:p>
-            <a:r>
-              <a:rPr lang="en-US" b="1" dirty="0">
-                <a:latin typeface="Courier New"/>
-                <a:cs typeface="Courier New"/>
-              </a:rPr>
-              <a:t>    </a:t>
+              <a:t>def</a:t>
+            </a:r>
+            <a:r>
+              <a:rPr lang="en-US" b="1" dirty="0">
+                <a:latin typeface="Courier New"/>
+                <a:cs typeface="Courier New"/>
+              </a:rPr>
+              <a:t> __</a:t>
             </a:r>
             <a:r>
               <a:rPr lang="en-US" b="1" dirty="0" err="1">
                 <a:latin typeface="Courier New"/>
                 <a:cs typeface="Courier New"/>
               </a:rPr>
-              <a:t>def</a:t>
-            </a:r>
-            <a:r>
-              <a:rPr lang="en-US" b="1" dirty="0">
-                <a:latin typeface="Courier New"/>
-                <a:cs typeface="Courier New"/>
-              </a:rPr>
-              <a:t> __</a:t>
+              <a:t>init</a:t>
+            </a:r>
+            <a:r>
+              <a:rPr lang="en-US" b="1" dirty="0">
+                <a:latin typeface="Courier New"/>
+                <a:cs typeface="Courier New"/>
+              </a:rPr>
+              <a:t>__(self, name, </a:t>
             </a:r>
             <a:r>
               <a:rPr lang="en-US" b="1" dirty="0" err="1">
                 <a:latin typeface="Courier New"/>
                 <a:cs typeface="Courier New"/>
               </a:rPr>
-              <a:t>init</a:t>
-            </a:r>
-            <a:r>
-              <a:rPr lang="en-US" b="1" dirty="0">
-                <a:latin typeface="Courier New"/>
-                <a:cs typeface="Courier New"/>
-              </a:rPr>
-              <a:t>__(self, name, </a:t>
+              <a:t>initial_deposit</a:t>
+            </a:r>
+            <a:r>
+              <a:rPr lang="en-US" b="1" dirty="0">
+                <a:latin typeface="Courier New"/>
+                <a:cs typeface="Courier New"/>
+              </a:rPr>
+              <a:t>): </a:t>
+            </a:r>
+          </a:p>
+          <a:p>
+            <a:r>
+              <a:rPr lang="en-US" b="1" dirty="0">
+                <a:latin typeface="Courier New"/>
+                <a:cs typeface="Courier New"/>
+              </a:rPr>
+              <a:t>        </a:t>
             </a:r>
             <a:r>
               <a:rPr lang="en-US" b="1" dirty="0" err="1">
                 <a:latin typeface="Courier New"/>
                 <a:cs typeface="Courier New"/>
               </a:rPr>
+              <a:t>self._name</a:t>
+            </a:r>
+            <a:r>
+              <a:rPr lang="en-US" b="1" dirty="0">
+                <a:latin typeface="Courier New"/>
+                <a:cs typeface="Courier New"/>
+              </a:rPr>
+              <a:t> = name </a:t>
+            </a:r>
+          </a:p>
+          <a:p>
+            <a:r>
+              <a:rPr lang="en-US" b="1" dirty="0">
+                <a:latin typeface="Courier New"/>
+                <a:cs typeface="Courier New"/>
+              </a:rPr>
+              <a:t>        </a:t>
+            </a:r>
+            <a:r>
+              <a:rPr lang="en-US" b="1" dirty="0" err="1">
+                <a:latin typeface="Courier New"/>
+                <a:cs typeface="Courier New"/>
+              </a:rPr>
+              <a:t>self._balance</a:t>
+            </a:r>
+            <a:r>
+              <a:rPr lang="en-US" b="1" dirty="0">
+                <a:latin typeface="Courier New"/>
+                <a:cs typeface="Courier New"/>
+              </a:rPr>
+              <a:t> = </a:t>
+            </a:r>
+            <a:r>
+              <a:rPr lang="en-US" b="1" dirty="0" err="1">
+                <a:latin typeface="Courier New"/>
+                <a:cs typeface="Courier New"/>
+              </a:rPr>
               <a:t>initial_deposit</a:t>
             </a:r>
             <a:r>
@@ -12159,156 +11994,7 @@
                 <a:latin typeface="Courier New"/>
                 <a:cs typeface="Courier New"/>
               </a:rPr>
-              <a:t>): </a:t>
-            </a:r>
-          </a:p>
-          <a:p>
-            <a:r>
-              <a:rPr lang="en-US" b="1" dirty="0">
-                <a:latin typeface="Courier New"/>
-                <a:cs typeface="Courier New"/>
-              </a:rPr>
-              <a:t>        </a:t>
-            </a:r>
-            <a:r>
-              <a:rPr lang="en-US" b="1" dirty="0" err="1">
-                <a:latin typeface="Courier New"/>
-                <a:cs typeface="Courier New"/>
-              </a:rPr>
-              <a:t>self._name</a:t>
-            </a:r>
-            <a:r>
-              <a:rPr lang="en-US" b="1" dirty="0">
-                <a:latin typeface="Courier New"/>
-                <a:cs typeface="Courier New"/>
-              </a:rPr>
-              <a:t> = name </a:t>
-            </a:r>
-          </a:p>
-          <a:p>
-            <a:r>
-              <a:rPr lang="en-US" b="1" dirty="0">
-                <a:latin typeface="Courier New"/>
-                <a:cs typeface="Courier New"/>
-              </a:rPr>
-              <a:t>        </a:t>
-            </a:r>
-            <a:r>
-              <a:rPr lang="en-US" b="1" dirty="0" err="1">
-                <a:latin typeface="Courier New"/>
-                <a:cs typeface="Courier New"/>
-              </a:rPr>
-              <a:t>self._balance</a:t>
-            </a:r>
-            <a:r>
-              <a:rPr lang="en-US" b="1" dirty="0">
-                <a:latin typeface="Courier New"/>
-                <a:cs typeface="Courier New"/>
-              </a:rPr>
-              <a:t> = </a:t>
-            </a:r>
-            <a:r>
-              <a:rPr lang="en-US" b="1" dirty="0" err="1">
-                <a:latin typeface="Courier New"/>
-                <a:cs typeface="Courier New"/>
-              </a:rPr>
-              <a:t>initial_deposit</a:t>
-            </a:r>
-            <a:r>
-              <a:rPr lang="en-US" b="1" dirty="0">
-                <a:latin typeface="Courier New"/>
-                <a:cs typeface="Courier New"/>
-              </a:rPr>
               <a:t> </a:t>
-            </a:r>
-          </a:p>
-          <a:p>
-            <a:r>
-              <a:rPr lang="en-US" b="1" dirty="0">
-                <a:latin typeface="Courier New"/>
-                <a:cs typeface="Courier New"/>
-              </a:rPr>
-              <a:t>        self._</a:t>
-            </a:r>
-            <a:r>
-              <a:rPr lang="en-US" b="1" dirty="0" err="1">
-                <a:latin typeface="Courier New"/>
-                <a:cs typeface="Courier New"/>
-              </a:rPr>
-              <a:t>acct_no</a:t>
-            </a:r>
-            <a:r>
-              <a:rPr lang="en-US" b="1" dirty="0">
-                <a:latin typeface="Courier New"/>
-                <a:cs typeface="Courier New"/>
-              </a:rPr>
-              <a:t> = </a:t>
-            </a:r>
-            <a:r>
-              <a:rPr lang="en-US" b="1" dirty="0" err="1">
-                <a:latin typeface="Courier New"/>
-                <a:cs typeface="Courier New"/>
-              </a:rPr>
-              <a:t>BaseAccount.account_number_seed</a:t>
-            </a:r>
-            <a:r>
-              <a:rPr lang="en-US" b="1" dirty="0">
-                <a:latin typeface="Courier New"/>
-                <a:cs typeface="Courier New"/>
-              </a:rPr>
-              <a:t>     </a:t>
-            </a:r>
-          </a:p>
-          <a:p>
-            <a:r>
-              <a:rPr lang="en-US" b="1" dirty="0">
-                <a:latin typeface="Courier New"/>
-                <a:cs typeface="Courier New"/>
-              </a:rPr>
-              <a:t>        </a:t>
-            </a:r>
-            <a:r>
-              <a:rPr lang="en-US" b="1" dirty="0" err="1">
-                <a:latin typeface="Courier New"/>
-                <a:cs typeface="Courier New"/>
-              </a:rPr>
-              <a:t>BaseAccount.account_number_seed</a:t>
-            </a:r>
-            <a:r>
-              <a:rPr lang="en-US" b="1" dirty="0">
-                <a:latin typeface="Courier New"/>
-                <a:cs typeface="Courier New"/>
-              </a:rPr>
-              <a:t> += 1</a:t>
-            </a:r>
-          </a:p>
-          <a:p>
-            <a:r>
-              <a:rPr lang="en-US" b="1" dirty="0">
-                <a:latin typeface="Courier New"/>
-                <a:cs typeface="Courier New"/>
-              </a:rPr>
-              <a:t>        </a:t>
-            </a:r>
-            <a:r>
-              <a:rPr lang="en-US" b="1" dirty="0" err="1">
-                <a:solidFill>
-                  <a:srgbClr val="0000FF"/>
-                </a:solidFill>
-                <a:latin typeface="Courier New"/>
-                <a:cs typeface="Courier New"/>
-              </a:rPr>
-              <a:t>BaseAccount.accounts.append</a:t>
-            </a:r>
-            <a:r>
-              <a:rPr lang="en-US" b="1" dirty="0">
-                <a:solidFill>
-                  <a:srgbClr val="0000FF"/>
-                </a:solidFill>
-                <a:latin typeface="Courier New"/>
-                <a:cs typeface="Courier New"/>
-              </a:rPr>
-              <a:t>(self)</a:t>
             </a:r>
           </a:p>
           <a:p>
@@ -12346,191 +12032,163 @@
                 <a:latin typeface="Courier New"/>
                 <a:cs typeface="Courier New"/>
               </a:rPr>
-              <a:t>        ...</a:t>
-            </a:r>
-          </a:p>
-          <a:p>
+              <a:t>        return </a:t>
+            </a:r>
+            <a:r>
+              <a:rPr lang="en-US" b="1" dirty="0" err="1">
+                <a:latin typeface="Courier New"/>
+                <a:cs typeface="Courier New"/>
+              </a:rPr>
+              <a:t>self</a:t>
+            </a:r>
+            <a:r>
+              <a:rPr lang="en-US" sz="2000" b="1" dirty="0" err="1">
+                <a:solidFill>
+                  <a:srgbClr val="0000FF"/>
+                </a:solidFill>
+                <a:latin typeface="Courier New"/>
+                <a:cs typeface="Courier New"/>
+              </a:rPr>
+              <a:t>._</a:t>
+            </a:r>
+            <a:r>
+              <a:rPr lang="en-US" b="1" dirty="0" err="1">
+                <a:latin typeface="Courier New"/>
+                <a:cs typeface="Courier New"/>
+              </a:rPr>
+              <a:t>name</a:t>
+            </a:r>
             <a:endParaRPr lang="en-US" b="1" dirty="0">
               <a:latin typeface="Courier New"/>
               <a:cs typeface="Courier New"/>
             </a:endParaRPr>
           </a:p>
           <a:p>
-            <a:r>
-              <a:rPr lang="en-US" b="1" dirty="0">
-                <a:latin typeface="Courier New"/>
-                <a:cs typeface="Courier New"/>
-              </a:rPr>
-              <a:t>    </a:t>
-            </a:r>
-            <a:r>
-              <a:rPr lang="en-US" b="1" dirty="0" err="1">
-                <a:solidFill>
-                  <a:srgbClr val="0000FF"/>
-                </a:solidFill>
-                <a:latin typeface="Courier New"/>
-                <a:cs typeface="Courier New"/>
-              </a:rPr>
-              <a:t>def</a:t>
-            </a:r>
-            <a:r>
-              <a:rPr lang="en-US" b="1" dirty="0">
-                <a:solidFill>
-                  <a:srgbClr val="0000FF"/>
-                </a:solidFill>
-                <a:latin typeface="Courier New"/>
-                <a:cs typeface="Courier New"/>
-              </a:rPr>
-              <a:t> </a:t>
-            </a:r>
-            <a:r>
-              <a:rPr lang="en-US" b="1" dirty="0" err="1">
-                <a:solidFill>
-                  <a:srgbClr val="0000FF"/>
-                </a:solidFill>
-                <a:latin typeface="Courier New"/>
-                <a:cs typeface="Courier New"/>
-              </a:rPr>
-              <a:t>show_accounts</a:t>
-            </a:r>
-            <a:r>
-              <a:rPr lang="en-US" b="1" dirty="0">
-                <a:solidFill>
-                  <a:srgbClr val="0000FF"/>
-                </a:solidFill>
-                <a:latin typeface="Courier New"/>
-                <a:cs typeface="Courier New"/>
-              </a:rPr>
-              <a:t>():</a:t>
-            </a:r>
-          </a:p>
-          <a:p>
-            <a:r>
-              <a:rPr lang="en-US" b="1" dirty="0">
-                <a:solidFill>
-                  <a:srgbClr val="0000FF"/>
-                </a:solidFill>
-                <a:latin typeface="Courier New"/>
-                <a:cs typeface="Courier New"/>
-              </a:rPr>
-              <a:t>        for account in </a:t>
-            </a:r>
-            <a:r>
-              <a:rPr lang="en-US" b="1" dirty="0" err="1">
-                <a:solidFill>
-                  <a:srgbClr val="0000FF"/>
-                </a:solidFill>
-                <a:latin typeface="Courier New"/>
-                <a:cs typeface="Courier New"/>
-              </a:rPr>
-              <a:t>BaseAccount.accounts</a:t>
-            </a:r>
-            <a:r>
-              <a:rPr lang="en-US" b="1" dirty="0">
-                <a:solidFill>
-                  <a:srgbClr val="0000FF"/>
-                </a:solidFill>
-                <a:latin typeface="Courier New"/>
-                <a:cs typeface="Courier New"/>
-              </a:rPr>
-              <a:t>:</a:t>
-            </a:r>
-          </a:p>
-          <a:p>
-            <a:r>
-              <a:rPr lang="en-US" b="1" dirty="0">
-                <a:solidFill>
-                  <a:srgbClr val="0000FF"/>
-                </a:solidFill>
-                <a:latin typeface="Courier New"/>
-                <a:cs typeface="Courier New"/>
-              </a:rPr>
-              <a:t>            print(</a:t>
-            </a:r>
-            <a:r>
-              <a:rPr lang="en-US" b="1" dirty="0" err="1">
-                <a:solidFill>
-                  <a:srgbClr val="0000FF"/>
-                </a:solidFill>
-                <a:latin typeface="Courier New"/>
-                <a:cs typeface="Courier New"/>
-              </a:rPr>
-              <a:t>account.name</a:t>
-            </a:r>
-            <a:r>
-              <a:rPr lang="en-US" b="1" dirty="0">
-                <a:solidFill>
-                  <a:srgbClr val="0000FF"/>
-                </a:solidFill>
-                <a:latin typeface="Courier New"/>
-                <a:cs typeface="Courier New"/>
-              </a:rPr>
-              <a:t>(),</a:t>
-            </a:r>
-          </a:p>
-          <a:p>
-            <a:r>
-              <a:rPr lang="en-US" b="1" dirty="0">
-                <a:solidFill>
-                  <a:srgbClr val="0000FF"/>
-                </a:solidFill>
-                <a:latin typeface="Courier New"/>
-                <a:cs typeface="Courier New"/>
-              </a:rPr>
-              <a:t>                  </a:t>
-            </a:r>
-            <a:r>
-              <a:rPr lang="en-US" b="1" dirty="0" err="1">
-                <a:solidFill>
-                  <a:srgbClr val="0000FF"/>
-                </a:solidFill>
-                <a:latin typeface="Courier New"/>
-                <a:cs typeface="Courier New"/>
-              </a:rPr>
-              <a:t>account.account_no</a:t>
-            </a:r>
-            <a:r>
-              <a:rPr lang="en-US" b="1" dirty="0">
-                <a:solidFill>
-                  <a:srgbClr val="0000FF"/>
-                </a:solidFill>
-                <a:latin typeface="Courier New"/>
-                <a:cs typeface="Courier New"/>
-              </a:rPr>
-              <a:t>(),</a:t>
-            </a:r>
-            <a:r>
-              <a:rPr lang="en-US" b="1" dirty="0" err="1">
-                <a:solidFill>
-                  <a:srgbClr val="0000FF"/>
-                </a:solidFill>
-                <a:latin typeface="Courier New"/>
-                <a:cs typeface="Courier New"/>
-              </a:rPr>
-              <a:t>account.balance</a:t>
-            </a:r>
-            <a:r>
-              <a:rPr lang="en-US" b="1" dirty="0">
-                <a:solidFill>
-                  <a:srgbClr val="0000FF"/>
-                </a:solidFill>
-                <a:latin typeface="Courier New"/>
-                <a:cs typeface="Courier New"/>
-              </a:rPr>
-              <a:t>())</a:t>
-            </a:r>
-          </a:p>
-          <a:p>
             <a:endParaRPr lang="en-US" b="1" dirty="0">
               <a:latin typeface="Courier New"/>
               <a:cs typeface="Courier New"/>
             </a:endParaRPr>
           </a:p>
-        </p:txBody>
-      </p:sp>
-      <p:sp>
-        <p:nvSpPr>
-          <p:cNvPr id="10" name="Slide Number Placeholder 5"/>
+          <a:p>
+            <a:r>
+              <a:rPr lang="en-US" b="1" dirty="0">
+                <a:latin typeface="Courier New"/>
+                <a:cs typeface="Courier New"/>
+              </a:rPr>
+              <a:t>    </a:t>
+            </a:r>
+            <a:r>
+              <a:rPr lang="en-US" b="1" dirty="0" err="1">
+                <a:latin typeface="Courier New"/>
+                <a:cs typeface="Courier New"/>
+              </a:rPr>
+              <a:t>def</a:t>
+            </a:r>
+            <a:r>
+              <a:rPr lang="en-US" b="1" dirty="0">
+                <a:latin typeface="Courier New"/>
+                <a:cs typeface="Courier New"/>
+              </a:rPr>
+              <a:t> balance(self):</a:t>
+            </a:r>
+          </a:p>
+          <a:p>
+            <a:r>
+              <a:rPr lang="en-US" b="1" dirty="0">
+                <a:latin typeface="Courier New"/>
+                <a:cs typeface="Courier New"/>
+              </a:rPr>
+              <a:t>        return </a:t>
+            </a:r>
+            <a:r>
+              <a:rPr lang="en-US" b="1" dirty="0" err="1">
+                <a:latin typeface="Courier New"/>
+                <a:cs typeface="Courier New"/>
+              </a:rPr>
+              <a:t>self._balance</a:t>
+            </a:r>
+            <a:endParaRPr lang="en-US" b="1" dirty="0">
+              <a:latin typeface="Courier New"/>
+              <a:cs typeface="Courier New"/>
+            </a:endParaRPr>
+          </a:p>
+          <a:p>
+            <a:endParaRPr lang="en-US" b="1" dirty="0">
+              <a:latin typeface="Courier New"/>
+              <a:cs typeface="Courier New"/>
+            </a:endParaRPr>
+          </a:p>
+          <a:p>
+            <a:r>
+              <a:rPr lang="en-US" b="1" dirty="0">
+                <a:latin typeface="Courier New"/>
+                <a:cs typeface="Courier New"/>
+              </a:rPr>
+              <a:t>    </a:t>
+            </a:r>
+            <a:r>
+              <a:rPr lang="en-US" b="1" dirty="0" err="1">
+                <a:latin typeface="Courier New"/>
+                <a:cs typeface="Courier New"/>
+              </a:rPr>
+              <a:t>def</a:t>
+            </a:r>
+            <a:r>
+              <a:rPr lang="en-US" b="1" dirty="0">
+                <a:latin typeface="Courier New"/>
+                <a:cs typeface="Courier New"/>
+              </a:rPr>
+              <a:t> withdraw(self, amount):</a:t>
+            </a:r>
+          </a:p>
+          <a:p>
+            <a:r>
+              <a:rPr lang="en-US" b="1" dirty="0">
+                <a:latin typeface="Courier New"/>
+                <a:cs typeface="Courier New"/>
+              </a:rPr>
+              <a:t>        </a:t>
+            </a:r>
+            <a:r>
+              <a:rPr lang="en-US" b="1" dirty="0" err="1">
+                <a:latin typeface="Courier New"/>
+                <a:cs typeface="Courier New"/>
+              </a:rPr>
+              <a:t>self._balance</a:t>
+            </a:r>
+            <a:r>
+              <a:rPr lang="en-US" b="1" dirty="0">
+                <a:latin typeface="Courier New"/>
+                <a:cs typeface="Courier New"/>
+              </a:rPr>
+              <a:t> -= amount</a:t>
+            </a:r>
+          </a:p>
+          <a:p>
+            <a:r>
+              <a:rPr lang="en-US" b="1" dirty="0">
+                <a:latin typeface="Courier New"/>
+                <a:cs typeface="Courier New"/>
+              </a:rPr>
+              <a:t>        return </a:t>
+            </a:r>
+            <a:r>
+              <a:rPr lang="en-US" b="1" dirty="0" err="1">
+                <a:latin typeface="Courier New"/>
+                <a:cs typeface="Courier New"/>
+              </a:rPr>
+              <a:t>self._balance</a:t>
+            </a:r>
+            <a:endParaRPr lang="en-US" b="1" dirty="0">
+              <a:latin typeface="Courier New"/>
+              <a:cs typeface="Courier New"/>
+            </a:endParaRPr>
+          </a:p>
+        </p:txBody>
+      </p:sp>
+      <p:sp>
+        <p:nvSpPr>
+          <p:cNvPr id="13" name="Slide Number Placeholder 5"/>
           <p:cNvSpPr>
             <a:spLocks noGrp="1"/>
           </p:cNvSpPr>
@@ -12564,10 +12222,10 @@
       </p:sp>
       <p:sp>
         <p:nvSpPr>
-          <p:cNvPr id="8" name="Date Placeholder 3">
+          <p:cNvPr id="10" name="Date Placeholder 3">
             <a:extLst>
               <a:ext uri="{FF2B5EF4-FFF2-40B4-BE49-F238E27FC236}">
-                <a16:creationId xmlns:a16="http://schemas.microsoft.com/office/drawing/2014/main" id="{E1550802-3624-6343-B256-5EE5B35B2F8A}"/>
+                <a16:creationId xmlns:a16="http://schemas.microsoft.com/office/drawing/2014/main" id="{F6AA96EC-BDDA-CC42-AE8E-FB35C800937F}"/>
               </a:ext>
             </a:extLst>
           </p:cNvPr>
@@ -12600,10 +12258,10 @@
       </p:sp>
       <p:sp>
         <p:nvSpPr>
-          <p:cNvPr id="9" name="Footer Placeholder 4">
+          <p:cNvPr id="11" name="Footer Placeholder 4">
             <a:extLst>
               <a:ext uri="{FF2B5EF4-FFF2-40B4-BE49-F238E27FC236}">
-                <a16:creationId xmlns:a16="http://schemas.microsoft.com/office/drawing/2014/main" id="{D320E06A-C574-B74E-9F9B-2F2BDB31E330}"/>
+                <a16:creationId xmlns:a16="http://schemas.microsoft.com/office/drawing/2014/main" id="{24E05237-E9F3-B94A-A785-F4352592BDA9}"/>
               </a:ext>
             </a:extLst>
           </p:cNvPr>
@@ -12637,7 +12295,7 @@
     </p:spTree>
     <p:extLst>
       <p:ext uri="{BB962C8B-B14F-4D97-AF65-F5344CB8AC3E}">
-        <p14:creationId xmlns:p14="http://schemas.microsoft.com/office/powerpoint/2010/main" val="214603123"/>
+        <p14:creationId xmlns:p14="http://schemas.microsoft.com/office/powerpoint/2010/main" val="138661986"/>
       </p:ext>
     </p:extLst>
   </p:cSld>
@@ -12681,6 +12339,1259 @@
           <a:p>
             <a:r>
               <a:rPr lang="en-US" dirty="0"/>
+              <a:t>Example: class attribute</a:t>
+            </a:r>
+          </a:p>
+        </p:txBody>
+      </p:sp>
+      <p:sp>
+        <p:nvSpPr>
+          <p:cNvPr id="7" name="Rectangle 6"/>
+          <p:cNvSpPr/>
+          <p:nvPr/>
+        </p:nvSpPr>
+        <p:spPr>
+          <a:xfrm>
+            <a:off x="609600" y="1295400"/>
+            <a:ext cx="8077200" cy="4832093"/>
+          </a:xfrm>
+          <a:prstGeom prst="rect">
+            <a:avLst/>
+          </a:prstGeom>
+        </p:spPr>
+        <p:txBody>
+          <a:bodyPr wrap="square">
+            <a:spAutoFit/>
+          </a:bodyPr>
+          <a:lstStyle/>
+          <a:p>
+            <a:r>
+              <a:rPr lang="en-US" b="1" dirty="0">
+                <a:latin typeface="Courier New"/>
+                <a:cs typeface="Courier New"/>
+              </a:rPr>
+              <a:t>class </a:t>
+            </a:r>
+            <a:r>
+              <a:rPr lang="en-US" b="1" dirty="0" err="1">
+                <a:latin typeface="Courier New"/>
+                <a:cs typeface="Courier New"/>
+              </a:rPr>
+              <a:t>BaseAccount</a:t>
+            </a:r>
+            <a:r>
+              <a:rPr lang="en-US" b="1" dirty="0">
+                <a:latin typeface="Courier New"/>
+                <a:cs typeface="Courier New"/>
+              </a:rPr>
+              <a:t>:</a:t>
+            </a:r>
+          </a:p>
+          <a:p>
+            <a:r>
+              <a:rPr lang="en-US" b="1" dirty="0">
+                <a:latin typeface="Courier New"/>
+                <a:cs typeface="Courier New"/>
+              </a:rPr>
+              <a:t>    </a:t>
+            </a:r>
+            <a:r>
+              <a:rPr lang="en-US" b="1" dirty="0" err="1">
+                <a:solidFill>
+                  <a:srgbClr val="0000FF"/>
+                </a:solidFill>
+                <a:latin typeface="Courier New"/>
+                <a:cs typeface="Courier New"/>
+              </a:rPr>
+              <a:t>account_number_seed</a:t>
+            </a:r>
+            <a:r>
+              <a:rPr lang="en-US" b="1" dirty="0">
+                <a:solidFill>
+                  <a:srgbClr val="0000FF"/>
+                </a:solidFill>
+                <a:latin typeface="Courier New"/>
+                <a:cs typeface="Courier New"/>
+              </a:rPr>
+              <a:t> = 1000</a:t>
+            </a:r>
+          </a:p>
+          <a:p>
+            <a:endParaRPr lang="en-US" b="1" dirty="0">
+              <a:latin typeface="Courier New"/>
+              <a:cs typeface="Courier New"/>
+            </a:endParaRPr>
+          </a:p>
+          <a:p>
+            <a:r>
+              <a:rPr lang="en-US" b="1" dirty="0">
+                <a:latin typeface="Courier New"/>
+                <a:cs typeface="Courier New"/>
+              </a:rPr>
+              <a:t>    </a:t>
+            </a:r>
+            <a:r>
+              <a:rPr lang="en-US" b="1" dirty="0" err="1">
+                <a:latin typeface="Courier New"/>
+                <a:cs typeface="Courier New"/>
+              </a:rPr>
+              <a:t>def</a:t>
+            </a:r>
+            <a:r>
+              <a:rPr lang="en-US" b="1" dirty="0">
+                <a:latin typeface="Courier New"/>
+                <a:cs typeface="Courier New"/>
+              </a:rPr>
+              <a:t> __</a:t>
+            </a:r>
+            <a:r>
+              <a:rPr lang="en-US" b="1" dirty="0" err="1">
+                <a:latin typeface="Courier New"/>
+                <a:cs typeface="Courier New"/>
+              </a:rPr>
+              <a:t>init</a:t>
+            </a:r>
+            <a:r>
+              <a:rPr lang="en-US" b="1" dirty="0">
+                <a:latin typeface="Courier New"/>
+                <a:cs typeface="Courier New"/>
+              </a:rPr>
+              <a:t>__(self, name, </a:t>
+            </a:r>
+            <a:r>
+              <a:rPr lang="en-US" b="1" dirty="0" err="1">
+                <a:latin typeface="Courier New"/>
+                <a:cs typeface="Courier New"/>
+              </a:rPr>
+              <a:t>initial_deposit</a:t>
+            </a:r>
+            <a:r>
+              <a:rPr lang="en-US" b="1" dirty="0">
+                <a:latin typeface="Courier New"/>
+                <a:cs typeface="Courier New"/>
+              </a:rPr>
+              <a:t>): </a:t>
+            </a:r>
+          </a:p>
+          <a:p>
+            <a:r>
+              <a:rPr lang="en-US" b="1" dirty="0">
+                <a:latin typeface="Courier New"/>
+                <a:cs typeface="Courier New"/>
+              </a:rPr>
+              <a:t>        </a:t>
+            </a:r>
+            <a:r>
+              <a:rPr lang="en-US" b="1" dirty="0" err="1">
+                <a:latin typeface="Courier New"/>
+                <a:cs typeface="Courier New"/>
+              </a:rPr>
+              <a:t>self._name</a:t>
+            </a:r>
+            <a:r>
+              <a:rPr lang="en-US" b="1" dirty="0">
+                <a:latin typeface="Courier New"/>
+                <a:cs typeface="Courier New"/>
+              </a:rPr>
+              <a:t> = name </a:t>
+            </a:r>
+          </a:p>
+          <a:p>
+            <a:r>
+              <a:rPr lang="en-US" b="1" dirty="0">
+                <a:latin typeface="Courier New"/>
+                <a:cs typeface="Courier New"/>
+              </a:rPr>
+              <a:t>        </a:t>
+            </a:r>
+            <a:r>
+              <a:rPr lang="en-US" b="1" dirty="0" err="1">
+                <a:latin typeface="Courier New"/>
+                <a:cs typeface="Courier New"/>
+              </a:rPr>
+              <a:t>self._balance</a:t>
+            </a:r>
+            <a:r>
+              <a:rPr lang="en-US" b="1" dirty="0">
+                <a:latin typeface="Courier New"/>
+                <a:cs typeface="Courier New"/>
+              </a:rPr>
+              <a:t> = </a:t>
+            </a:r>
+            <a:r>
+              <a:rPr lang="en-US" b="1" dirty="0" err="1">
+                <a:latin typeface="Courier New"/>
+                <a:cs typeface="Courier New"/>
+              </a:rPr>
+              <a:t>initial_deposit</a:t>
+            </a:r>
+            <a:r>
+              <a:rPr lang="en-US" b="1" dirty="0">
+                <a:latin typeface="Courier New"/>
+                <a:cs typeface="Courier New"/>
+              </a:rPr>
+              <a:t> </a:t>
+            </a:r>
+          </a:p>
+          <a:p>
+            <a:r>
+              <a:rPr lang="en-US" b="1" dirty="0">
+                <a:latin typeface="Courier New"/>
+                <a:cs typeface="Courier New"/>
+              </a:rPr>
+              <a:t>        self._</a:t>
+            </a:r>
+            <a:r>
+              <a:rPr lang="en-US" b="1" dirty="0" err="1">
+                <a:latin typeface="Courier New"/>
+                <a:cs typeface="Courier New"/>
+              </a:rPr>
+              <a:t>acct_no</a:t>
+            </a:r>
+            <a:r>
+              <a:rPr lang="en-US" b="1" dirty="0">
+                <a:latin typeface="Courier New"/>
+                <a:cs typeface="Courier New"/>
+              </a:rPr>
+              <a:t> = </a:t>
+            </a:r>
+            <a:r>
+              <a:rPr lang="en-US" b="1" dirty="0" err="1">
+                <a:solidFill>
+                  <a:srgbClr val="0000FF"/>
+                </a:solidFill>
+                <a:latin typeface="Courier New"/>
+                <a:cs typeface="Courier New"/>
+              </a:rPr>
+              <a:t>BaseAccount.account_number_seed</a:t>
+            </a:r>
+            <a:r>
+              <a:rPr lang="en-US" b="1" dirty="0">
+                <a:latin typeface="Courier New"/>
+                <a:cs typeface="Courier New"/>
+              </a:rPr>
+              <a:t>     </a:t>
+            </a:r>
+          </a:p>
+          <a:p>
+            <a:r>
+              <a:rPr lang="en-US" b="1" dirty="0">
+                <a:latin typeface="Courier New"/>
+                <a:cs typeface="Courier New"/>
+              </a:rPr>
+              <a:t>        </a:t>
+            </a:r>
+            <a:r>
+              <a:rPr lang="en-US" b="1" dirty="0" err="1">
+                <a:solidFill>
+                  <a:srgbClr val="0000FF"/>
+                </a:solidFill>
+                <a:latin typeface="Courier New"/>
+                <a:cs typeface="Courier New"/>
+              </a:rPr>
+              <a:t>BaseAccount.</a:t>
+            </a:r>
+            <a:r>
+              <a:rPr lang="en-US" b="1" dirty="0" err="1">
+                <a:latin typeface="Courier New"/>
+                <a:cs typeface="Courier New"/>
+              </a:rPr>
+              <a:t>account_number_seed</a:t>
+            </a:r>
+            <a:r>
+              <a:rPr lang="en-US" b="1" dirty="0">
+                <a:latin typeface="Courier New"/>
+                <a:cs typeface="Courier New"/>
+              </a:rPr>
+              <a:t> += 1</a:t>
+            </a:r>
+          </a:p>
+          <a:p>
+            <a:r>
+              <a:rPr lang="en-US" b="1" dirty="0">
+                <a:latin typeface="Courier New"/>
+                <a:cs typeface="Courier New"/>
+              </a:rPr>
+              <a:t>    </a:t>
+            </a:r>
+            <a:r>
+              <a:rPr lang="en-US" b="1" dirty="0" err="1">
+                <a:latin typeface="Courier New"/>
+                <a:cs typeface="Courier New"/>
+              </a:rPr>
+              <a:t>def</a:t>
+            </a:r>
+            <a:r>
+              <a:rPr lang="en-US" b="1" dirty="0">
+                <a:latin typeface="Courier New"/>
+                <a:cs typeface="Courier New"/>
+              </a:rPr>
+              <a:t> name(self):</a:t>
+            </a:r>
+          </a:p>
+          <a:p>
+            <a:r>
+              <a:rPr lang="en-US" b="1" dirty="0">
+                <a:latin typeface="Courier New"/>
+                <a:cs typeface="Courier New"/>
+              </a:rPr>
+              <a:t>        return </a:t>
+            </a:r>
+            <a:r>
+              <a:rPr lang="en-US" b="1" dirty="0" err="1">
+                <a:latin typeface="Courier New"/>
+                <a:cs typeface="Courier New"/>
+              </a:rPr>
+              <a:t>self</a:t>
+            </a:r>
+            <a:r>
+              <a:rPr lang="en-US" sz="2000" b="1" dirty="0" err="1">
+                <a:solidFill>
+                  <a:srgbClr val="0000FF"/>
+                </a:solidFill>
+                <a:latin typeface="Courier New"/>
+                <a:cs typeface="Courier New"/>
+              </a:rPr>
+              <a:t>._</a:t>
+            </a:r>
+            <a:r>
+              <a:rPr lang="en-US" b="1" dirty="0" err="1">
+                <a:latin typeface="Courier New"/>
+                <a:cs typeface="Courier New"/>
+              </a:rPr>
+              <a:t>name</a:t>
+            </a:r>
+            <a:endParaRPr lang="en-US" b="1" dirty="0">
+              <a:latin typeface="Courier New"/>
+              <a:cs typeface="Courier New"/>
+            </a:endParaRPr>
+          </a:p>
+          <a:p>
+            <a:endParaRPr lang="en-US" b="1" dirty="0">
+              <a:latin typeface="Courier New"/>
+              <a:cs typeface="Courier New"/>
+            </a:endParaRPr>
+          </a:p>
+          <a:p>
+            <a:r>
+              <a:rPr lang="en-US" b="1" dirty="0">
+                <a:latin typeface="Courier New"/>
+                <a:cs typeface="Courier New"/>
+              </a:rPr>
+              <a:t>    </a:t>
+            </a:r>
+            <a:r>
+              <a:rPr lang="en-US" b="1" dirty="0" err="1">
+                <a:latin typeface="Courier New"/>
+                <a:cs typeface="Courier New"/>
+              </a:rPr>
+              <a:t>def</a:t>
+            </a:r>
+            <a:r>
+              <a:rPr lang="en-US" b="1" dirty="0">
+                <a:latin typeface="Courier New"/>
+                <a:cs typeface="Courier New"/>
+              </a:rPr>
+              <a:t> balance(self):</a:t>
+            </a:r>
+          </a:p>
+          <a:p>
+            <a:r>
+              <a:rPr lang="en-US" b="1" dirty="0">
+                <a:latin typeface="Courier New"/>
+                <a:cs typeface="Courier New"/>
+              </a:rPr>
+              <a:t>        return </a:t>
+            </a:r>
+            <a:r>
+              <a:rPr lang="en-US" b="1" dirty="0" err="1">
+                <a:latin typeface="Courier New"/>
+                <a:cs typeface="Courier New"/>
+              </a:rPr>
+              <a:t>self._balance</a:t>
+            </a:r>
+            <a:endParaRPr lang="en-US" b="1" dirty="0">
+              <a:latin typeface="Courier New"/>
+              <a:cs typeface="Courier New"/>
+            </a:endParaRPr>
+          </a:p>
+          <a:p>
+            <a:endParaRPr lang="en-US" b="1" dirty="0">
+              <a:latin typeface="Courier New"/>
+              <a:cs typeface="Courier New"/>
+            </a:endParaRPr>
+          </a:p>
+          <a:p>
+            <a:r>
+              <a:rPr lang="en-US" b="1" dirty="0">
+                <a:latin typeface="Courier New"/>
+                <a:cs typeface="Courier New"/>
+              </a:rPr>
+              <a:t>    </a:t>
+            </a:r>
+            <a:r>
+              <a:rPr lang="en-US" b="1" dirty="0" err="1">
+                <a:latin typeface="Courier New"/>
+                <a:cs typeface="Courier New"/>
+              </a:rPr>
+              <a:t>def</a:t>
+            </a:r>
+            <a:r>
+              <a:rPr lang="en-US" b="1" dirty="0">
+                <a:latin typeface="Courier New"/>
+                <a:cs typeface="Courier New"/>
+              </a:rPr>
+              <a:t> withdraw(self, amount):</a:t>
+            </a:r>
+          </a:p>
+          <a:p>
+            <a:r>
+              <a:rPr lang="en-US" b="1" dirty="0">
+                <a:latin typeface="Courier New"/>
+                <a:cs typeface="Courier New"/>
+              </a:rPr>
+              <a:t>        </a:t>
+            </a:r>
+            <a:r>
+              <a:rPr lang="en-US" b="1" dirty="0" err="1">
+                <a:latin typeface="Courier New"/>
+                <a:cs typeface="Courier New"/>
+              </a:rPr>
+              <a:t>self._balance</a:t>
+            </a:r>
+            <a:r>
+              <a:rPr lang="en-US" b="1" dirty="0">
+                <a:latin typeface="Courier New"/>
+                <a:cs typeface="Courier New"/>
+              </a:rPr>
+              <a:t> -= amount</a:t>
+            </a:r>
+          </a:p>
+          <a:p>
+            <a:r>
+              <a:rPr lang="en-US" b="1" dirty="0">
+                <a:latin typeface="Courier New"/>
+                <a:cs typeface="Courier New"/>
+              </a:rPr>
+              <a:t>        return </a:t>
+            </a:r>
+            <a:r>
+              <a:rPr lang="en-US" b="1" dirty="0" err="1">
+                <a:latin typeface="Courier New"/>
+                <a:cs typeface="Courier New"/>
+              </a:rPr>
+              <a:t>self._balance</a:t>
+            </a:r>
+            <a:endParaRPr lang="en-US" b="1" dirty="0">
+              <a:latin typeface="Courier New"/>
+              <a:cs typeface="Courier New"/>
+            </a:endParaRPr>
+          </a:p>
+        </p:txBody>
+      </p:sp>
+      <p:sp>
+        <p:nvSpPr>
+          <p:cNvPr id="10" name="Slide Number Placeholder 5"/>
+          <p:cNvSpPr>
+            <a:spLocks noGrp="1"/>
+          </p:cNvSpPr>
+          <p:nvPr>
+            <p:ph type="sldNum" sz="quarter" idx="12"/>
+          </p:nvPr>
+        </p:nvSpPr>
+        <p:spPr>
+          <a:xfrm>
+            <a:off x="8610600" y="6553200"/>
+            <a:ext cx="533400" cy="304800"/>
+          </a:xfrm>
+        </p:spPr>
+        <p:txBody>
+          <a:bodyPr/>
+          <a:lstStyle/>
+          <a:p>
+            <a:pPr>
+              <a:defRPr/>
+            </a:pPr>
+            <a:fld id="{ACA94121-BA6C-AD43-82C2-DF1F24FE5D9C}" type="slidenum">
+              <a:rPr lang="en-US" smtClean="0"/>
+              <a:pPr>
+                <a:defRPr/>
+              </a:pPr>
+              <a:t>22</a:t>
+            </a:fld>
+            <a:endParaRPr lang="en-US" b="0" dirty="0"/>
+          </a:p>
+        </p:txBody>
+      </p:sp>
+      <p:sp>
+        <p:nvSpPr>
+          <p:cNvPr id="8" name="Date Placeholder 3">
+            <a:extLst>
+              <a:ext uri="{FF2B5EF4-FFF2-40B4-BE49-F238E27FC236}">
+                <a16:creationId xmlns:a16="http://schemas.microsoft.com/office/drawing/2014/main" id="{260E10F1-EBFF-6A4F-98EA-3F42613C7145}"/>
+              </a:ext>
+            </a:extLst>
+          </p:cNvPr>
+          <p:cNvSpPr>
+            <a:spLocks noGrp="1"/>
+          </p:cNvSpPr>
+          <p:nvPr>
+            <p:ph type="dt" sz="half" idx="10"/>
+          </p:nvPr>
+        </p:nvSpPr>
+        <p:spPr>
+          <a:xfrm>
+            <a:off x="0" y="6553200"/>
+            <a:ext cx="1524000" cy="304800"/>
+          </a:xfrm>
+        </p:spPr>
+        <p:txBody>
+          <a:bodyPr/>
+          <a:lstStyle/>
+          <a:p>
+            <a:pPr>
+              <a:defRPr/>
+            </a:pPr>
+            <a:r>
+              <a:rPr lang="en-US" dirty="0"/>
+              <a:t>11/4/19</a:t>
+            </a:r>
+          </a:p>
+        </p:txBody>
+      </p:sp>
+      <p:sp>
+        <p:nvSpPr>
+          <p:cNvPr id="9" name="Footer Placeholder 4">
+            <a:extLst>
+              <a:ext uri="{FF2B5EF4-FFF2-40B4-BE49-F238E27FC236}">
+                <a16:creationId xmlns:a16="http://schemas.microsoft.com/office/drawing/2014/main" id="{B2B28EC4-FDD7-A449-A6E9-8B8E9F122425}"/>
+              </a:ext>
+            </a:extLst>
+          </p:cNvPr>
+          <p:cNvSpPr>
+            <a:spLocks noGrp="1"/>
+          </p:cNvSpPr>
+          <p:nvPr>
+            <p:ph type="ftr" sz="quarter" idx="11"/>
+          </p:nvPr>
+        </p:nvSpPr>
+        <p:spPr>
+          <a:xfrm>
+            <a:off x="3048000" y="6553200"/>
+            <a:ext cx="2895600" cy="304800"/>
+          </a:xfrm>
+        </p:spPr>
+        <p:txBody>
+          <a:bodyPr/>
+          <a:lstStyle/>
+          <a:p>
+            <a:pPr>
+              <a:defRPr/>
+            </a:pPr>
+            <a:r>
+              <a:rPr lang="en-US" dirty="0"/>
+              <a:t>UCB CS88 Fa19 L09</a:t>
+            </a:r>
+          </a:p>
+        </p:txBody>
+      </p:sp>
+    </p:spTree>
+    <p:extLst>
+      <p:ext uri="{BB962C8B-B14F-4D97-AF65-F5344CB8AC3E}">
+        <p14:creationId xmlns:p14="http://schemas.microsoft.com/office/powerpoint/2010/main" val="3722888916"/>
+      </p:ext>
+    </p:extLst>
+  </p:cSld>
+  <p:clrMapOvr>
+    <a:masterClrMapping/>
+  </p:clrMapOvr>
+</p:sld>
+</file>
+
+<file path=ppt/slides/slide23.xml><?xml version="1.0" encoding="utf-8"?>
+<p:sld xmlns:a="http://schemas.openxmlformats.org/drawingml/2006/main" xmlns:r="http://schemas.openxmlformats.org/officeDocument/2006/relationships" xmlns:p="http://schemas.openxmlformats.org/presentationml/2006/main">
+  <p:cSld>
+    <p:spTree>
+      <p:nvGrpSpPr>
+        <p:cNvPr id="1" name=""/>
+        <p:cNvGrpSpPr/>
+        <p:nvPr/>
+      </p:nvGrpSpPr>
+      <p:grpSpPr>
+        <a:xfrm>
+          <a:off x="0" y="0"/>
+          <a:ext cx="0" cy="0"/>
+          <a:chOff x="0" y="0"/>
+          <a:chExt cx="0" cy="0"/>
+        </a:xfrm>
+      </p:grpSpPr>
+      <p:sp>
+        <p:nvSpPr>
+          <p:cNvPr id="2" name="Title 1"/>
+          <p:cNvSpPr>
+            <a:spLocks noGrp="1"/>
+          </p:cNvSpPr>
+          <p:nvPr>
+            <p:ph type="title"/>
+          </p:nvPr>
+        </p:nvSpPr>
+        <p:spPr/>
+        <p:txBody>
+          <a:bodyPr/>
+          <a:lstStyle/>
+          <a:p>
+            <a:r>
+              <a:rPr lang="en-US" dirty="0"/>
+              <a:t>More class attributes</a:t>
+            </a:r>
+          </a:p>
+        </p:txBody>
+      </p:sp>
+      <p:sp>
+        <p:nvSpPr>
+          <p:cNvPr id="7" name="Rectangle 6"/>
+          <p:cNvSpPr/>
+          <p:nvPr/>
+        </p:nvSpPr>
+        <p:spPr>
+          <a:xfrm>
+            <a:off x="609600" y="1295400"/>
+            <a:ext cx="8077200" cy="5078314"/>
+          </a:xfrm>
+          <a:prstGeom prst="rect">
+            <a:avLst/>
+          </a:prstGeom>
+        </p:spPr>
+        <p:txBody>
+          <a:bodyPr wrap="square">
+            <a:spAutoFit/>
+          </a:bodyPr>
+          <a:lstStyle/>
+          <a:p>
+            <a:r>
+              <a:rPr lang="en-US" b="1" dirty="0">
+                <a:latin typeface="Courier New"/>
+                <a:cs typeface="Courier New"/>
+              </a:rPr>
+              <a:t>class </a:t>
+            </a:r>
+            <a:r>
+              <a:rPr lang="en-US" b="1" dirty="0" err="1">
+                <a:latin typeface="Courier New"/>
+                <a:cs typeface="Courier New"/>
+              </a:rPr>
+              <a:t>BaseAccount</a:t>
+            </a:r>
+            <a:r>
+              <a:rPr lang="en-US" b="1" dirty="0">
+                <a:latin typeface="Courier New"/>
+                <a:cs typeface="Courier New"/>
+              </a:rPr>
+              <a:t>:</a:t>
+            </a:r>
+          </a:p>
+          <a:p>
+            <a:r>
+              <a:rPr lang="en-US" b="1" dirty="0">
+                <a:latin typeface="Courier New"/>
+                <a:cs typeface="Courier New"/>
+              </a:rPr>
+              <a:t>    </a:t>
+            </a:r>
+            <a:r>
+              <a:rPr lang="en-US" b="1" dirty="0" err="1">
+                <a:latin typeface="Courier New"/>
+                <a:cs typeface="Courier New"/>
+              </a:rPr>
+              <a:t>account_number_seed</a:t>
+            </a:r>
+            <a:r>
+              <a:rPr lang="en-US" b="1" dirty="0">
+                <a:latin typeface="Courier New"/>
+                <a:cs typeface="Courier New"/>
+              </a:rPr>
+              <a:t> = 1000</a:t>
+            </a:r>
+          </a:p>
+          <a:p>
+            <a:r>
+              <a:rPr lang="en-US" b="1" dirty="0">
+                <a:latin typeface="Courier New"/>
+                <a:cs typeface="Courier New"/>
+              </a:rPr>
+              <a:t>    accounts = []</a:t>
+            </a:r>
+          </a:p>
+          <a:p>
+            <a:r>
+              <a:rPr lang="en-US" b="1" dirty="0">
+                <a:latin typeface="Courier New"/>
+                <a:cs typeface="Courier New"/>
+              </a:rPr>
+              <a:t>    </a:t>
+            </a:r>
+            <a:r>
+              <a:rPr lang="en-US" b="1" dirty="0" err="1">
+                <a:latin typeface="Courier New"/>
+                <a:cs typeface="Courier New"/>
+              </a:rPr>
+              <a:t>def</a:t>
+            </a:r>
+            <a:r>
+              <a:rPr lang="en-US" b="1" dirty="0">
+                <a:latin typeface="Courier New"/>
+                <a:cs typeface="Courier New"/>
+              </a:rPr>
+              <a:t> __</a:t>
+            </a:r>
+            <a:r>
+              <a:rPr lang="en-US" b="1" dirty="0" err="1">
+                <a:latin typeface="Courier New"/>
+                <a:cs typeface="Courier New"/>
+              </a:rPr>
+              <a:t>init</a:t>
+            </a:r>
+            <a:r>
+              <a:rPr lang="en-US" b="1" dirty="0">
+                <a:latin typeface="Courier New"/>
+                <a:cs typeface="Courier New"/>
+              </a:rPr>
+              <a:t>__(self, name, </a:t>
+            </a:r>
+            <a:r>
+              <a:rPr lang="en-US" b="1" dirty="0" err="1">
+                <a:latin typeface="Courier New"/>
+                <a:cs typeface="Courier New"/>
+              </a:rPr>
+              <a:t>initial_deposit</a:t>
+            </a:r>
+            <a:r>
+              <a:rPr lang="en-US" b="1" dirty="0">
+                <a:latin typeface="Courier New"/>
+                <a:cs typeface="Courier New"/>
+              </a:rPr>
+              <a:t>): </a:t>
+            </a:r>
+          </a:p>
+          <a:p>
+            <a:r>
+              <a:rPr lang="en-US" b="1" dirty="0">
+                <a:latin typeface="Courier New"/>
+                <a:cs typeface="Courier New"/>
+              </a:rPr>
+              <a:t>        </a:t>
+            </a:r>
+            <a:r>
+              <a:rPr lang="en-US" b="1" dirty="0" err="1">
+                <a:latin typeface="Courier New"/>
+                <a:cs typeface="Courier New"/>
+              </a:rPr>
+              <a:t>self._name</a:t>
+            </a:r>
+            <a:r>
+              <a:rPr lang="en-US" b="1" dirty="0">
+                <a:latin typeface="Courier New"/>
+                <a:cs typeface="Courier New"/>
+              </a:rPr>
+              <a:t> = name </a:t>
+            </a:r>
+          </a:p>
+          <a:p>
+            <a:r>
+              <a:rPr lang="en-US" b="1" dirty="0">
+                <a:latin typeface="Courier New"/>
+                <a:cs typeface="Courier New"/>
+              </a:rPr>
+              <a:t>        </a:t>
+            </a:r>
+            <a:r>
+              <a:rPr lang="en-US" b="1" dirty="0" err="1">
+                <a:latin typeface="Courier New"/>
+                <a:cs typeface="Courier New"/>
+              </a:rPr>
+              <a:t>self._balance</a:t>
+            </a:r>
+            <a:r>
+              <a:rPr lang="en-US" b="1" dirty="0">
+                <a:latin typeface="Courier New"/>
+                <a:cs typeface="Courier New"/>
+              </a:rPr>
+              <a:t> = </a:t>
+            </a:r>
+            <a:r>
+              <a:rPr lang="en-US" b="1" dirty="0" err="1">
+                <a:latin typeface="Courier New"/>
+                <a:cs typeface="Courier New"/>
+              </a:rPr>
+              <a:t>initial_deposit</a:t>
+            </a:r>
+            <a:r>
+              <a:rPr lang="en-US" b="1" dirty="0">
+                <a:latin typeface="Courier New"/>
+                <a:cs typeface="Courier New"/>
+              </a:rPr>
+              <a:t> </a:t>
+            </a:r>
+          </a:p>
+          <a:p>
+            <a:r>
+              <a:rPr lang="en-US" b="1" dirty="0">
+                <a:latin typeface="Courier New"/>
+                <a:cs typeface="Courier New"/>
+              </a:rPr>
+              <a:t>        self._</a:t>
+            </a:r>
+            <a:r>
+              <a:rPr lang="en-US" b="1" dirty="0" err="1">
+                <a:latin typeface="Courier New"/>
+                <a:cs typeface="Courier New"/>
+              </a:rPr>
+              <a:t>acct_no</a:t>
+            </a:r>
+            <a:r>
+              <a:rPr lang="en-US" b="1" dirty="0">
+                <a:latin typeface="Courier New"/>
+                <a:cs typeface="Courier New"/>
+              </a:rPr>
+              <a:t> = </a:t>
+            </a:r>
+            <a:r>
+              <a:rPr lang="en-US" b="1" dirty="0" err="1">
+                <a:latin typeface="Courier New"/>
+                <a:cs typeface="Courier New"/>
+              </a:rPr>
+              <a:t>BaseAccount.account_number_seed</a:t>
+            </a:r>
+            <a:r>
+              <a:rPr lang="en-US" b="1" dirty="0">
+                <a:latin typeface="Courier New"/>
+                <a:cs typeface="Courier New"/>
+              </a:rPr>
+              <a:t>     </a:t>
+            </a:r>
+          </a:p>
+          <a:p>
+            <a:r>
+              <a:rPr lang="en-US" b="1" dirty="0">
+                <a:latin typeface="Courier New"/>
+                <a:cs typeface="Courier New"/>
+              </a:rPr>
+              <a:t>        </a:t>
+            </a:r>
+            <a:r>
+              <a:rPr lang="en-US" b="1" dirty="0" err="1">
+                <a:latin typeface="Courier New"/>
+                <a:cs typeface="Courier New"/>
+              </a:rPr>
+              <a:t>BaseAccount.account_number_seed</a:t>
+            </a:r>
+            <a:r>
+              <a:rPr lang="en-US" b="1" dirty="0">
+                <a:latin typeface="Courier New"/>
+                <a:cs typeface="Courier New"/>
+              </a:rPr>
+              <a:t> += 1</a:t>
+            </a:r>
+          </a:p>
+          <a:p>
+            <a:r>
+              <a:rPr lang="en-US" b="1" dirty="0">
+                <a:latin typeface="Courier New"/>
+                <a:cs typeface="Courier New"/>
+              </a:rPr>
+              <a:t>        </a:t>
+            </a:r>
+            <a:r>
+              <a:rPr lang="en-US" b="1" dirty="0" err="1">
+                <a:solidFill>
+                  <a:srgbClr val="0000FF"/>
+                </a:solidFill>
+                <a:latin typeface="Courier New"/>
+                <a:cs typeface="Courier New"/>
+              </a:rPr>
+              <a:t>BaseAccount.accounts.append</a:t>
+            </a:r>
+            <a:r>
+              <a:rPr lang="en-US" b="1" dirty="0">
+                <a:solidFill>
+                  <a:srgbClr val="0000FF"/>
+                </a:solidFill>
+                <a:latin typeface="Courier New"/>
+                <a:cs typeface="Courier New"/>
+              </a:rPr>
+              <a:t>(self)</a:t>
+            </a:r>
+          </a:p>
+          <a:p>
+            <a:endParaRPr lang="en-US" b="1" dirty="0">
+              <a:latin typeface="Courier New"/>
+              <a:cs typeface="Courier New"/>
+            </a:endParaRPr>
+          </a:p>
+          <a:p>
+            <a:r>
+              <a:rPr lang="en-US" b="1" dirty="0">
+                <a:latin typeface="Courier New"/>
+                <a:cs typeface="Courier New"/>
+              </a:rPr>
+              <a:t>    </a:t>
+            </a:r>
+            <a:r>
+              <a:rPr lang="en-US" b="1" dirty="0" err="1">
+                <a:latin typeface="Courier New"/>
+                <a:cs typeface="Courier New"/>
+              </a:rPr>
+              <a:t>def</a:t>
+            </a:r>
+            <a:r>
+              <a:rPr lang="en-US" b="1" dirty="0">
+                <a:latin typeface="Courier New"/>
+                <a:cs typeface="Courier New"/>
+              </a:rPr>
+              <a:t> name(self):</a:t>
+            </a:r>
+          </a:p>
+          <a:p>
+            <a:r>
+              <a:rPr lang="en-US" b="1" dirty="0">
+                <a:latin typeface="Courier New"/>
+                <a:cs typeface="Courier New"/>
+              </a:rPr>
+              <a:t>        ...</a:t>
+            </a:r>
+          </a:p>
+          <a:p>
+            <a:endParaRPr lang="en-US" b="1" dirty="0">
+              <a:latin typeface="Courier New"/>
+              <a:cs typeface="Courier New"/>
+            </a:endParaRPr>
+          </a:p>
+          <a:p>
+            <a:r>
+              <a:rPr lang="en-US" b="1" dirty="0">
+                <a:latin typeface="Courier New"/>
+                <a:cs typeface="Courier New"/>
+              </a:rPr>
+              <a:t>    </a:t>
+            </a:r>
+            <a:r>
+              <a:rPr lang="en-US" b="1" dirty="0" err="1">
+                <a:solidFill>
+                  <a:srgbClr val="0000FF"/>
+                </a:solidFill>
+                <a:latin typeface="Courier New"/>
+                <a:cs typeface="Courier New"/>
+              </a:rPr>
+              <a:t>def</a:t>
+            </a:r>
+            <a:r>
+              <a:rPr lang="en-US" b="1" dirty="0">
+                <a:solidFill>
+                  <a:srgbClr val="0000FF"/>
+                </a:solidFill>
+                <a:latin typeface="Courier New"/>
+                <a:cs typeface="Courier New"/>
+              </a:rPr>
+              <a:t> </a:t>
+            </a:r>
+            <a:r>
+              <a:rPr lang="en-US" b="1" dirty="0" err="1">
+                <a:solidFill>
+                  <a:srgbClr val="0000FF"/>
+                </a:solidFill>
+                <a:latin typeface="Courier New"/>
+                <a:cs typeface="Courier New"/>
+              </a:rPr>
+              <a:t>show_accounts</a:t>
+            </a:r>
+            <a:r>
+              <a:rPr lang="en-US" b="1" dirty="0">
+                <a:solidFill>
+                  <a:srgbClr val="0000FF"/>
+                </a:solidFill>
+                <a:latin typeface="Courier New"/>
+                <a:cs typeface="Courier New"/>
+              </a:rPr>
+              <a:t>():</a:t>
+            </a:r>
+          </a:p>
+          <a:p>
+            <a:r>
+              <a:rPr lang="en-US" b="1" dirty="0">
+                <a:solidFill>
+                  <a:srgbClr val="0000FF"/>
+                </a:solidFill>
+                <a:latin typeface="Courier New"/>
+                <a:cs typeface="Courier New"/>
+              </a:rPr>
+              <a:t>        for account in </a:t>
+            </a:r>
+            <a:r>
+              <a:rPr lang="en-US" b="1" dirty="0" err="1">
+                <a:solidFill>
+                  <a:srgbClr val="0000FF"/>
+                </a:solidFill>
+                <a:latin typeface="Courier New"/>
+                <a:cs typeface="Courier New"/>
+              </a:rPr>
+              <a:t>BaseAccount.accounts</a:t>
+            </a:r>
+            <a:r>
+              <a:rPr lang="en-US" b="1" dirty="0">
+                <a:solidFill>
+                  <a:srgbClr val="0000FF"/>
+                </a:solidFill>
+                <a:latin typeface="Courier New"/>
+                <a:cs typeface="Courier New"/>
+              </a:rPr>
+              <a:t>:</a:t>
+            </a:r>
+          </a:p>
+          <a:p>
+            <a:r>
+              <a:rPr lang="en-US" b="1" dirty="0">
+                <a:solidFill>
+                  <a:srgbClr val="0000FF"/>
+                </a:solidFill>
+                <a:latin typeface="Courier New"/>
+                <a:cs typeface="Courier New"/>
+              </a:rPr>
+              <a:t>            print(</a:t>
+            </a:r>
+            <a:r>
+              <a:rPr lang="en-US" b="1" dirty="0" err="1">
+                <a:solidFill>
+                  <a:srgbClr val="0000FF"/>
+                </a:solidFill>
+                <a:latin typeface="Courier New"/>
+                <a:cs typeface="Courier New"/>
+              </a:rPr>
+              <a:t>account.name</a:t>
+            </a:r>
+            <a:r>
+              <a:rPr lang="en-US" b="1" dirty="0">
+                <a:solidFill>
+                  <a:srgbClr val="0000FF"/>
+                </a:solidFill>
+                <a:latin typeface="Courier New"/>
+                <a:cs typeface="Courier New"/>
+              </a:rPr>
+              <a:t>(),</a:t>
+            </a:r>
+          </a:p>
+          <a:p>
+            <a:r>
+              <a:rPr lang="en-US" b="1" dirty="0">
+                <a:solidFill>
+                  <a:srgbClr val="0000FF"/>
+                </a:solidFill>
+                <a:latin typeface="Courier New"/>
+                <a:cs typeface="Courier New"/>
+              </a:rPr>
+              <a:t>                  </a:t>
+            </a:r>
+            <a:r>
+              <a:rPr lang="en-US" b="1" dirty="0" err="1">
+                <a:solidFill>
+                  <a:srgbClr val="0000FF"/>
+                </a:solidFill>
+                <a:latin typeface="Courier New"/>
+                <a:cs typeface="Courier New"/>
+              </a:rPr>
+              <a:t>account.account_no</a:t>
+            </a:r>
+            <a:r>
+              <a:rPr lang="en-US" b="1" dirty="0">
+                <a:solidFill>
+                  <a:srgbClr val="0000FF"/>
+                </a:solidFill>
+                <a:latin typeface="Courier New"/>
+                <a:cs typeface="Courier New"/>
+              </a:rPr>
+              <a:t>(),</a:t>
+            </a:r>
+            <a:r>
+              <a:rPr lang="en-US" b="1" dirty="0" err="1">
+                <a:solidFill>
+                  <a:srgbClr val="0000FF"/>
+                </a:solidFill>
+                <a:latin typeface="Courier New"/>
+                <a:cs typeface="Courier New"/>
+              </a:rPr>
+              <a:t>account.balance</a:t>
+            </a:r>
+            <a:r>
+              <a:rPr lang="en-US" b="1" dirty="0">
+                <a:solidFill>
+                  <a:srgbClr val="0000FF"/>
+                </a:solidFill>
+                <a:latin typeface="Courier New"/>
+                <a:cs typeface="Courier New"/>
+              </a:rPr>
+              <a:t>())</a:t>
+            </a:r>
+          </a:p>
+          <a:p>
+            <a:endParaRPr lang="en-US" b="1" dirty="0">
+              <a:latin typeface="Courier New"/>
+              <a:cs typeface="Courier New"/>
+            </a:endParaRPr>
+          </a:p>
+        </p:txBody>
+      </p:sp>
+      <p:sp>
+        <p:nvSpPr>
+          <p:cNvPr id="10" name="Slide Number Placeholder 5"/>
+          <p:cNvSpPr>
+            <a:spLocks noGrp="1"/>
+          </p:cNvSpPr>
+          <p:nvPr>
+            <p:ph type="sldNum" sz="quarter" idx="12"/>
+          </p:nvPr>
+        </p:nvSpPr>
+        <p:spPr>
+          <a:xfrm>
+            <a:off x="8610600" y="6553200"/>
+            <a:ext cx="533400" cy="304800"/>
+          </a:xfrm>
+        </p:spPr>
+        <p:txBody>
+          <a:bodyPr/>
+          <a:lstStyle/>
+          <a:p>
+            <a:pPr>
+              <a:defRPr/>
+            </a:pPr>
+            <a:fld id="{ACA94121-BA6C-AD43-82C2-DF1F24FE5D9C}" type="slidenum">
+              <a:rPr lang="en-US" smtClean="0"/>
+              <a:pPr>
+                <a:defRPr/>
+              </a:pPr>
+              <a:t>23</a:t>
+            </a:fld>
+            <a:endParaRPr lang="en-US" b="0" dirty="0"/>
+          </a:p>
+        </p:txBody>
+      </p:sp>
+      <p:sp>
+        <p:nvSpPr>
+          <p:cNvPr id="8" name="Date Placeholder 3">
+            <a:extLst>
+              <a:ext uri="{FF2B5EF4-FFF2-40B4-BE49-F238E27FC236}">
+                <a16:creationId xmlns:a16="http://schemas.microsoft.com/office/drawing/2014/main" id="{E1550802-3624-6343-B256-5EE5B35B2F8A}"/>
+              </a:ext>
+            </a:extLst>
+          </p:cNvPr>
+          <p:cNvSpPr>
+            <a:spLocks noGrp="1"/>
+          </p:cNvSpPr>
+          <p:nvPr>
+            <p:ph type="dt" sz="half" idx="10"/>
+          </p:nvPr>
+        </p:nvSpPr>
+        <p:spPr>
+          <a:xfrm>
+            <a:off x="0" y="6553200"/>
+            <a:ext cx="1524000" cy="304800"/>
+          </a:xfrm>
+        </p:spPr>
+        <p:txBody>
+          <a:bodyPr/>
+          <a:lstStyle/>
+          <a:p>
+            <a:pPr>
+              <a:defRPr/>
+            </a:pPr>
+            <a:r>
+              <a:rPr lang="en-US" dirty="0"/>
+              <a:t>11/4/19</a:t>
+            </a:r>
+          </a:p>
+        </p:txBody>
+      </p:sp>
+      <p:sp>
+        <p:nvSpPr>
+          <p:cNvPr id="9" name="Footer Placeholder 4">
+            <a:extLst>
+              <a:ext uri="{FF2B5EF4-FFF2-40B4-BE49-F238E27FC236}">
+                <a16:creationId xmlns:a16="http://schemas.microsoft.com/office/drawing/2014/main" id="{D320E06A-C574-B74E-9F9B-2F2BDB31E330}"/>
+              </a:ext>
+            </a:extLst>
+          </p:cNvPr>
+          <p:cNvSpPr>
+            <a:spLocks noGrp="1"/>
+          </p:cNvSpPr>
+          <p:nvPr>
+            <p:ph type="ftr" sz="quarter" idx="11"/>
+          </p:nvPr>
+        </p:nvSpPr>
+        <p:spPr>
+          <a:xfrm>
+            <a:off x="3048000" y="6553200"/>
+            <a:ext cx="2895600" cy="304800"/>
+          </a:xfrm>
+        </p:spPr>
+        <p:txBody>
+          <a:bodyPr/>
+          <a:lstStyle/>
+          <a:p>
+            <a:pPr>
+              <a:defRPr/>
+            </a:pPr>
+            <a:r>
+              <a:rPr lang="en-US" dirty="0"/>
+              <a:t>UCB CS88 Fa19 L09</a:t>
+            </a:r>
+          </a:p>
+        </p:txBody>
+      </p:sp>
+    </p:spTree>
+    <p:extLst>
+      <p:ext uri="{BB962C8B-B14F-4D97-AF65-F5344CB8AC3E}">
+        <p14:creationId xmlns:p14="http://schemas.microsoft.com/office/powerpoint/2010/main" val="214603123"/>
+      </p:ext>
+    </p:extLst>
+  </p:cSld>
+  <p:clrMapOvr>
+    <a:masterClrMapping/>
+  </p:clrMapOvr>
+</p:sld>
+</file>
+
+<file path=ppt/slides/slide24.xml><?xml version="1.0" encoding="utf-8"?>
+<p:sld xmlns:a="http://schemas.openxmlformats.org/drawingml/2006/main" xmlns:r="http://schemas.openxmlformats.org/officeDocument/2006/relationships" xmlns:p="http://schemas.openxmlformats.org/presentationml/2006/main">
+  <p:cSld>
+    <p:spTree>
+      <p:nvGrpSpPr>
+        <p:cNvPr id="1" name=""/>
+        <p:cNvGrpSpPr/>
+        <p:nvPr/>
+      </p:nvGrpSpPr>
+      <p:grpSpPr>
+        <a:xfrm>
+          <a:off x="0" y="0"/>
+          <a:ext cx="0" cy="0"/>
+          <a:chOff x="0" y="0"/>
+          <a:chExt cx="0" cy="0"/>
+        </a:xfrm>
+      </p:grpSpPr>
+      <p:sp>
+        <p:nvSpPr>
+          <p:cNvPr id="2" name="Title 1"/>
+          <p:cNvSpPr>
+            <a:spLocks noGrp="1"/>
+          </p:cNvSpPr>
+          <p:nvPr>
+            <p:ph type="title"/>
+          </p:nvPr>
+        </p:nvSpPr>
+        <p:spPr/>
+        <p:txBody>
+          <a:bodyPr/>
+          <a:lstStyle/>
+          <a:p>
+            <a:r>
+              <a:rPr lang="en-US" dirty="0"/>
               <a:t>Example</a:t>
             </a:r>
           </a:p>
@@ -12825,7 +13736,7 @@
               <a:pPr>
                 <a:defRPr/>
               </a:pPr>
-              <a:t>22</a:t>
+              <a:t>24</a:t>
             </a:fld>
             <a:endParaRPr lang="en-US" b="0" dirty="0"/>
           </a:p>
@@ -12916,7 +13827,7 @@
 </p:sld>
 </file>
 
-<file path=ppt/slides/slide23.xml><?xml version="1.0" encoding="utf-8"?>
+<file path=ppt/slides/slide25.xml><?xml version="1.0" encoding="utf-8"?>
 <p:sld xmlns:a="http://schemas.openxmlformats.org/drawingml/2006/main" xmlns:r="http://schemas.openxmlformats.org/officeDocument/2006/relationships" xmlns:p="http://schemas.openxmlformats.org/presentationml/2006/main">
   <p:cSld>
     <p:spTree>
@@ -13609,7 +14520,7 @@
               <a:pPr>
                 <a:defRPr/>
               </a:pPr>
-              <a:t>23</a:t>
+              <a:t>25</a:t>
             </a:fld>
             <a:endParaRPr lang="en-US" b="0" dirty="0"/>
           </a:p>
@@ -13820,7 +14731,7 @@
 </p:sld>
 </file>
 
-<file path=ppt/slides/slide24.xml><?xml version="1.0" encoding="utf-8"?>
+<file path=ppt/slides/slide26.xml><?xml version="1.0" encoding="utf-8"?>
 <p:sld xmlns:a="http://schemas.openxmlformats.org/drawingml/2006/main" xmlns:r="http://schemas.openxmlformats.org/officeDocument/2006/relationships" xmlns:p="http://schemas.openxmlformats.org/presentationml/2006/main">
   <p:cSld>
     <p:spTree>
@@ -14251,7 +15162,7 @@
               <a:pPr>
                 <a:defRPr/>
               </a:pPr>
-              <a:t>24</a:t>
+              <a:t>26</a:t>
             </a:fld>
             <a:endParaRPr lang="en-US" b="0" dirty="0"/>
           </a:p>
@@ -14343,6 +15254,935 @@
 </file>
 
 <file path=ppt/slides/slide3.xml><?xml version="1.0" encoding="utf-8"?>
+<p:sld xmlns:a="http://schemas.openxmlformats.org/drawingml/2006/main" xmlns:r="http://schemas.openxmlformats.org/officeDocument/2006/relationships" xmlns:p="http://schemas.openxmlformats.org/presentationml/2006/main">
+  <p:cSld>
+    <p:spTree>
+      <p:nvGrpSpPr>
+        <p:cNvPr id="1" name=""/>
+        <p:cNvGrpSpPr/>
+        <p:nvPr/>
+      </p:nvGrpSpPr>
+      <p:grpSpPr>
+        <a:xfrm>
+          <a:off x="0" y="0"/>
+          <a:ext cx="0" cy="0"/>
+          <a:chOff x="0" y="0"/>
+          <a:chExt cx="0" cy="0"/>
+        </a:xfrm>
+      </p:grpSpPr>
+      <p:sp>
+        <p:nvSpPr>
+          <p:cNvPr id="137" name="50 Lines of Code That Changed The Word"/>
+          <p:cNvSpPr txBox="1">
+            <a:spLocks noGrp="1"/>
+          </p:cNvSpPr>
+          <p:nvPr>
+            <p:ph type="title"/>
+          </p:nvPr>
+        </p:nvSpPr>
+        <p:spPr>
+          <a:xfrm>
+            <a:off x="685800" y="101600"/>
+            <a:ext cx="7696200" cy="736600"/>
+          </a:xfrm>
+          <a:prstGeom prst="rect">
+            <a:avLst/>
+          </a:prstGeom>
+        </p:spPr>
+        <p:txBody>
+          <a:bodyPr/>
+          <a:lstStyle>
+            <a:lvl1pPr defTabSz="1014374">
+              <a:defRPr sz="4835"/>
+            </a:lvl1pPr>
+          </a:lstStyle>
+          <a:p>
+            <a:r>
+              <a:rPr sz="3000" dirty="0"/>
+              <a:t>50 Lines of Code That Changed The Word</a:t>
+            </a:r>
+          </a:p>
+        </p:txBody>
+      </p:sp>
+      <p:sp>
+        <p:nvSpPr>
+          <p:cNvPr id="138" name="https://slate.com/technology/2019/10/consequential-computer-code-software-history.html…"/>
+          <p:cNvSpPr txBox="1">
+            <a:spLocks noGrp="1"/>
+          </p:cNvSpPr>
+          <p:nvPr>
+            <p:ph type="body" idx="1"/>
+          </p:nvPr>
+        </p:nvSpPr>
+        <p:spPr>
+          <a:prstGeom prst="rect">
+            <a:avLst/>
+          </a:prstGeom>
+        </p:spPr>
+        <p:txBody>
+          <a:bodyPr/>
+          <a:lstStyle/>
+          <a:p>
+            <a:r>
+              <a:rPr u="sng" dirty="0">
+                <a:solidFill>
+                  <a:srgbClr val="009999"/>
+                </a:solidFill>
+                <a:uFill>
+                  <a:solidFill>
+                    <a:srgbClr val="009999"/>
+                  </a:solidFill>
+                </a:uFill>
+                <a:hlinkClick r:id="rId2"/>
+              </a:rPr>
+              <a:t>https://slate.com/technology/2019/10/consequential-computer-code-software-history.html</a:t>
+            </a:r>
+          </a:p>
+          <a:p>
+            <a:r>
+              <a:rPr dirty="0"/>
+              <a:t>Apollo’s</a:t>
+            </a:r>
+            <a:r>
+              <a:rPr lang="en-US" dirty="0"/>
+              <a:t> Lunar </a:t>
+            </a:r>
+            <a:r>
+              <a:rPr dirty="0"/>
+              <a:t>guidance system</a:t>
+            </a:r>
+          </a:p>
+          <a:p>
+            <a:r>
+              <a:rPr dirty="0" err="1"/>
+              <a:t>Printf</a:t>
+            </a:r>
+            <a:r>
+              <a:rPr dirty="0"/>
+              <a:t>(‘Hello, world\n’);</a:t>
+            </a:r>
+            <a:endParaRPr lang="en-US" dirty="0"/>
+          </a:p>
+          <a:p>
+            <a:r>
+              <a:rPr lang="en-US" dirty="0"/>
+              <a:t>The origins of email</a:t>
+            </a:r>
+          </a:p>
+          <a:p>
+            <a:r>
+              <a:rPr lang="en-US" dirty="0"/>
+              <a:t>Google’s PageRank Algorithm</a:t>
+            </a:r>
+            <a:br>
+              <a:rPr lang="en-US" dirty="0"/>
+            </a:br>
+            <a:endParaRPr lang="en-US" dirty="0"/>
+          </a:p>
+        </p:txBody>
+      </p:sp>
+      <p:sp>
+        <p:nvSpPr>
+          <p:cNvPr id="139" name="Slide Number"/>
+          <p:cNvSpPr txBox="1">
+            <a:spLocks noGrp="1"/>
+          </p:cNvSpPr>
+          <p:nvPr>
+            <p:ph type="sldNum" sz="quarter" idx="2"/>
+          </p:nvPr>
+        </p:nvSpPr>
+        <p:spPr>
+          <a:xfrm>
+            <a:off x="12607779" y="9103360"/>
+            <a:ext cx="397022" cy="409449"/>
+          </a:xfrm>
+          <a:prstGeom prst="rect">
+            <a:avLst/>
+          </a:prstGeom>
+          <a:ln w="12700">
+            <a:miter lim="400000"/>
+          </a:ln>
+          <a:extLst>
+            <a:ext uri="{C572A759-6A51-4108-AA02-DFA0A04FC94B}">
+              <ma14:wrappingTextBoxFlag xmlns:ma14="http://schemas.microsoft.com/office/mac/drawingml/2011/main" xmlns:a14="http://schemas.microsoft.com/office/drawing/2010/main" xmlns:m="http://schemas.openxmlformats.org/officeDocument/2006/math" xmlns="" val="1"/>
+            </a:ext>
+          </a:extLst>
+        </p:spPr>
+        <p:txBody>
+          <a:bodyPr wrap="none" lIns="65023" tIns="65023" rIns="65023" bIns="65023">
+            <a:spAutoFit/>
+          </a:bodyPr>
+          <a:lstStyle>
+            <a:defPPr marL="0" marR="0" indent="0" algn="l" defTabSz="914400" rtl="0" fontAlgn="auto" latinLnBrk="1" hangingPunct="0">
+              <a:lnSpc>
+                <a:spcPct val="100000"/>
+              </a:lnSpc>
+              <a:spcBef>
+                <a:spcPts val="0"/>
+              </a:spcBef>
+              <a:spcAft>
+                <a:spcPts val="0"/>
+              </a:spcAft>
+              <a:buClrTx/>
+              <a:buSzTx/>
+              <a:buFontTx/>
+              <a:buNone/>
+              <a:tabLst/>
+              <a:defRPr kumimoji="0" sz="1800" b="0" i="0" u="none" strike="noStrike" cap="none" spc="0" normalizeH="0" baseline="0">
+                <a:ln>
+                  <a:noFill/>
+                </a:ln>
+                <a:solidFill>
+                  <a:srgbClr val="000000"/>
+                </a:solidFill>
+                <a:effectLst/>
+                <a:uFillTx/>
+              </a:defRPr>
+            </a:defPPr>
+            <a:lvl1pPr marL="0" marR="0" indent="0" algn="r" defTabSz="1300480" rtl="0" fontAlgn="auto" latinLnBrk="0" hangingPunct="0">
+              <a:lnSpc>
+                <a:spcPct val="100000"/>
+              </a:lnSpc>
+              <a:spcBef>
+                <a:spcPts val="0"/>
+              </a:spcBef>
+              <a:spcAft>
+                <a:spcPts val="0"/>
+              </a:spcAft>
+              <a:buClrTx/>
+              <a:buSzTx/>
+              <a:buFontTx/>
+              <a:buNone/>
+              <a:tabLst/>
+              <a:defRPr kumimoji="0" sz="1800" b="0" i="0" u="none" strike="noStrike" cap="none" spc="0" normalizeH="0" baseline="0">
+                <a:ln>
+                  <a:noFill/>
+                </a:ln>
+                <a:solidFill>
+                  <a:srgbClr val="000000"/>
+                </a:solidFill>
+                <a:effectLst/>
+                <a:uFillTx/>
+                <a:latin typeface="Helvetica"/>
+                <a:ea typeface="Helvetica"/>
+                <a:cs typeface="Helvetica"/>
+                <a:sym typeface="Helvetica"/>
+              </a:defRPr>
+            </a:lvl1pPr>
+            <a:lvl2pPr marL="0" marR="0" indent="228600" algn="ctr" defTabSz="584200" rtl="0" fontAlgn="auto" latinLnBrk="0" hangingPunct="0">
+              <a:lnSpc>
+                <a:spcPct val="100000"/>
+              </a:lnSpc>
+              <a:spcBef>
+                <a:spcPts val="0"/>
+              </a:spcBef>
+              <a:spcAft>
+                <a:spcPts val="0"/>
+              </a:spcAft>
+              <a:buClrTx/>
+              <a:buSzTx/>
+              <a:buFontTx/>
+              <a:buNone/>
+              <a:tabLst/>
+              <a:defRPr kumimoji="0" sz="2400" b="1" i="0" u="none" strike="noStrike" cap="none" spc="0" normalizeH="0" baseline="0">
+                <a:ln>
+                  <a:noFill/>
+                </a:ln>
+                <a:solidFill>
+                  <a:srgbClr val="FFFFFF"/>
+                </a:solidFill>
+                <a:effectLst/>
+                <a:uFillTx/>
+                <a:latin typeface="Helvetica Neue"/>
+                <a:ea typeface="Helvetica Neue"/>
+                <a:cs typeface="Helvetica Neue"/>
+                <a:sym typeface="Helvetica Neue"/>
+              </a:defRPr>
+            </a:lvl2pPr>
+            <a:lvl3pPr marL="0" marR="0" indent="457200" algn="ctr" defTabSz="584200" rtl="0" fontAlgn="auto" latinLnBrk="0" hangingPunct="0">
+              <a:lnSpc>
+                <a:spcPct val="100000"/>
+              </a:lnSpc>
+              <a:spcBef>
+                <a:spcPts val="0"/>
+              </a:spcBef>
+              <a:spcAft>
+                <a:spcPts val="0"/>
+              </a:spcAft>
+              <a:buClrTx/>
+              <a:buSzTx/>
+              <a:buFontTx/>
+              <a:buNone/>
+              <a:tabLst/>
+              <a:defRPr kumimoji="0" sz="2400" b="1" i="0" u="none" strike="noStrike" cap="none" spc="0" normalizeH="0" baseline="0">
+                <a:ln>
+                  <a:noFill/>
+                </a:ln>
+                <a:solidFill>
+                  <a:srgbClr val="FFFFFF"/>
+                </a:solidFill>
+                <a:effectLst/>
+                <a:uFillTx/>
+                <a:latin typeface="Helvetica Neue"/>
+                <a:ea typeface="Helvetica Neue"/>
+                <a:cs typeface="Helvetica Neue"/>
+                <a:sym typeface="Helvetica Neue"/>
+              </a:defRPr>
+            </a:lvl3pPr>
+            <a:lvl4pPr marL="0" marR="0" indent="685800" algn="ctr" defTabSz="584200" rtl="0" fontAlgn="auto" latinLnBrk="0" hangingPunct="0">
+              <a:lnSpc>
+                <a:spcPct val="100000"/>
+              </a:lnSpc>
+              <a:spcBef>
+                <a:spcPts val="0"/>
+              </a:spcBef>
+              <a:spcAft>
+                <a:spcPts val="0"/>
+              </a:spcAft>
+              <a:buClrTx/>
+              <a:buSzTx/>
+              <a:buFontTx/>
+              <a:buNone/>
+              <a:tabLst/>
+              <a:defRPr kumimoji="0" sz="2400" b="1" i="0" u="none" strike="noStrike" cap="none" spc="0" normalizeH="0" baseline="0">
+                <a:ln>
+                  <a:noFill/>
+                </a:ln>
+                <a:solidFill>
+                  <a:srgbClr val="FFFFFF"/>
+                </a:solidFill>
+                <a:effectLst/>
+                <a:uFillTx/>
+                <a:latin typeface="Helvetica Neue"/>
+                <a:ea typeface="Helvetica Neue"/>
+                <a:cs typeface="Helvetica Neue"/>
+                <a:sym typeface="Helvetica Neue"/>
+              </a:defRPr>
+            </a:lvl4pPr>
+            <a:lvl5pPr marL="0" marR="0" indent="914400" algn="ctr" defTabSz="584200" rtl="0" fontAlgn="auto" latinLnBrk="0" hangingPunct="0">
+              <a:lnSpc>
+                <a:spcPct val="100000"/>
+              </a:lnSpc>
+              <a:spcBef>
+                <a:spcPts val="0"/>
+              </a:spcBef>
+              <a:spcAft>
+                <a:spcPts val="0"/>
+              </a:spcAft>
+              <a:buClrTx/>
+              <a:buSzTx/>
+              <a:buFontTx/>
+              <a:buNone/>
+              <a:tabLst/>
+              <a:defRPr kumimoji="0" sz="2400" b="1" i="0" u="none" strike="noStrike" cap="none" spc="0" normalizeH="0" baseline="0">
+                <a:ln>
+                  <a:noFill/>
+                </a:ln>
+                <a:solidFill>
+                  <a:srgbClr val="FFFFFF"/>
+                </a:solidFill>
+                <a:effectLst/>
+                <a:uFillTx/>
+                <a:latin typeface="Helvetica Neue"/>
+                <a:ea typeface="Helvetica Neue"/>
+                <a:cs typeface="Helvetica Neue"/>
+                <a:sym typeface="Helvetica Neue"/>
+              </a:defRPr>
+            </a:lvl5pPr>
+            <a:lvl6pPr marL="0" marR="0" indent="1143000" algn="ctr" defTabSz="584200" rtl="0" fontAlgn="auto" latinLnBrk="0" hangingPunct="0">
+              <a:lnSpc>
+                <a:spcPct val="100000"/>
+              </a:lnSpc>
+              <a:spcBef>
+                <a:spcPts val="0"/>
+              </a:spcBef>
+              <a:spcAft>
+                <a:spcPts val="0"/>
+              </a:spcAft>
+              <a:buClrTx/>
+              <a:buSzTx/>
+              <a:buFontTx/>
+              <a:buNone/>
+              <a:tabLst/>
+              <a:defRPr kumimoji="0" sz="2400" b="1" i="0" u="none" strike="noStrike" cap="none" spc="0" normalizeH="0" baseline="0">
+                <a:ln>
+                  <a:noFill/>
+                </a:ln>
+                <a:solidFill>
+                  <a:srgbClr val="FFFFFF"/>
+                </a:solidFill>
+                <a:effectLst/>
+                <a:uFillTx/>
+                <a:latin typeface="Helvetica Neue"/>
+                <a:ea typeface="Helvetica Neue"/>
+                <a:cs typeface="Helvetica Neue"/>
+                <a:sym typeface="Helvetica Neue"/>
+              </a:defRPr>
+            </a:lvl6pPr>
+            <a:lvl7pPr marL="0" marR="0" indent="1371600" algn="ctr" defTabSz="584200" rtl="0" fontAlgn="auto" latinLnBrk="0" hangingPunct="0">
+              <a:lnSpc>
+                <a:spcPct val="100000"/>
+              </a:lnSpc>
+              <a:spcBef>
+                <a:spcPts val="0"/>
+              </a:spcBef>
+              <a:spcAft>
+                <a:spcPts val="0"/>
+              </a:spcAft>
+              <a:buClrTx/>
+              <a:buSzTx/>
+              <a:buFontTx/>
+              <a:buNone/>
+              <a:tabLst/>
+              <a:defRPr kumimoji="0" sz="2400" b="1" i="0" u="none" strike="noStrike" cap="none" spc="0" normalizeH="0" baseline="0">
+                <a:ln>
+                  <a:noFill/>
+                </a:ln>
+                <a:solidFill>
+                  <a:srgbClr val="FFFFFF"/>
+                </a:solidFill>
+                <a:effectLst/>
+                <a:uFillTx/>
+                <a:latin typeface="Helvetica Neue"/>
+                <a:ea typeface="Helvetica Neue"/>
+                <a:cs typeface="Helvetica Neue"/>
+                <a:sym typeface="Helvetica Neue"/>
+              </a:defRPr>
+            </a:lvl7pPr>
+            <a:lvl8pPr marL="0" marR="0" indent="1600200" algn="ctr" defTabSz="584200" rtl="0" fontAlgn="auto" latinLnBrk="0" hangingPunct="0">
+              <a:lnSpc>
+                <a:spcPct val="100000"/>
+              </a:lnSpc>
+              <a:spcBef>
+                <a:spcPts val="0"/>
+              </a:spcBef>
+              <a:spcAft>
+                <a:spcPts val="0"/>
+              </a:spcAft>
+              <a:buClrTx/>
+              <a:buSzTx/>
+              <a:buFontTx/>
+              <a:buNone/>
+              <a:tabLst/>
+              <a:defRPr kumimoji="0" sz="2400" b="1" i="0" u="none" strike="noStrike" cap="none" spc="0" normalizeH="0" baseline="0">
+                <a:ln>
+                  <a:noFill/>
+                </a:ln>
+                <a:solidFill>
+                  <a:srgbClr val="FFFFFF"/>
+                </a:solidFill>
+                <a:effectLst/>
+                <a:uFillTx/>
+                <a:latin typeface="Helvetica Neue"/>
+                <a:ea typeface="Helvetica Neue"/>
+                <a:cs typeface="Helvetica Neue"/>
+                <a:sym typeface="Helvetica Neue"/>
+              </a:defRPr>
+            </a:lvl8pPr>
+            <a:lvl9pPr marL="0" marR="0" indent="1828800" algn="ctr" defTabSz="584200" rtl="0" fontAlgn="auto" latinLnBrk="0" hangingPunct="0">
+              <a:lnSpc>
+                <a:spcPct val="100000"/>
+              </a:lnSpc>
+              <a:spcBef>
+                <a:spcPts val="0"/>
+              </a:spcBef>
+              <a:spcAft>
+                <a:spcPts val="0"/>
+              </a:spcAft>
+              <a:buClrTx/>
+              <a:buSzTx/>
+              <a:buFontTx/>
+              <a:buNone/>
+              <a:tabLst/>
+              <a:defRPr kumimoji="0" sz="2400" b="1" i="0" u="none" strike="noStrike" cap="none" spc="0" normalizeH="0" baseline="0">
+                <a:ln>
+                  <a:noFill/>
+                </a:ln>
+                <a:solidFill>
+                  <a:srgbClr val="FFFFFF"/>
+                </a:solidFill>
+                <a:effectLst/>
+                <a:uFillTx/>
+                <a:latin typeface="Helvetica Neue"/>
+                <a:ea typeface="Helvetica Neue"/>
+                <a:cs typeface="Helvetica Neue"/>
+                <a:sym typeface="Helvetica Neue"/>
+              </a:defRPr>
+            </a:lvl9pPr>
+          </a:lstStyle>
+          <a:p>
+            <a:fld id="{86CB4B4D-7CA3-9044-876B-883B54F8677D}" type="slidenum">
+              <a:rPr lang="en-US" smtClean="0"/>
+              <a:pPr/>
+              <a:t>3</a:t>
+            </a:fld>
+            <a:endParaRPr/>
+          </a:p>
+        </p:txBody>
+      </p:sp>
+    </p:spTree>
+    <p:extLst>
+      <p:ext uri="{BB962C8B-B14F-4D97-AF65-F5344CB8AC3E}">
+        <p14:creationId xmlns:p14="http://schemas.microsoft.com/office/powerpoint/2010/main" val="148564504"/>
+      </p:ext>
+    </p:extLst>
+  </p:cSld>
+  <p:clrMapOvr>
+    <a:masterClrMapping/>
+  </p:clrMapOvr>
+</p:sld>
+</file>
+
+<file path=ppt/slides/slide4.xml><?xml version="1.0" encoding="utf-8"?>
+<p:sld xmlns:a="http://schemas.openxmlformats.org/drawingml/2006/main" xmlns:r="http://schemas.openxmlformats.org/officeDocument/2006/relationships" xmlns:p="http://schemas.openxmlformats.org/presentationml/2006/main">
+  <p:cSld>
+    <p:spTree>
+      <p:nvGrpSpPr>
+        <p:cNvPr id="1" name=""/>
+        <p:cNvGrpSpPr/>
+        <p:nvPr/>
+      </p:nvGrpSpPr>
+      <p:grpSpPr>
+        <a:xfrm>
+          <a:off x="0" y="0"/>
+          <a:ext cx="0" cy="0"/>
+          <a:chOff x="0" y="0"/>
+          <a:chExt cx="0" cy="0"/>
+        </a:xfrm>
+      </p:grpSpPr>
+      <p:pic>
+        <p:nvPicPr>
+          <p:cNvPr id="7" name="Picture 6" descr="RF-Graphic-from-DrawShop-a-head-full-of-excellent-ideas-109477-10.jpg"/>
+          <p:cNvPicPr>
+            <a:picLocks noChangeAspect="1"/>
+          </p:cNvPicPr>
+          <p:nvPr/>
+        </p:nvPicPr>
+        <p:blipFill>
+          <a:blip r:embed="rId3">
+            <a:extLst>
+              <a:ext uri="{28A0092B-C50C-407E-A947-70E740481C1C}">
+                <a14:useLocalDpi xmlns:a14="http://schemas.microsoft.com/office/drawing/2010/main" val="0"/>
+              </a:ext>
+            </a:extLst>
+          </a:blip>
+          <a:stretch>
+            <a:fillRect/>
+          </a:stretch>
+        </p:blipFill>
+        <p:spPr>
+          <a:xfrm>
+            <a:off x="152400" y="5029200"/>
+            <a:ext cx="990600" cy="1617980"/>
+          </a:xfrm>
+          <a:prstGeom prst="rect">
+            <a:avLst/>
+          </a:prstGeom>
+        </p:spPr>
+      </p:pic>
+      <p:sp>
+        <p:nvSpPr>
+          <p:cNvPr id="2" name="Title 1"/>
+          <p:cNvSpPr>
+            <a:spLocks noGrp="1"/>
+          </p:cNvSpPr>
+          <p:nvPr>
+            <p:ph type="title"/>
+          </p:nvPr>
+        </p:nvSpPr>
+        <p:spPr/>
+        <p:txBody>
+          <a:bodyPr/>
+          <a:lstStyle/>
+          <a:p>
+            <a:r>
+              <a:rPr lang="en-US" dirty="0"/>
+              <a:t>Computational Concepts Toolbox</a:t>
+            </a:r>
+          </a:p>
+        </p:txBody>
+      </p:sp>
+      <p:sp>
+        <p:nvSpPr>
+          <p:cNvPr id="3" name="Content Placeholder 2"/>
+          <p:cNvSpPr>
+            <a:spLocks noGrp="1"/>
+          </p:cNvSpPr>
+          <p:nvPr>
+            <p:ph sz="half" idx="1"/>
+          </p:nvPr>
+        </p:nvSpPr>
+        <p:spPr/>
+        <p:txBody>
+          <a:bodyPr/>
+          <a:lstStyle/>
+          <a:p>
+            <a:r>
+              <a:rPr lang="en-US" sz="2000" dirty="0"/>
+              <a:t>Data type: values, literals, operations, </a:t>
+            </a:r>
+          </a:p>
+          <a:p>
+            <a:pPr>
+              <a:tabLst>
+                <a:tab pos="4167188" algn="l"/>
+              </a:tabLst>
+            </a:pPr>
+            <a:r>
+              <a:rPr lang="en-US" sz="2000" dirty="0"/>
+              <a:t>Expressions, Call expression</a:t>
+            </a:r>
+          </a:p>
+          <a:p>
+            <a:pPr>
+              <a:tabLst>
+                <a:tab pos="4167188" algn="l"/>
+              </a:tabLst>
+            </a:pPr>
+            <a:r>
+              <a:rPr lang="en-US" sz="2000" dirty="0"/>
+              <a:t>Variables</a:t>
+            </a:r>
+          </a:p>
+          <a:p>
+            <a:pPr>
+              <a:tabLst>
+                <a:tab pos="4167188" algn="l"/>
+              </a:tabLst>
+            </a:pPr>
+            <a:r>
+              <a:rPr lang="en-US" sz="2000" dirty="0"/>
+              <a:t>Assignment Statement</a:t>
+            </a:r>
+          </a:p>
+          <a:p>
+            <a:pPr>
+              <a:tabLst>
+                <a:tab pos="4167188" algn="l"/>
+              </a:tabLst>
+            </a:pPr>
+            <a:r>
+              <a:rPr lang="en-US" sz="2000" dirty="0"/>
+              <a:t>Sequences: tuple, list</a:t>
+            </a:r>
+          </a:p>
+          <a:p>
+            <a:pPr>
+              <a:tabLst>
+                <a:tab pos="4167188" algn="l"/>
+              </a:tabLst>
+            </a:pPr>
+            <a:r>
+              <a:rPr lang="en-US" sz="2000" dirty="0">
+                <a:solidFill>
+                  <a:srgbClr val="000000"/>
+                </a:solidFill>
+              </a:rPr>
+              <a:t>Dictionaries</a:t>
+            </a:r>
+            <a:endParaRPr lang="en-US" sz="1600" dirty="0">
+              <a:solidFill>
+                <a:srgbClr val="000000"/>
+              </a:solidFill>
+            </a:endParaRPr>
+          </a:p>
+          <a:p>
+            <a:pPr>
+              <a:tabLst>
+                <a:tab pos="4167188" algn="l"/>
+              </a:tabLst>
+            </a:pPr>
+            <a:r>
+              <a:rPr lang="en-US" sz="2000" dirty="0"/>
+              <a:t>Data structures</a:t>
+            </a:r>
+          </a:p>
+          <a:p>
+            <a:pPr>
+              <a:tabLst>
+                <a:tab pos="4167188" algn="l"/>
+              </a:tabLst>
+            </a:pPr>
+            <a:r>
+              <a:rPr lang="en-US" sz="2000" dirty="0"/>
+              <a:t>Tuple assignment</a:t>
+            </a:r>
+          </a:p>
+          <a:p>
+            <a:r>
+              <a:rPr lang="en-US" sz="2000" dirty="0"/>
+              <a:t>Function Definition Statement</a:t>
+            </a:r>
+          </a:p>
+          <a:p>
+            <a:pPr>
+              <a:tabLst>
+                <a:tab pos="4167188" algn="l"/>
+              </a:tabLst>
+            </a:pPr>
+            <a:r>
+              <a:rPr lang="en-US" sz="2000" dirty="0"/>
+              <a:t>Conditional Statement</a:t>
+            </a:r>
+          </a:p>
+          <a:p>
+            <a:r>
+              <a:rPr lang="en-US" sz="2000" dirty="0"/>
+              <a:t>Iteration: list comp, for, while</a:t>
+            </a:r>
+          </a:p>
+          <a:p>
+            <a:r>
+              <a:rPr lang="en-US" sz="2000" dirty="0"/>
+              <a:t>Lambda function </a:t>
+            </a:r>
+            <a:r>
+              <a:rPr lang="en-US" sz="2000" dirty="0" err="1"/>
+              <a:t>expr</a:t>
+            </a:r>
+            <a:r>
+              <a:rPr lang="en-US" sz="2000" dirty="0"/>
+              <a:t>.</a:t>
+            </a:r>
+            <a:endParaRPr lang="en-US" dirty="0"/>
+          </a:p>
+          <a:p>
+            <a:pPr>
+              <a:tabLst>
+                <a:tab pos="4167188" algn="l"/>
+              </a:tabLst>
+            </a:pPr>
+            <a:endParaRPr lang="en-US" dirty="0"/>
+          </a:p>
+        </p:txBody>
+      </p:sp>
+      <p:sp>
+        <p:nvSpPr>
+          <p:cNvPr id="8" name="Content Placeholder 7"/>
+          <p:cNvSpPr>
+            <a:spLocks noGrp="1"/>
+          </p:cNvSpPr>
+          <p:nvPr>
+            <p:ph sz="half" idx="2"/>
+          </p:nvPr>
+        </p:nvSpPr>
+        <p:spPr/>
+        <p:txBody>
+          <a:bodyPr/>
+          <a:lstStyle/>
+          <a:p>
+            <a:r>
+              <a:rPr lang="en-US" sz="2000" dirty="0"/>
+              <a:t>Higher Order Functions</a:t>
+            </a:r>
+          </a:p>
+          <a:p>
+            <a:pPr lvl="1"/>
+            <a:r>
+              <a:rPr lang="en-US" sz="1600" dirty="0"/>
+              <a:t>Functions as Values</a:t>
+            </a:r>
+          </a:p>
+          <a:p>
+            <a:pPr lvl="1"/>
+            <a:r>
+              <a:rPr lang="en-US" sz="1600" dirty="0"/>
+              <a:t>Functions with functions as argument</a:t>
+            </a:r>
+          </a:p>
+          <a:p>
+            <a:pPr lvl="1"/>
+            <a:r>
+              <a:rPr lang="en-US" sz="1600" dirty="0"/>
+              <a:t>Assignment of function values</a:t>
+            </a:r>
+          </a:p>
+          <a:p>
+            <a:r>
+              <a:rPr lang="en-US" sz="2000" dirty="0"/>
+              <a:t>Higher order function patterns</a:t>
+            </a:r>
+          </a:p>
+          <a:p>
+            <a:pPr lvl="1"/>
+            <a:r>
+              <a:rPr lang="en-US" sz="2000" dirty="0"/>
+              <a:t>Map, Filter, Reduce</a:t>
+            </a:r>
+          </a:p>
+          <a:p>
+            <a:r>
+              <a:rPr lang="en-US" sz="2000" dirty="0"/>
+              <a:t>Function factories – create and return functions</a:t>
+            </a:r>
+          </a:p>
+          <a:p>
+            <a:r>
+              <a:rPr lang="en-US" sz="2000" dirty="0"/>
+              <a:t>Recursion</a:t>
+            </a:r>
+          </a:p>
+          <a:p>
+            <a:pPr lvl="1"/>
+            <a:r>
+              <a:rPr lang="en-US" sz="2000" dirty="0"/>
+              <a:t>Linear, Tail, Tree</a:t>
+            </a:r>
+          </a:p>
+          <a:p>
+            <a:r>
+              <a:rPr lang="en-US" sz="2000" dirty="0"/>
+              <a:t>Abstract Data Types</a:t>
+            </a:r>
+          </a:p>
+          <a:p>
+            <a:r>
+              <a:rPr lang="en-US" sz="2000" dirty="0"/>
+              <a:t>Generators</a:t>
+            </a:r>
+          </a:p>
+          <a:p>
+            <a:r>
+              <a:rPr lang="en-US" sz="2000" dirty="0"/>
+              <a:t>Mutation</a:t>
+            </a:r>
+            <a:endParaRPr lang="en-US" sz="2400" dirty="0">
+              <a:solidFill>
+                <a:srgbClr val="FF0000"/>
+              </a:solidFill>
+            </a:endParaRPr>
+          </a:p>
+          <a:p>
+            <a:r>
+              <a:rPr lang="en-US" sz="2400" dirty="0">
+                <a:solidFill>
+                  <a:srgbClr val="FF0000"/>
+                </a:solidFill>
+              </a:rPr>
+              <a:t>Object Orientation</a:t>
+            </a:r>
+          </a:p>
+          <a:p>
+            <a:pPr lvl="1"/>
+            <a:endParaRPr lang="en-US" sz="2000" dirty="0"/>
+          </a:p>
+        </p:txBody>
+      </p:sp>
+      <p:sp>
+        <p:nvSpPr>
+          <p:cNvPr id="6" name="Slide Number Placeholder 5"/>
+          <p:cNvSpPr>
+            <a:spLocks noGrp="1"/>
+          </p:cNvSpPr>
+          <p:nvPr>
+            <p:ph type="sldNum" sz="quarter" idx="12"/>
+          </p:nvPr>
+        </p:nvSpPr>
+        <p:spPr/>
+        <p:txBody>
+          <a:bodyPr/>
+          <a:lstStyle/>
+          <a:p>
+            <a:pPr>
+              <a:defRPr/>
+            </a:pPr>
+            <a:fld id="{ACA94121-BA6C-AD43-82C2-DF1F24FE5D9C}" type="slidenum">
+              <a:rPr lang="en-US" smtClean="0"/>
+              <a:pPr>
+                <a:defRPr/>
+              </a:pPr>
+              <a:t>4</a:t>
+            </a:fld>
+            <a:endParaRPr lang="en-US" b="0" dirty="0"/>
+          </a:p>
+        </p:txBody>
+      </p:sp>
+      <p:sp>
+        <p:nvSpPr>
+          <p:cNvPr id="11" name="Date Placeholder 3">
+            <a:extLst>
+              <a:ext uri="{FF2B5EF4-FFF2-40B4-BE49-F238E27FC236}">
+                <a16:creationId xmlns:a16="http://schemas.microsoft.com/office/drawing/2014/main" id="{704B72C6-9E4D-9F49-941A-A2CDF9629A0D}"/>
+              </a:ext>
+            </a:extLst>
+          </p:cNvPr>
+          <p:cNvSpPr>
+            <a:spLocks noGrp="1"/>
+          </p:cNvSpPr>
+          <p:nvPr>
+            <p:ph type="dt" sz="half" idx="10"/>
+          </p:nvPr>
+        </p:nvSpPr>
+        <p:spPr>
+          <a:xfrm>
+            <a:off x="0" y="6553200"/>
+            <a:ext cx="1524000" cy="304800"/>
+          </a:xfrm>
+        </p:spPr>
+        <p:txBody>
+          <a:bodyPr/>
+          <a:lstStyle/>
+          <a:p>
+            <a:pPr>
+              <a:defRPr/>
+            </a:pPr>
+            <a:r>
+              <a:rPr lang="en-US" dirty="0"/>
+              <a:t>11/4/19</a:t>
+            </a:r>
+          </a:p>
+        </p:txBody>
+      </p:sp>
+      <p:sp>
+        <p:nvSpPr>
+          <p:cNvPr id="12" name="Footer Placeholder 4">
+            <a:extLst>
+              <a:ext uri="{FF2B5EF4-FFF2-40B4-BE49-F238E27FC236}">
+                <a16:creationId xmlns:a16="http://schemas.microsoft.com/office/drawing/2014/main" id="{C78DC60F-4831-1C4D-99FF-8C2CC09E0410}"/>
+              </a:ext>
+            </a:extLst>
+          </p:cNvPr>
+          <p:cNvSpPr>
+            <a:spLocks noGrp="1"/>
+          </p:cNvSpPr>
+          <p:nvPr>
+            <p:ph type="ftr" sz="quarter" idx="11"/>
+          </p:nvPr>
+        </p:nvSpPr>
+        <p:spPr>
+          <a:xfrm>
+            <a:off x="3048000" y="6553200"/>
+            <a:ext cx="2895600" cy="304800"/>
+          </a:xfrm>
+        </p:spPr>
+        <p:txBody>
+          <a:bodyPr/>
+          <a:lstStyle/>
+          <a:p>
+            <a:pPr>
+              <a:defRPr/>
+            </a:pPr>
+            <a:r>
+              <a:rPr lang="en-US" dirty="0"/>
+              <a:t>UCB CS88 Fa19 L09</a:t>
+            </a:r>
+          </a:p>
+        </p:txBody>
+      </p:sp>
+    </p:spTree>
+    <p:extLst>
+      <p:ext uri="{BB962C8B-B14F-4D97-AF65-F5344CB8AC3E}">
+        <p14:creationId xmlns:p14="http://schemas.microsoft.com/office/powerpoint/2010/main" val="3342126397"/>
+      </p:ext>
+    </p:extLst>
+  </p:cSld>
+  <p:clrMapOvr>
+    <a:masterClrMapping/>
+  </p:clrMapOvr>
+</p:sld>
+</file>
+
+<file path=ppt/slides/slide5.xml><?xml version="1.0" encoding="utf-8"?>
 <p:sld xmlns:a="http://schemas.openxmlformats.org/drawingml/2006/main" xmlns:r="http://schemas.openxmlformats.org/officeDocument/2006/relationships" xmlns:p="http://schemas.openxmlformats.org/presentationml/2006/main">
   <p:cSld>
     <p:spTree>
@@ -14560,7 +16400,7 @@
         <p:spPr>
           <a:xfrm>
             <a:off x="646223" y="5462180"/>
-            <a:ext cx="7884633" cy="830997"/>
+            <a:ext cx="7884633" cy="369332"/>
           </a:xfrm>
           <a:prstGeom prst="rect">
             <a:avLst/>
@@ -14573,21 +16413,6 @@
           </a:bodyPr>
           <a:lstStyle/>
           <a:p>
-            <a:r>
-              <a:rPr lang="en-US" sz="2400" b="1" dirty="0"/>
-              <a:t>Solution:</a:t>
-            </a:r>
-            <a:br>
-              <a:rPr lang="en-US" sz="2400" b="1" dirty="0"/>
-            </a:br>
-            <a:r>
-              <a:rPr lang="en-US" sz="2400" b="1" dirty="0"/>
-              <a:t>B</a:t>
-            </a:r>
-            <a:r>
-              <a:rPr lang="en-US" sz="2400" dirty="0"/>
-              <a:t>) A change of state</a:t>
-            </a:r>
             <a:endParaRPr lang="en-US" dirty="0"/>
           </a:p>
         </p:txBody>
@@ -14941,10 +16766,15 @@
                             </p:stCondLst>
                             <p:childTnLst>
                               <p:par>
-                                <p:cTn id="5" presetID="1" presetClass="entr" presetSubtype="0" fill="hold" grpId="0" nodeType="clickEffect">
+                                <p:cTn id="5" presetID="1" presetClass="entr" presetSubtype="0" fill="hold" grpId="0" nodeType="clickEffect" nodePh="1">
                                   <p:stCondLst>
                                     <p:cond delay="0"/>
                                   </p:stCondLst>
+                                  <p:endCondLst>
+                                    <p:cond evt="begin" delay="0">
+                                      <p:tn val="5"/>
+                                    </p:cond>
+                                  </p:endCondLst>
                                   <p:childTnLst>
                                     <p:set>
                                       <p:cBhvr>
@@ -15051,7 +16881,7 @@
 </p:sld>
 </file>
 
-<file path=ppt/slides/slide4.xml><?xml version="1.0" encoding="utf-8"?>
+<file path=ppt/slides/slide6.xml><?xml version="1.0" encoding="utf-8"?>
 <p:sld xmlns:a="http://schemas.openxmlformats.org/drawingml/2006/main" xmlns:r="http://schemas.openxmlformats.org/officeDocument/2006/relationships" xmlns:p="http://schemas.openxmlformats.org/presentationml/2006/main">
   <p:cSld>
     <p:spTree>
@@ -15269,7 +17099,7 @@
         <p:spPr>
           <a:xfrm>
             <a:off x="615927" y="5320738"/>
-            <a:ext cx="8604273" cy="1200329"/>
+            <a:ext cx="8604273" cy="369332"/>
           </a:xfrm>
           <a:prstGeom prst="rect">
             <a:avLst/>
@@ -15282,37 +17112,6 @@
           </a:bodyPr>
           <a:lstStyle/>
           <a:p>
-            <a:r>
-              <a:rPr lang="en-US" sz="2400" b="1" dirty="0"/>
-              <a:t>Solution:</a:t>
-            </a:r>
-            <a:br>
-              <a:rPr lang="en-US" sz="2400" b="1" dirty="0"/>
-            </a:br>
-            <a:r>
-              <a:rPr lang="en-US" sz="2400" b="1" dirty="0"/>
-              <a:t>C</a:t>
-            </a:r>
-            <a:r>
-              <a:rPr lang="en-US" sz="2400" dirty="0"/>
-              <a:t>) It’s easier not to have to think about them. Remember: </a:t>
-            </a:r>
-            <a:r>
-              <a:rPr lang="en-US" sz="2400" i="1" dirty="0"/>
-              <a:t>n</a:t>
-            </a:r>
-            <a:r>
-              <a:rPr lang="en-US" sz="2400" dirty="0"/>
-              <a:t> Boolean variables: 2</a:t>
-            </a:r>
-            <a:r>
-              <a:rPr lang="en-US" sz="2400" baseline="30000" dirty="0"/>
-              <a:t>n</a:t>
-            </a:r>
-            <a:r>
-              <a:rPr lang="en-US" sz="2400" dirty="0"/>
-              <a:t> states!</a:t>
-            </a:r>
             <a:endParaRPr lang="en-US" dirty="0"/>
           </a:p>
         </p:txBody>
@@ -15666,10 +17465,15 @@
                             </p:stCondLst>
                             <p:childTnLst>
                               <p:par>
-                                <p:cTn id="5" presetID="1" presetClass="entr" presetSubtype="0" fill="hold" grpId="0" nodeType="clickEffect">
+                                <p:cTn id="5" presetID="1" presetClass="entr" presetSubtype="0" fill="hold" grpId="0" nodeType="clickEffect" nodePh="1">
                                   <p:stCondLst>
                                     <p:cond delay="0"/>
                                   </p:stCondLst>
+                                  <p:endCondLst>
+                                    <p:cond evt="begin" delay="0">
+                                      <p:tn val="5"/>
+                                    </p:cond>
+                                  </p:endCondLst>
                                   <p:childTnLst>
                                     <p:set>
                                       <p:cBhvr>
@@ -15776,7 +17580,7 @@
 </p:sld>
 </file>
 
-<file path=ppt/slides/slide5.xml><?xml version="1.0" encoding="utf-8"?>
+<file path=ppt/slides/slide7.xml><?xml version="1.0" encoding="utf-8"?>
 <p:sld xmlns:a="http://schemas.openxmlformats.org/drawingml/2006/main" xmlns:r="http://schemas.openxmlformats.org/officeDocument/2006/relationships" xmlns:p="http://schemas.openxmlformats.org/presentationml/2006/main">
   <p:cSld>
     <p:spTree>
@@ -16485,7 +18289,7 @@
 </p:sld>
 </file>
 
-<file path=ppt/slides/slide6.xml><?xml version="1.0" encoding="utf-8"?>
+<file path=ppt/slides/slide8.xml><?xml version="1.0" encoding="utf-8"?>
 <p:sld xmlns:a="http://schemas.openxmlformats.org/drawingml/2006/main" xmlns:r="http://schemas.openxmlformats.org/officeDocument/2006/relationships" xmlns:p="http://schemas.openxmlformats.org/presentationml/2006/main">
   <p:cSld>
     <p:spTree>
@@ -16809,7 +18613,7 @@
               <a:pPr>
                 <a:defRPr/>
               </a:pPr>
-              <a:t>6</a:t>
+              <a:t>8</a:t>
             </a:fld>
             <a:endParaRPr lang="en-US" b="0" dirty="0"/>
           </a:p>
@@ -16901,7 +18705,7 @@
 </p:sld>
 </file>
 
-<file path=ppt/slides/slide7.xml><?xml version="1.0" encoding="utf-8"?>
+<file path=ppt/slides/slide9.xml><?xml version="1.0" encoding="utf-8"?>
 <p:sld xmlns:a="http://schemas.openxmlformats.org/drawingml/2006/main" xmlns:r="http://schemas.openxmlformats.org/officeDocument/2006/relationships" xmlns:p="http://schemas.openxmlformats.org/presentationml/2006/main">
   <p:cSld>
     <p:spTree>
@@ -17055,7 +18859,7 @@
               <a:pPr>
                 <a:defRPr/>
               </a:pPr>
-              <a:t>7</a:t>
+              <a:t>9</a:t>
             </a:fld>
             <a:endParaRPr lang="en-US" b="0" dirty="0"/>
           </a:p>
@@ -17143,872 +18947,6 @@
   <p:clrMapOvr>
     <a:masterClrMapping/>
   </p:clrMapOvr>
-</p:sld>
-</file>
-
-<file path=ppt/slides/slide8.xml><?xml version="1.0" encoding="utf-8"?>
-<p:sld xmlns:a="http://schemas.openxmlformats.org/drawingml/2006/main" xmlns:r="http://schemas.openxmlformats.org/officeDocument/2006/relationships" xmlns:p="http://schemas.openxmlformats.org/presentationml/2006/main">
-  <p:cSld>
-    <p:spTree>
-      <p:nvGrpSpPr>
-        <p:cNvPr id="1" name=""/>
-        <p:cNvGrpSpPr/>
-        <p:nvPr/>
-      </p:nvGrpSpPr>
-      <p:grpSpPr>
-        <a:xfrm>
-          <a:off x="0" y="0"/>
-          <a:ext cx="0" cy="0"/>
-          <a:chOff x="0" y="0"/>
-          <a:chExt cx="0" cy="0"/>
-        </a:xfrm>
-      </p:grpSpPr>
-      <p:sp>
-        <p:nvSpPr>
-          <p:cNvPr id="8" name="Title 7"/>
-          <p:cNvSpPr>
-            <a:spLocks noGrp="1"/>
-          </p:cNvSpPr>
-          <p:nvPr>
-            <p:ph type="title"/>
-          </p:nvPr>
-        </p:nvSpPr>
-        <p:spPr/>
-        <p:txBody>
-          <a:bodyPr/>
-          <a:lstStyle/>
-          <a:p>
-            <a:r>
-              <a:rPr lang="en-US" dirty="0"/>
-              <a:t>Objects</a:t>
-            </a:r>
-          </a:p>
-        </p:txBody>
-      </p:sp>
-      <p:sp>
-        <p:nvSpPr>
-          <p:cNvPr id="9" name="Content Placeholder 8"/>
-          <p:cNvSpPr>
-            <a:spLocks noGrp="1"/>
-          </p:cNvSpPr>
-          <p:nvPr>
-            <p:ph idx="1"/>
-          </p:nvPr>
-        </p:nvSpPr>
-        <p:spPr>
-          <a:xfrm>
-            <a:off x="685800" y="1066800"/>
-            <a:ext cx="8229600" cy="5257800"/>
-          </a:xfrm>
-        </p:spPr>
-        <p:txBody>
-          <a:bodyPr/>
-          <a:lstStyle/>
-          <a:p>
-            <a:r>
-              <a:rPr lang="en-US" dirty="0"/>
-              <a:t>An object is the instance of a class.</a:t>
-            </a:r>
-          </a:p>
-          <a:p>
-            <a:endParaRPr lang="en-US" dirty="0"/>
-          </a:p>
-        </p:txBody>
-      </p:sp>
-      <p:pic>
-        <p:nvPicPr>
-          <p:cNvPr id="3" name="Picture 2"/>
-          <p:cNvPicPr>
-            <a:picLocks noChangeAspect="1"/>
-          </p:cNvPicPr>
-          <p:nvPr/>
-        </p:nvPicPr>
-        <p:blipFill>
-          <a:blip r:embed="rId2"/>
-          <a:stretch>
-            <a:fillRect/>
-          </a:stretch>
-        </p:blipFill>
-        <p:spPr>
-          <a:xfrm>
-            <a:off x="1447800" y="1905000"/>
-            <a:ext cx="6172200" cy="4330057"/>
-          </a:xfrm>
-          <a:prstGeom prst="rect">
-            <a:avLst/>
-          </a:prstGeom>
-        </p:spPr>
-      </p:pic>
-      <p:sp>
-        <p:nvSpPr>
-          <p:cNvPr id="12" name="Slide Number Placeholder 5"/>
-          <p:cNvSpPr>
-            <a:spLocks noGrp="1"/>
-          </p:cNvSpPr>
-          <p:nvPr>
-            <p:ph type="sldNum" sz="quarter" idx="12"/>
-          </p:nvPr>
-        </p:nvSpPr>
-        <p:spPr>
-          <a:xfrm>
-            <a:off x="8610600" y="6553200"/>
-            <a:ext cx="533400" cy="304800"/>
-          </a:xfrm>
-        </p:spPr>
-        <p:txBody>
-          <a:bodyPr/>
-          <a:lstStyle/>
-          <a:p>
-            <a:pPr>
-              <a:defRPr/>
-            </a:pPr>
-            <a:fld id="{ACA94121-BA6C-AD43-82C2-DF1F24FE5D9C}" type="slidenum">
-              <a:rPr lang="en-US" smtClean="0"/>
-              <a:pPr>
-                <a:defRPr/>
-              </a:pPr>
-              <a:t>8</a:t>
-            </a:fld>
-            <a:endParaRPr lang="en-US" b="0" dirty="0"/>
-          </a:p>
-        </p:txBody>
-      </p:sp>
-      <p:sp>
-        <p:nvSpPr>
-          <p:cNvPr id="10" name="Date Placeholder 3">
-            <a:extLst>
-              <a:ext uri="{FF2B5EF4-FFF2-40B4-BE49-F238E27FC236}">
-                <a16:creationId xmlns:a16="http://schemas.microsoft.com/office/drawing/2014/main" id="{CA0AC022-1CA1-234A-9687-A6A00D49994F}"/>
-              </a:ext>
-            </a:extLst>
-          </p:cNvPr>
-          <p:cNvSpPr>
-            <a:spLocks noGrp="1"/>
-          </p:cNvSpPr>
-          <p:nvPr>
-            <p:ph type="dt" sz="half" idx="10"/>
-          </p:nvPr>
-        </p:nvSpPr>
-        <p:spPr>
-          <a:xfrm>
-            <a:off x="0" y="6553200"/>
-            <a:ext cx="1524000" cy="304800"/>
-          </a:xfrm>
-        </p:spPr>
-        <p:txBody>
-          <a:bodyPr/>
-          <a:lstStyle/>
-          <a:p>
-            <a:pPr>
-              <a:defRPr/>
-            </a:pPr>
-            <a:r>
-              <a:rPr lang="en-US" dirty="0"/>
-              <a:t>11/4/19</a:t>
-            </a:r>
-          </a:p>
-        </p:txBody>
-      </p:sp>
-      <p:sp>
-        <p:nvSpPr>
-          <p:cNvPr id="11" name="Footer Placeholder 4">
-            <a:extLst>
-              <a:ext uri="{FF2B5EF4-FFF2-40B4-BE49-F238E27FC236}">
-                <a16:creationId xmlns:a16="http://schemas.microsoft.com/office/drawing/2014/main" id="{07DE3D33-69AC-674F-B077-A7846A2BFFF1}"/>
-              </a:ext>
-            </a:extLst>
-          </p:cNvPr>
-          <p:cNvSpPr>
-            <a:spLocks noGrp="1"/>
-          </p:cNvSpPr>
-          <p:nvPr>
-            <p:ph type="ftr" sz="quarter" idx="11"/>
-          </p:nvPr>
-        </p:nvSpPr>
-        <p:spPr>
-          <a:xfrm>
-            <a:off x="3048000" y="6553200"/>
-            <a:ext cx="2895600" cy="304800"/>
-          </a:xfrm>
-        </p:spPr>
-        <p:txBody>
-          <a:bodyPr/>
-          <a:lstStyle/>
-          <a:p>
-            <a:pPr>
-              <a:defRPr/>
-            </a:pPr>
-            <a:r>
-              <a:rPr lang="en-US" dirty="0"/>
-              <a:t>UCB CS88 Fa19 L09</a:t>
-            </a:r>
-          </a:p>
-        </p:txBody>
-      </p:sp>
-    </p:spTree>
-    <p:extLst>
-      <p:ext uri="{BB962C8B-B14F-4D97-AF65-F5344CB8AC3E}">
-        <p14:creationId xmlns:p14="http://schemas.microsoft.com/office/powerpoint/2010/main" val="1128333580"/>
-      </p:ext>
-    </p:extLst>
-  </p:cSld>
-  <p:clrMapOvr>
-    <a:masterClrMapping/>
-  </p:clrMapOvr>
-</p:sld>
-</file>
-
-<file path=ppt/slides/slide9.xml><?xml version="1.0" encoding="utf-8"?>
-<p:sld xmlns:a="http://schemas.openxmlformats.org/drawingml/2006/main" xmlns:r="http://schemas.openxmlformats.org/officeDocument/2006/relationships" xmlns:p="http://schemas.openxmlformats.org/presentationml/2006/main">
-  <p:cSld>
-    <p:spTree>
-      <p:nvGrpSpPr>
-        <p:cNvPr id="1" name=""/>
-        <p:cNvGrpSpPr/>
-        <p:nvPr/>
-      </p:nvGrpSpPr>
-      <p:grpSpPr>
-        <a:xfrm>
-          <a:off x="0" y="0"/>
-          <a:ext cx="0" cy="0"/>
-          <a:chOff x="0" y="0"/>
-          <a:chExt cx="0" cy="0"/>
-        </a:xfrm>
-      </p:grpSpPr>
-      <p:sp>
-        <p:nvSpPr>
-          <p:cNvPr id="8" name="Title 7"/>
-          <p:cNvSpPr>
-            <a:spLocks noGrp="1"/>
-          </p:cNvSpPr>
-          <p:nvPr>
-            <p:ph type="title"/>
-          </p:nvPr>
-        </p:nvSpPr>
-        <p:spPr/>
-        <p:txBody>
-          <a:bodyPr/>
-          <a:lstStyle/>
-          <a:p>
-            <a:r>
-              <a:rPr lang="en-US" dirty="0"/>
-              <a:t>Objects</a:t>
-            </a:r>
-          </a:p>
-        </p:txBody>
-      </p:sp>
-      <p:sp>
-        <p:nvSpPr>
-          <p:cNvPr id="9" name="Content Placeholder 8"/>
-          <p:cNvSpPr>
-            <a:spLocks noGrp="1"/>
-          </p:cNvSpPr>
-          <p:nvPr>
-            <p:ph idx="1"/>
-          </p:nvPr>
-        </p:nvSpPr>
-        <p:spPr/>
-        <p:txBody>
-          <a:bodyPr/>
-          <a:lstStyle/>
-          <a:p>
-            <a:r>
-              <a:rPr lang="en-US" dirty="0"/>
-              <a:t>Objects are concrete instances of classes in memory.</a:t>
-            </a:r>
-          </a:p>
-          <a:p>
-            <a:endParaRPr lang="en-US" dirty="0"/>
-          </a:p>
-          <a:p>
-            <a:r>
-              <a:rPr lang="en-US" dirty="0"/>
-              <a:t>They can have state</a:t>
-            </a:r>
-          </a:p>
-          <a:p>
-            <a:pPr lvl="1"/>
-            <a:r>
-              <a:rPr lang="en-US" dirty="0"/>
-              <a:t>mutable </a:t>
-            </a:r>
-            <a:r>
-              <a:rPr lang="en-US" dirty="0" err="1"/>
-              <a:t>vs</a:t>
-            </a:r>
-            <a:r>
-              <a:rPr lang="en-US" dirty="0"/>
-              <a:t> immutable</a:t>
-            </a:r>
-          </a:p>
-          <a:p>
-            <a:pPr lvl="1"/>
-            <a:endParaRPr lang="en-US" dirty="0">
-              <a:solidFill>
-                <a:srgbClr val="0000FF"/>
-              </a:solidFill>
-            </a:endParaRPr>
-          </a:p>
-          <a:p>
-            <a:r>
-              <a:rPr lang="en-US" dirty="0">
-                <a:solidFill>
-                  <a:schemeClr val="tx2"/>
-                </a:solidFill>
-              </a:rPr>
-              <a:t>Functions do one thing (well)</a:t>
-            </a:r>
-          </a:p>
-          <a:p>
-            <a:pPr lvl="1"/>
-            <a:r>
-              <a:rPr lang="en-US" dirty="0">
-                <a:solidFill>
-                  <a:schemeClr val="tx2"/>
-                </a:solidFill>
-              </a:rPr>
-              <a:t>Objects do a collection of related things</a:t>
-            </a:r>
-          </a:p>
-          <a:p>
-            <a:pPr marL="457200" lvl="1" indent="0">
-              <a:buNone/>
-            </a:pPr>
-            <a:endParaRPr lang="en-US" dirty="0">
-              <a:solidFill>
-                <a:schemeClr val="tx2"/>
-              </a:solidFill>
-            </a:endParaRPr>
-          </a:p>
-          <a:p>
-            <a:r>
-              <a:rPr lang="en-US" dirty="0"/>
-              <a:t>In Python, everything is an object</a:t>
-            </a:r>
-          </a:p>
-          <a:p>
-            <a:pPr lvl="1"/>
-            <a:r>
-              <a:rPr lang="en-US" dirty="0"/>
-              <a:t>All </a:t>
-            </a:r>
-            <a:r>
-              <a:rPr lang="en-US" dirty="0">
-                <a:solidFill>
-                  <a:srgbClr val="0000FF"/>
-                </a:solidFill>
-              </a:rPr>
-              <a:t>objects</a:t>
-            </a:r>
-            <a:r>
-              <a:rPr lang="en-US" dirty="0"/>
-              <a:t> have </a:t>
-            </a:r>
-            <a:r>
-              <a:rPr lang="en-US" dirty="0">
-                <a:solidFill>
-                  <a:srgbClr val="0000FF"/>
-                </a:solidFill>
-              </a:rPr>
-              <a:t>attributes</a:t>
-            </a:r>
-          </a:p>
-          <a:p>
-            <a:pPr lvl="1"/>
-            <a:r>
-              <a:rPr lang="en-US" dirty="0"/>
-              <a:t>Manipulation happens through </a:t>
-            </a:r>
-            <a:r>
-              <a:rPr lang="en-US" dirty="0">
-                <a:solidFill>
-                  <a:srgbClr val="0000FF"/>
-                </a:solidFill>
-              </a:rPr>
-              <a:t>methods</a:t>
-            </a:r>
-          </a:p>
-          <a:p>
-            <a:pPr marL="457200" lvl="1" indent="0">
-              <a:buNone/>
-            </a:pPr>
-            <a:endParaRPr lang="en-US" dirty="0">
-              <a:solidFill>
-                <a:schemeClr val="tx2"/>
-              </a:solidFill>
-            </a:endParaRPr>
-          </a:p>
-        </p:txBody>
-      </p:sp>
-      <p:sp>
-        <p:nvSpPr>
-          <p:cNvPr id="12" name="Slide Number Placeholder 5"/>
-          <p:cNvSpPr>
-            <a:spLocks noGrp="1"/>
-          </p:cNvSpPr>
-          <p:nvPr>
-            <p:ph type="sldNum" sz="quarter" idx="12"/>
-          </p:nvPr>
-        </p:nvSpPr>
-        <p:spPr>
-          <a:xfrm>
-            <a:off x="8610600" y="6553200"/>
-            <a:ext cx="533400" cy="304800"/>
-          </a:xfrm>
-        </p:spPr>
-        <p:txBody>
-          <a:bodyPr/>
-          <a:lstStyle/>
-          <a:p>
-            <a:pPr>
-              <a:defRPr/>
-            </a:pPr>
-            <a:fld id="{ACA94121-BA6C-AD43-82C2-DF1F24FE5D9C}" type="slidenum">
-              <a:rPr lang="en-US" smtClean="0"/>
-              <a:pPr>
-                <a:defRPr/>
-              </a:pPr>
-              <a:t>9</a:t>
-            </a:fld>
-            <a:endParaRPr lang="en-US" b="0" dirty="0"/>
-          </a:p>
-        </p:txBody>
-      </p:sp>
-      <p:sp>
-        <p:nvSpPr>
-          <p:cNvPr id="10" name="Date Placeholder 3">
-            <a:extLst>
-              <a:ext uri="{FF2B5EF4-FFF2-40B4-BE49-F238E27FC236}">
-                <a16:creationId xmlns:a16="http://schemas.microsoft.com/office/drawing/2014/main" id="{C1DF1AA9-C9E3-B747-A7D1-F6B8FCD83B12}"/>
-              </a:ext>
-            </a:extLst>
-          </p:cNvPr>
-          <p:cNvSpPr>
-            <a:spLocks noGrp="1"/>
-          </p:cNvSpPr>
-          <p:nvPr>
-            <p:ph type="dt" sz="half" idx="10"/>
-          </p:nvPr>
-        </p:nvSpPr>
-        <p:spPr>
-          <a:xfrm>
-            <a:off x="0" y="6553200"/>
-            <a:ext cx="1524000" cy="304800"/>
-          </a:xfrm>
-        </p:spPr>
-        <p:txBody>
-          <a:bodyPr/>
-          <a:lstStyle/>
-          <a:p>
-            <a:pPr>
-              <a:defRPr/>
-            </a:pPr>
-            <a:r>
-              <a:rPr lang="en-US" dirty="0"/>
-              <a:t>11/4/19</a:t>
-            </a:r>
-          </a:p>
-        </p:txBody>
-      </p:sp>
-      <p:sp>
-        <p:nvSpPr>
-          <p:cNvPr id="11" name="Footer Placeholder 4">
-            <a:extLst>
-              <a:ext uri="{FF2B5EF4-FFF2-40B4-BE49-F238E27FC236}">
-                <a16:creationId xmlns:a16="http://schemas.microsoft.com/office/drawing/2014/main" id="{2CB1CAC2-C420-F743-9DFD-03CEDCBF22BE}"/>
-              </a:ext>
-            </a:extLst>
-          </p:cNvPr>
-          <p:cNvSpPr>
-            <a:spLocks noGrp="1"/>
-          </p:cNvSpPr>
-          <p:nvPr>
-            <p:ph type="ftr" sz="quarter" idx="11"/>
-          </p:nvPr>
-        </p:nvSpPr>
-        <p:spPr>
-          <a:xfrm>
-            <a:off x="3048000" y="6553200"/>
-            <a:ext cx="2895600" cy="304800"/>
-          </a:xfrm>
-        </p:spPr>
-        <p:txBody>
-          <a:bodyPr/>
-          <a:lstStyle/>
-          <a:p>
-            <a:pPr>
-              <a:defRPr/>
-            </a:pPr>
-            <a:r>
-              <a:rPr lang="en-US" dirty="0"/>
-              <a:t>UCB CS88 Fa19 L09</a:t>
-            </a:r>
-          </a:p>
-        </p:txBody>
-      </p:sp>
-    </p:spTree>
-    <p:extLst>
-      <p:ext uri="{BB962C8B-B14F-4D97-AF65-F5344CB8AC3E}">
-        <p14:creationId xmlns:p14="http://schemas.microsoft.com/office/powerpoint/2010/main" val="4005111729"/>
-      </p:ext>
-    </p:extLst>
-  </p:cSld>
-  <p:clrMapOvr>
-    <a:masterClrMapping/>
-  </p:clrMapOvr>
-  <p:timing>
-    <p:tnLst>
-      <p:par>
-        <p:cTn id="1" dur="indefinite" restart="never" nodeType="tmRoot">
-          <p:childTnLst>
-            <p:seq concurrent="1" nextAc="seek">
-              <p:cTn id="2" dur="indefinite" nodeType="mainSeq">
-                <p:childTnLst>
-                  <p:par>
-                    <p:cTn id="3" fill="hold">
-                      <p:stCondLst>
-                        <p:cond delay="indefinite"/>
-                      </p:stCondLst>
-                      <p:childTnLst>
-                        <p:par>
-                          <p:cTn id="4" fill="hold">
-                            <p:stCondLst>
-                              <p:cond delay="0"/>
-                            </p:stCondLst>
-                            <p:childTnLst>
-                              <p:par>
-                                <p:cTn id="5" presetID="1" presetClass="entr" presetSubtype="0" fill="hold" grpId="0" nodeType="clickEffect">
-                                  <p:stCondLst>
-                                    <p:cond delay="0"/>
-                                  </p:stCondLst>
-                                  <p:childTnLst>
-                                    <p:set>
-                                      <p:cBhvr>
-                                        <p:cTn id="6" dur="1" fill="hold">
-                                          <p:stCondLst>
-                                            <p:cond delay="0"/>
-                                          </p:stCondLst>
-                                        </p:cTn>
-                                        <p:tgtEl>
-                                          <p:spTgt spid="9">
-                                            <p:txEl>
-                                              <p:pRg st="0" end="0"/>
-                                            </p:txEl>
-                                          </p:spTgt>
-                                        </p:tgtEl>
-                                        <p:attrNameLst>
-                                          <p:attrName>style.visibility</p:attrName>
-                                        </p:attrNameLst>
-                                      </p:cBhvr>
-                                      <p:to>
-                                        <p:strVal val="visible"/>
-                                      </p:to>
-                                    </p:set>
-                                  </p:childTnLst>
-                                </p:cTn>
-                              </p:par>
-                            </p:childTnLst>
-                          </p:cTn>
-                        </p:par>
-                      </p:childTnLst>
-                    </p:cTn>
-                  </p:par>
-                  <p:par>
-                    <p:cTn id="7" fill="hold">
-                      <p:stCondLst>
-                        <p:cond delay="indefinite"/>
-                      </p:stCondLst>
-                      <p:childTnLst>
-                        <p:par>
-                          <p:cTn id="8" fill="hold">
-                            <p:stCondLst>
-                              <p:cond delay="0"/>
-                            </p:stCondLst>
-                            <p:childTnLst>
-                              <p:par>
-                                <p:cTn id="9" presetID="1" presetClass="entr" presetSubtype="0" fill="hold" grpId="0" nodeType="clickEffect">
-                                  <p:stCondLst>
-                                    <p:cond delay="0"/>
-                                  </p:stCondLst>
-                                  <p:childTnLst>
-                                    <p:set>
-                                      <p:cBhvr>
-                                        <p:cTn id="10" dur="1" fill="hold">
-                                          <p:stCondLst>
-                                            <p:cond delay="0"/>
-                                          </p:stCondLst>
-                                        </p:cTn>
-                                        <p:tgtEl>
-                                          <p:spTgt spid="9">
-                                            <p:txEl>
-                                              <p:pRg st="2" end="2"/>
-                                            </p:txEl>
-                                          </p:spTgt>
-                                        </p:tgtEl>
-                                        <p:attrNameLst>
-                                          <p:attrName>style.visibility</p:attrName>
-                                        </p:attrNameLst>
-                                      </p:cBhvr>
-                                      <p:to>
-                                        <p:strVal val="visible"/>
-                                      </p:to>
-                                    </p:set>
-                                  </p:childTnLst>
-                                </p:cTn>
-                              </p:par>
-                              <p:par>
-                                <p:cTn id="11" presetID="1" presetClass="entr" presetSubtype="0" fill="hold" grpId="0" nodeType="withEffect">
-                                  <p:stCondLst>
-                                    <p:cond delay="0"/>
-                                  </p:stCondLst>
-                                  <p:childTnLst>
-                                    <p:set>
-                                      <p:cBhvr>
-                                        <p:cTn id="12" dur="1" fill="hold">
-                                          <p:stCondLst>
-                                            <p:cond delay="0"/>
-                                          </p:stCondLst>
-                                        </p:cTn>
-                                        <p:tgtEl>
-                                          <p:spTgt spid="9">
-                                            <p:txEl>
-                                              <p:pRg st="3" end="3"/>
-                                            </p:txEl>
-                                          </p:spTgt>
-                                        </p:tgtEl>
-                                        <p:attrNameLst>
-                                          <p:attrName>style.visibility</p:attrName>
-                                        </p:attrNameLst>
-                                      </p:cBhvr>
-                                      <p:to>
-                                        <p:strVal val="visible"/>
-                                      </p:to>
-                                    </p:set>
-                                  </p:childTnLst>
-                                </p:cTn>
-                              </p:par>
-                            </p:childTnLst>
-                          </p:cTn>
-                        </p:par>
-                      </p:childTnLst>
-                    </p:cTn>
-                  </p:par>
-                  <p:par>
-                    <p:cTn id="13" fill="hold">
-                      <p:stCondLst>
-                        <p:cond delay="indefinite"/>
-                      </p:stCondLst>
-                      <p:childTnLst>
-                        <p:par>
-                          <p:cTn id="14" fill="hold">
-                            <p:stCondLst>
-                              <p:cond delay="0"/>
-                            </p:stCondLst>
-                            <p:childTnLst>
-                              <p:par>
-                                <p:cTn id="15" presetID="1" presetClass="entr" presetSubtype="0" fill="hold" grpId="0" nodeType="clickEffect">
-                                  <p:stCondLst>
-                                    <p:cond delay="0"/>
-                                  </p:stCondLst>
-                                  <p:childTnLst>
-                                    <p:set>
-                                      <p:cBhvr>
-                                        <p:cTn id="16" dur="1" fill="hold">
-                                          <p:stCondLst>
-                                            <p:cond delay="0"/>
-                                          </p:stCondLst>
-                                        </p:cTn>
-                                        <p:tgtEl>
-                                          <p:spTgt spid="9">
-                                            <p:txEl>
-                                              <p:pRg st="5" end="5"/>
-                                            </p:txEl>
-                                          </p:spTgt>
-                                        </p:tgtEl>
-                                        <p:attrNameLst>
-                                          <p:attrName>style.visibility</p:attrName>
-                                        </p:attrNameLst>
-                                      </p:cBhvr>
-                                      <p:to>
-                                        <p:strVal val="visible"/>
-                                      </p:to>
-                                    </p:set>
-                                  </p:childTnLst>
-                                </p:cTn>
-                              </p:par>
-                              <p:par>
-                                <p:cTn id="17" presetID="1" presetClass="entr" presetSubtype="0" fill="hold" grpId="0" nodeType="withEffect">
-                                  <p:stCondLst>
-                                    <p:cond delay="0"/>
-                                  </p:stCondLst>
-                                  <p:childTnLst>
-                                    <p:set>
-                                      <p:cBhvr>
-                                        <p:cTn id="18" dur="1" fill="hold">
-                                          <p:stCondLst>
-                                            <p:cond delay="0"/>
-                                          </p:stCondLst>
-                                        </p:cTn>
-                                        <p:tgtEl>
-                                          <p:spTgt spid="9">
-                                            <p:txEl>
-                                              <p:pRg st="6" end="6"/>
-                                            </p:txEl>
-                                          </p:spTgt>
-                                        </p:tgtEl>
-                                        <p:attrNameLst>
-                                          <p:attrName>style.visibility</p:attrName>
-                                        </p:attrNameLst>
-                                      </p:cBhvr>
-                                      <p:to>
-                                        <p:strVal val="visible"/>
-                                      </p:to>
-                                    </p:set>
-                                  </p:childTnLst>
-                                </p:cTn>
-                              </p:par>
-                            </p:childTnLst>
-                          </p:cTn>
-                        </p:par>
-                      </p:childTnLst>
-                    </p:cTn>
-                  </p:par>
-                  <p:par>
-                    <p:cTn id="19" fill="hold">
-                      <p:stCondLst>
-                        <p:cond delay="indefinite"/>
-                      </p:stCondLst>
-                      <p:childTnLst>
-                        <p:par>
-                          <p:cTn id="20" fill="hold">
-                            <p:stCondLst>
-                              <p:cond delay="0"/>
-                            </p:stCondLst>
-                            <p:childTnLst>
-                              <p:par>
-                                <p:cTn id="21" presetID="1" presetClass="entr" presetSubtype="0" fill="hold" grpId="0" nodeType="clickEffect">
-                                  <p:stCondLst>
-                                    <p:cond delay="0"/>
-                                  </p:stCondLst>
-                                  <p:childTnLst>
-                                    <p:set>
-                                      <p:cBhvr>
-                                        <p:cTn id="22" dur="1" fill="hold">
-                                          <p:stCondLst>
-                                            <p:cond delay="0"/>
-                                          </p:stCondLst>
-                                        </p:cTn>
-                                        <p:tgtEl>
-                                          <p:spTgt spid="9">
-                                            <p:txEl>
-                                              <p:pRg st="8" end="8"/>
-                                            </p:txEl>
-                                          </p:spTgt>
-                                        </p:tgtEl>
-                                        <p:attrNameLst>
-                                          <p:attrName>style.visibility</p:attrName>
-                                        </p:attrNameLst>
-                                      </p:cBhvr>
-                                      <p:to>
-                                        <p:strVal val="visible"/>
-                                      </p:to>
-                                    </p:set>
-                                  </p:childTnLst>
-                                </p:cTn>
-                              </p:par>
-                              <p:par>
-                                <p:cTn id="23" presetID="1" presetClass="entr" presetSubtype="0" fill="hold" grpId="0" nodeType="withEffect">
-                                  <p:stCondLst>
-                                    <p:cond delay="0"/>
-                                  </p:stCondLst>
-                                  <p:childTnLst>
-                                    <p:set>
-                                      <p:cBhvr>
-                                        <p:cTn id="24" dur="1" fill="hold">
-                                          <p:stCondLst>
-                                            <p:cond delay="0"/>
-                                          </p:stCondLst>
-                                        </p:cTn>
-                                        <p:tgtEl>
-                                          <p:spTgt spid="9">
-                                            <p:txEl>
-                                              <p:pRg st="9" end="9"/>
-                                            </p:txEl>
-                                          </p:spTgt>
-                                        </p:tgtEl>
-                                        <p:attrNameLst>
-                                          <p:attrName>style.visibility</p:attrName>
-                                        </p:attrNameLst>
-                                      </p:cBhvr>
-                                      <p:to>
-                                        <p:strVal val="visible"/>
-                                      </p:to>
-                                    </p:set>
-                                  </p:childTnLst>
-                                </p:cTn>
-                              </p:par>
-                              <p:par>
-                                <p:cTn id="25" presetID="1" presetClass="entr" presetSubtype="0" fill="hold" grpId="0" nodeType="withEffect">
-                                  <p:stCondLst>
-                                    <p:cond delay="0"/>
-                                  </p:stCondLst>
-                                  <p:childTnLst>
-                                    <p:set>
-                                      <p:cBhvr>
-                                        <p:cTn id="26" dur="1" fill="hold">
-                                          <p:stCondLst>
-                                            <p:cond delay="0"/>
-                                          </p:stCondLst>
-                                        </p:cTn>
-                                        <p:tgtEl>
-                                          <p:spTgt spid="9">
-                                            <p:txEl>
-                                              <p:pRg st="10" end="10"/>
-                                            </p:txEl>
-                                          </p:spTgt>
-                                        </p:tgtEl>
-                                        <p:attrNameLst>
-                                          <p:attrName>style.visibility</p:attrName>
-                                        </p:attrNameLst>
-                                      </p:cBhvr>
-                                      <p:to>
-                                        <p:strVal val="visible"/>
-                                      </p:to>
-                                    </p:set>
-                                  </p:childTnLst>
-                                </p:cTn>
-                              </p:par>
-                            </p:childTnLst>
-                          </p:cTn>
-                        </p:par>
-                      </p:childTnLst>
-                    </p:cTn>
-                  </p:par>
-                </p:childTnLst>
-              </p:cTn>
-              <p:prevCondLst>
-                <p:cond evt="onPrev" delay="0">
-                  <p:tgtEl>
-                    <p:sldTgt/>
-                  </p:tgtEl>
-                </p:cond>
-              </p:prevCondLst>
-              <p:nextCondLst>
-                <p:cond evt="onNext" delay="0">
-                  <p:tgtEl>
-                    <p:sldTgt/>
-                  </p:tgtEl>
-                </p:cond>
-              </p:nextCondLst>
-            </p:seq>
-          </p:childTnLst>
-        </p:cTn>
-      </p:par>
-    </p:tnLst>
-    <p:bldLst>
-      <p:bldP spid="9" grpId="0" build="p"/>
-    </p:bldLst>
-  </p:timing>
 </p:sld>
 </file>
 
